--- a/slides/Data Structure/线段树.pptx
+++ b/slides/Data Structure/线段树.pptx
@@ -6,18 +6,23 @@
   </p:sldMasterIdLst>
   <p:sldIdLst>
     <p:sldId id="256" r:id="rId2"/>
-    <p:sldId id="257" r:id="rId3"/>
-    <p:sldId id="258" r:id="rId4"/>
-    <p:sldId id="259" r:id="rId5"/>
-    <p:sldId id="260" r:id="rId6"/>
-    <p:sldId id="261" r:id="rId7"/>
-    <p:sldId id="262" r:id="rId8"/>
-    <p:sldId id="263" r:id="rId9"/>
-    <p:sldId id="264" r:id="rId10"/>
-    <p:sldId id="265" r:id="rId11"/>
-    <p:sldId id="266" r:id="rId12"/>
-    <p:sldId id="267" r:id="rId13"/>
-    <p:sldId id="268" r:id="rId14"/>
+    <p:sldId id="269" r:id="rId3"/>
+    <p:sldId id="271" r:id="rId4"/>
+    <p:sldId id="270" r:id="rId5"/>
+    <p:sldId id="272" r:id="rId6"/>
+    <p:sldId id="273" r:id="rId7"/>
+    <p:sldId id="257" r:id="rId8"/>
+    <p:sldId id="258" r:id="rId9"/>
+    <p:sldId id="259" r:id="rId10"/>
+    <p:sldId id="260" r:id="rId11"/>
+    <p:sldId id="261" r:id="rId12"/>
+    <p:sldId id="262" r:id="rId13"/>
+    <p:sldId id="263" r:id="rId14"/>
+    <p:sldId id="264" r:id="rId15"/>
+    <p:sldId id="265" r:id="rId16"/>
+    <p:sldId id="266" r:id="rId17"/>
+    <p:sldId id="267" r:id="rId18"/>
+    <p:sldId id="268" r:id="rId19"/>
   </p:sldIdLst>
   <p:sldSz cx="12192000" cy="6858000"/>
   <p:notesSz cx="6858000" cy="9144000"/>
@@ -116,6 +121,11 @@
       </a:defRPr>
     </a:lvl9pPr>
   </p:defaultTextStyle>
+  <p:extLst>
+    <p:ext uri="{EFAFB233-063F-42B5-8137-9DF3F51BA10A}">
+      <p15:sldGuideLst xmlns:p15="http://schemas.microsoft.com/office/powerpoint/2012/main"/>
+    </p:ext>
+  </p:extLst>
 </p:presentation>
 </file>
 
@@ -720,7 +730,7 @@
           </a:lstStyle>
           <a:p>
             <a:r>
-              <a:rPr lang="zh-CN" altLang="en-US" smtClean="0"/>
+              <a:rPr lang="zh-CN" altLang="en-US"/>
               <a:t>单击此处编辑母版标题样式</a:t>
             </a:r>
             <a:endParaRPr lang="en-US" dirty="0"/>
@@ -840,7 +850,7 @@
           </a:lstStyle>
           <a:p>
             <a:r>
-              <a:rPr lang="zh-CN" altLang="en-US" smtClean="0"/>
+              <a:rPr lang="zh-CN" altLang="en-US"/>
               <a:t>单击以编辑母版副标题样式</a:t>
             </a:r>
             <a:endParaRPr lang="en-US" dirty="0"/>
@@ -865,7 +875,7 @@
             <a:fld id="{B61BEF0D-F0BB-DE4B-95CE-6DB70DBA9567}" type="datetimeFigureOut">
               <a:rPr lang="en-US" dirty="0"/>
               <a:pPr/>
-              <a:t>12/26/2019</a:t>
+              <a:t>10/17/2020</a:t>
             </a:fld>
             <a:endParaRPr lang="en-US" dirty="0"/>
           </a:p>
@@ -966,7 +976,7 @@
           </a:lstStyle>
           <a:p>
             <a:r>
-              <a:rPr lang="zh-CN" altLang="en-US" smtClean="0"/>
+              <a:rPr lang="zh-CN" altLang="en-US"/>
               <a:t>单击此处编辑母版标题样式</a:t>
             </a:r>
             <a:endParaRPr lang="en-US" dirty="0"/>
@@ -1089,7 +1099,7 @@
           <a:p>
             <a:pPr lvl="0"/>
             <a:r>
-              <a:rPr lang="zh-CN" altLang="en-US" smtClean="0"/>
+              <a:rPr lang="zh-CN" altLang="en-US"/>
               <a:t>编辑母版文本样式</a:t>
             </a:r>
           </a:p>
@@ -1113,7 +1123,7 @@
             <a:fld id="{B61BEF0D-F0BB-DE4B-95CE-6DB70DBA9567}" type="datetimeFigureOut">
               <a:rPr lang="en-US" dirty="0"/>
               <a:pPr/>
-              <a:t>12/26/2019</a:t>
+              <a:t>10/17/2020</a:t>
             </a:fld>
             <a:endParaRPr lang="en-US" dirty="0"/>
           </a:p>
@@ -1214,7 +1224,7 @@
           </a:lstStyle>
           <a:p>
             <a:r>
-              <a:rPr lang="zh-CN" altLang="en-US" smtClean="0"/>
+              <a:rPr lang="zh-CN" altLang="en-US"/>
               <a:t>单击此处编辑母版标题样式</a:t>
             </a:r>
             <a:endParaRPr lang="en-US" dirty="0"/>
@@ -1278,7 +1288,7 @@
           <a:p>
             <a:pPr lvl="0"/>
             <a:r>
-              <a:rPr lang="zh-CN" altLang="en-US" smtClean="0"/>
+              <a:rPr lang="zh-CN" altLang="en-US"/>
               <a:t>编辑母版文本样式</a:t>
             </a:r>
           </a:p>
@@ -1400,7 +1410,7 @@
           <a:p>
             <a:pPr lvl="0"/>
             <a:r>
-              <a:rPr lang="zh-CN" altLang="en-US" smtClean="0"/>
+              <a:rPr lang="zh-CN" altLang="en-US"/>
               <a:t>编辑母版文本样式</a:t>
             </a:r>
           </a:p>
@@ -1424,7 +1434,7 @@
             <a:fld id="{B61BEF0D-F0BB-DE4B-95CE-6DB70DBA9567}" type="datetimeFigureOut">
               <a:rPr lang="en-US" dirty="0"/>
               <a:pPr/>
-              <a:t>12/26/2019</a:t>
+              <a:t>10/17/2020</a:t>
             </a:fld>
             <a:endParaRPr lang="en-US" dirty="0"/>
           </a:p>
@@ -1607,7 +1617,7 @@
           </a:lstStyle>
           <a:p>
             <a:r>
-              <a:rPr lang="zh-CN" altLang="en-US" smtClean="0"/>
+              <a:rPr lang="zh-CN" altLang="en-US"/>
               <a:t>单击此处编辑母版标题样式</a:t>
             </a:r>
             <a:endParaRPr lang="en-US" dirty="0"/>
@@ -1730,7 +1740,7 @@
           <a:p>
             <a:pPr lvl="0"/>
             <a:r>
-              <a:rPr lang="zh-CN" altLang="en-US" smtClean="0"/>
+              <a:rPr lang="zh-CN" altLang="en-US"/>
               <a:t>编辑母版文本样式</a:t>
             </a:r>
           </a:p>
@@ -1754,7 +1764,7 @@
             <a:fld id="{B61BEF0D-F0BB-DE4B-95CE-6DB70DBA9567}" type="datetimeFigureOut">
               <a:rPr lang="en-US" dirty="0"/>
               <a:pPr/>
-              <a:t>12/26/2019</a:t>
+              <a:t>10/17/2020</a:t>
             </a:fld>
             <a:endParaRPr lang="en-US" dirty="0"/>
           </a:p>
@@ -1855,7 +1865,7 @@
           </a:lstStyle>
           <a:p>
             <a:r>
-              <a:rPr lang="zh-CN" altLang="en-US" smtClean="0"/>
+              <a:rPr lang="zh-CN" altLang="en-US"/>
               <a:t>单击此处编辑母版标题样式</a:t>
             </a:r>
             <a:endParaRPr lang="en-US" dirty="0"/>
@@ -1919,7 +1929,7 @@
           <a:p>
             <a:pPr lvl="0"/>
             <a:r>
-              <a:rPr lang="zh-CN" altLang="en-US" smtClean="0"/>
+              <a:rPr lang="zh-CN" altLang="en-US"/>
               <a:t>编辑母版文本样式</a:t>
             </a:r>
           </a:p>
@@ -2041,7 +2051,7 @@
           <a:p>
             <a:pPr lvl="0"/>
             <a:r>
-              <a:rPr lang="zh-CN" altLang="en-US" smtClean="0"/>
+              <a:rPr lang="zh-CN" altLang="en-US"/>
               <a:t>编辑母版文本样式</a:t>
             </a:r>
           </a:p>
@@ -2065,7 +2075,7 @@
             <a:fld id="{B61BEF0D-F0BB-DE4B-95CE-6DB70DBA9567}" type="datetimeFigureOut">
               <a:rPr lang="en-US" dirty="0"/>
               <a:pPr/>
-              <a:t>12/26/2019</a:t>
+              <a:t>10/17/2020</a:t>
             </a:fld>
             <a:endParaRPr lang="en-US" dirty="0"/>
           </a:p>
@@ -2248,7 +2258,7 @@
           </a:lstStyle>
           <a:p>
             <a:r>
-              <a:rPr lang="zh-CN" altLang="en-US" smtClean="0"/>
+              <a:rPr lang="zh-CN" altLang="en-US"/>
               <a:t>单击此处编辑母版标题样式</a:t>
             </a:r>
             <a:endParaRPr lang="en-US" dirty="0"/>
@@ -2309,7 +2319,7 @@
           <a:p>
             <a:pPr lvl="0"/>
             <a:r>
-              <a:rPr lang="zh-CN" altLang="en-US" smtClean="0"/>
+              <a:rPr lang="zh-CN" altLang="en-US"/>
               <a:t>编辑母版文本样式</a:t>
             </a:r>
           </a:p>
@@ -2431,7 +2441,7 @@
           <a:p>
             <a:pPr lvl="0"/>
             <a:r>
-              <a:rPr lang="zh-CN" altLang="en-US" smtClean="0"/>
+              <a:rPr lang="zh-CN" altLang="en-US"/>
               <a:t>编辑母版文本样式</a:t>
             </a:r>
           </a:p>
@@ -2455,7 +2465,7 @@
             <a:fld id="{B61BEF0D-F0BB-DE4B-95CE-6DB70DBA9567}" type="datetimeFigureOut">
               <a:rPr lang="en-US" dirty="0"/>
               <a:pPr/>
-              <a:t>12/26/2019</a:t>
+              <a:t>10/17/2020</a:t>
             </a:fld>
             <a:endParaRPr lang="en-US" dirty="0"/>
           </a:p>
@@ -2545,7 +2555,7 @@
           <a:lstStyle/>
           <a:p>
             <a:r>
-              <a:rPr lang="zh-CN" altLang="en-US" smtClean="0"/>
+              <a:rPr lang="zh-CN" altLang="en-US"/>
               <a:t>单击此处编辑母版标题样式</a:t>
             </a:r>
             <a:endParaRPr lang="en-US" dirty="0"/>
@@ -2569,35 +2579,35 @@
           <a:p>
             <a:pPr lvl="0"/>
             <a:r>
-              <a:rPr lang="zh-CN" altLang="en-US" smtClean="0"/>
+              <a:rPr lang="zh-CN" altLang="en-US"/>
               <a:t>编辑母版文本样式</a:t>
             </a:r>
           </a:p>
           <a:p>
             <a:pPr lvl="1"/>
             <a:r>
-              <a:rPr lang="zh-CN" altLang="en-US" smtClean="0"/>
+              <a:rPr lang="zh-CN" altLang="en-US"/>
               <a:t>第二级</a:t>
             </a:r>
           </a:p>
           <a:p>
             <a:pPr lvl="2"/>
             <a:r>
-              <a:rPr lang="zh-CN" altLang="en-US" smtClean="0"/>
+              <a:rPr lang="zh-CN" altLang="en-US"/>
               <a:t>第三级</a:t>
             </a:r>
           </a:p>
           <a:p>
             <a:pPr lvl="3"/>
             <a:r>
-              <a:rPr lang="zh-CN" altLang="en-US" smtClean="0"/>
+              <a:rPr lang="zh-CN" altLang="en-US"/>
               <a:t>第四级</a:t>
             </a:r>
           </a:p>
           <a:p>
             <a:pPr lvl="4"/>
             <a:r>
-              <a:rPr lang="zh-CN" altLang="en-US" smtClean="0"/>
+              <a:rPr lang="zh-CN" altLang="en-US"/>
               <a:t>第五级</a:t>
             </a:r>
             <a:endParaRPr lang="en-US" dirty="0"/>
@@ -2621,7 +2631,7 @@
           <a:p>
             <a:fld id="{55C6B4A9-1611-4792-9094-5F34BCA07E0B}" type="datetimeFigureOut">
               <a:rPr lang="en-US" dirty="0"/>
-              <a:t>12/26/2019</a:t>
+              <a:t>10/17/2020</a:t>
             </a:fld>
             <a:endParaRPr lang="en-US" dirty="0"/>
           </a:p>
@@ -2715,7 +2725,7 @@
           <a:lstStyle/>
           <a:p>
             <a:r>
-              <a:rPr lang="zh-CN" altLang="en-US" smtClean="0"/>
+              <a:rPr lang="zh-CN" altLang="en-US"/>
               <a:t>单击此处编辑母版标题样式</a:t>
             </a:r>
             <a:endParaRPr lang="en-US" dirty="0"/>
@@ -2744,35 +2754,35 @@
           <a:p>
             <a:pPr lvl="0"/>
             <a:r>
-              <a:rPr lang="zh-CN" altLang="en-US" smtClean="0"/>
+              <a:rPr lang="zh-CN" altLang="en-US"/>
               <a:t>编辑母版文本样式</a:t>
             </a:r>
           </a:p>
           <a:p>
             <a:pPr lvl="1"/>
             <a:r>
-              <a:rPr lang="zh-CN" altLang="en-US" smtClean="0"/>
+              <a:rPr lang="zh-CN" altLang="en-US"/>
               <a:t>第二级</a:t>
             </a:r>
           </a:p>
           <a:p>
             <a:pPr lvl="2"/>
             <a:r>
-              <a:rPr lang="zh-CN" altLang="en-US" smtClean="0"/>
+              <a:rPr lang="zh-CN" altLang="en-US"/>
               <a:t>第三级</a:t>
             </a:r>
           </a:p>
           <a:p>
             <a:pPr lvl="3"/>
             <a:r>
-              <a:rPr lang="zh-CN" altLang="en-US" smtClean="0"/>
+              <a:rPr lang="zh-CN" altLang="en-US"/>
               <a:t>第四级</a:t>
             </a:r>
           </a:p>
           <a:p>
             <a:pPr lvl="4"/>
             <a:r>
-              <a:rPr lang="zh-CN" altLang="en-US" smtClean="0"/>
+              <a:rPr lang="zh-CN" altLang="en-US"/>
               <a:t>第五级</a:t>
             </a:r>
             <a:endParaRPr lang="en-US" dirty="0"/>
@@ -2797,7 +2807,7 @@
             <a:fld id="{B61BEF0D-F0BB-DE4B-95CE-6DB70DBA9567}" type="datetimeFigureOut">
               <a:rPr lang="en-US" dirty="0"/>
               <a:pPr/>
-              <a:t>12/26/2019</a:t>
+              <a:t>10/17/2020</a:t>
             </a:fld>
             <a:endParaRPr lang="en-US" dirty="0"/>
           </a:p>
@@ -2887,7 +2897,7 @@
           <a:lstStyle/>
           <a:p>
             <a:r>
-              <a:rPr lang="zh-CN" altLang="en-US" smtClean="0"/>
+              <a:rPr lang="zh-CN" altLang="en-US"/>
               <a:t>单击此处编辑母版标题样式</a:t>
             </a:r>
             <a:endParaRPr lang="en-US" dirty="0"/>
@@ -2911,35 +2921,35 @@
           <a:p>
             <a:pPr lvl="0"/>
             <a:r>
-              <a:rPr lang="zh-CN" altLang="en-US" smtClean="0"/>
+              <a:rPr lang="zh-CN" altLang="en-US"/>
               <a:t>编辑母版文本样式</a:t>
             </a:r>
           </a:p>
           <a:p>
             <a:pPr lvl="1"/>
             <a:r>
-              <a:rPr lang="zh-CN" altLang="en-US" smtClean="0"/>
+              <a:rPr lang="zh-CN" altLang="en-US"/>
               <a:t>第二级</a:t>
             </a:r>
           </a:p>
           <a:p>
             <a:pPr lvl="2"/>
             <a:r>
-              <a:rPr lang="zh-CN" altLang="en-US" smtClean="0"/>
+              <a:rPr lang="zh-CN" altLang="en-US"/>
               <a:t>第三级</a:t>
             </a:r>
           </a:p>
           <a:p>
             <a:pPr lvl="3"/>
             <a:r>
-              <a:rPr lang="zh-CN" altLang="en-US" smtClean="0"/>
+              <a:rPr lang="zh-CN" altLang="en-US"/>
               <a:t>第四级</a:t>
             </a:r>
           </a:p>
           <a:p>
             <a:pPr lvl="4"/>
             <a:r>
-              <a:rPr lang="zh-CN" altLang="en-US" smtClean="0"/>
+              <a:rPr lang="zh-CN" altLang="en-US"/>
               <a:t>第五级</a:t>
             </a:r>
             <a:endParaRPr lang="en-US" dirty="0"/>
@@ -2963,7 +2973,7 @@
           <a:p>
             <a:fld id="{42A54C80-263E-416B-A8E0-580EDEADCBDC}" type="datetimeFigureOut">
               <a:rPr lang="en-US" dirty="0"/>
-              <a:t>12/26/2019</a:t>
+              <a:t>10/17/2020</a:t>
             </a:fld>
             <a:endParaRPr lang="en-US" dirty="0"/>
           </a:p>
@@ -3061,7 +3071,7 @@
           </a:lstStyle>
           <a:p>
             <a:r>
-              <a:rPr lang="zh-CN" altLang="en-US" smtClean="0"/>
+              <a:rPr lang="zh-CN" altLang="en-US"/>
               <a:t>单击此处编辑母版标题样式</a:t>
             </a:r>
             <a:endParaRPr lang="en-US" dirty="0"/>
@@ -3182,7 +3192,7 @@
           <a:p>
             <a:pPr lvl="0"/>
             <a:r>
-              <a:rPr lang="zh-CN" altLang="en-US" smtClean="0"/>
+              <a:rPr lang="zh-CN" altLang="en-US"/>
               <a:t>编辑母版文本样式</a:t>
             </a:r>
           </a:p>
@@ -3206,7 +3216,7 @@
             <a:fld id="{B61BEF0D-F0BB-DE4B-95CE-6DB70DBA9567}" type="datetimeFigureOut">
               <a:rPr lang="en-US" dirty="0"/>
               <a:pPr/>
-              <a:t>12/26/2019</a:t>
+              <a:t>10/17/2020</a:t>
             </a:fld>
             <a:endParaRPr lang="en-US" dirty="0"/>
           </a:p>
@@ -3296,7 +3306,7 @@
           <a:lstStyle/>
           <a:p>
             <a:r>
-              <a:rPr lang="zh-CN" altLang="en-US" smtClean="0"/>
+              <a:rPr lang="zh-CN" altLang="en-US"/>
               <a:t>单击此处编辑母版标题样式</a:t>
             </a:r>
             <a:endParaRPr lang="en-US" dirty="0"/>
@@ -3325,35 +3335,35 @@
           <a:p>
             <a:pPr lvl="0"/>
             <a:r>
-              <a:rPr lang="zh-CN" altLang="en-US" smtClean="0"/>
+              <a:rPr lang="zh-CN" altLang="en-US"/>
               <a:t>编辑母版文本样式</a:t>
             </a:r>
           </a:p>
           <a:p>
             <a:pPr lvl="1"/>
             <a:r>
-              <a:rPr lang="zh-CN" altLang="en-US" smtClean="0"/>
+              <a:rPr lang="zh-CN" altLang="en-US"/>
               <a:t>第二级</a:t>
             </a:r>
           </a:p>
           <a:p>
             <a:pPr lvl="2"/>
             <a:r>
-              <a:rPr lang="zh-CN" altLang="en-US" smtClean="0"/>
+              <a:rPr lang="zh-CN" altLang="en-US"/>
               <a:t>第三级</a:t>
             </a:r>
           </a:p>
           <a:p>
             <a:pPr lvl="3"/>
             <a:r>
-              <a:rPr lang="zh-CN" altLang="en-US" smtClean="0"/>
+              <a:rPr lang="zh-CN" altLang="en-US"/>
               <a:t>第四级</a:t>
             </a:r>
           </a:p>
           <a:p>
             <a:pPr lvl="4"/>
             <a:r>
-              <a:rPr lang="zh-CN" altLang="en-US" smtClean="0"/>
+              <a:rPr lang="zh-CN" altLang="en-US"/>
               <a:t>第五级</a:t>
             </a:r>
             <a:endParaRPr lang="en-US" dirty="0"/>
@@ -3382,35 +3392,35 @@
           <a:p>
             <a:pPr lvl="0"/>
             <a:r>
-              <a:rPr lang="zh-CN" altLang="en-US" smtClean="0"/>
+              <a:rPr lang="zh-CN" altLang="en-US"/>
               <a:t>编辑母版文本样式</a:t>
             </a:r>
           </a:p>
           <a:p>
             <a:pPr lvl="1"/>
             <a:r>
-              <a:rPr lang="zh-CN" altLang="en-US" smtClean="0"/>
+              <a:rPr lang="zh-CN" altLang="en-US"/>
               <a:t>第二级</a:t>
             </a:r>
           </a:p>
           <a:p>
             <a:pPr lvl="2"/>
             <a:r>
-              <a:rPr lang="zh-CN" altLang="en-US" smtClean="0"/>
+              <a:rPr lang="zh-CN" altLang="en-US"/>
               <a:t>第三级</a:t>
             </a:r>
           </a:p>
           <a:p>
             <a:pPr lvl="3"/>
             <a:r>
-              <a:rPr lang="zh-CN" altLang="en-US" smtClean="0"/>
+              <a:rPr lang="zh-CN" altLang="en-US"/>
               <a:t>第四级</a:t>
             </a:r>
           </a:p>
           <a:p>
             <a:pPr lvl="4"/>
             <a:r>
-              <a:rPr lang="zh-CN" altLang="en-US" smtClean="0"/>
+              <a:rPr lang="zh-CN" altLang="en-US"/>
               <a:t>第五级</a:t>
             </a:r>
             <a:endParaRPr lang="en-US" dirty="0"/>
@@ -3434,7 +3444,7 @@
           <a:p>
             <a:fld id="{42A54C80-263E-416B-A8E0-580EDEADCBDC}" type="datetimeFigureOut">
               <a:rPr lang="en-US" dirty="0"/>
-              <a:t>12/26/2019</a:t>
+              <a:t>10/17/2020</a:t>
             </a:fld>
             <a:endParaRPr lang="en-US" dirty="0"/>
           </a:p>
@@ -3527,7 +3537,7 @@
           </a:lstStyle>
           <a:p>
             <a:r>
-              <a:rPr lang="zh-CN" altLang="en-US" smtClean="0"/>
+              <a:rPr lang="zh-CN" altLang="en-US"/>
               <a:t>单击此处编辑母版标题样式</a:t>
             </a:r>
             <a:endParaRPr lang="en-US" dirty="0"/>
@@ -3595,7 +3605,7 @@
           <a:p>
             <a:pPr lvl="0"/>
             <a:r>
-              <a:rPr lang="zh-CN" altLang="en-US" smtClean="0"/>
+              <a:rPr lang="zh-CN" altLang="en-US"/>
               <a:t>编辑母版文本样式</a:t>
             </a:r>
           </a:p>
@@ -3625,35 +3635,35 @@
           <a:p>
             <a:pPr lvl="0"/>
             <a:r>
-              <a:rPr lang="zh-CN" altLang="en-US" smtClean="0"/>
+              <a:rPr lang="zh-CN" altLang="en-US"/>
               <a:t>编辑母版文本样式</a:t>
             </a:r>
           </a:p>
           <a:p>
             <a:pPr lvl="1"/>
             <a:r>
-              <a:rPr lang="zh-CN" altLang="en-US" smtClean="0"/>
+              <a:rPr lang="zh-CN" altLang="en-US"/>
               <a:t>第二级</a:t>
             </a:r>
           </a:p>
           <a:p>
             <a:pPr lvl="2"/>
             <a:r>
-              <a:rPr lang="zh-CN" altLang="en-US" smtClean="0"/>
+              <a:rPr lang="zh-CN" altLang="en-US"/>
               <a:t>第三级</a:t>
             </a:r>
           </a:p>
           <a:p>
             <a:pPr lvl="3"/>
             <a:r>
-              <a:rPr lang="zh-CN" altLang="en-US" smtClean="0"/>
+              <a:rPr lang="zh-CN" altLang="en-US"/>
               <a:t>第四级</a:t>
             </a:r>
           </a:p>
           <a:p>
             <a:pPr lvl="4"/>
             <a:r>
-              <a:rPr lang="zh-CN" altLang="en-US" smtClean="0"/>
+              <a:rPr lang="zh-CN" altLang="en-US"/>
               <a:t>第五级</a:t>
             </a:r>
             <a:endParaRPr lang="en-US" dirty="0"/>
@@ -3721,7 +3731,7 @@
           <a:p>
             <a:pPr lvl="0"/>
             <a:r>
-              <a:rPr lang="zh-CN" altLang="en-US" smtClean="0"/>
+              <a:rPr lang="zh-CN" altLang="en-US"/>
               <a:t>编辑母版文本样式</a:t>
             </a:r>
           </a:p>
@@ -3751,35 +3761,35 @@
           <a:p>
             <a:pPr lvl="0"/>
             <a:r>
-              <a:rPr lang="zh-CN" altLang="en-US" smtClean="0"/>
+              <a:rPr lang="zh-CN" altLang="en-US"/>
               <a:t>编辑母版文本样式</a:t>
             </a:r>
           </a:p>
           <a:p>
             <a:pPr lvl="1"/>
             <a:r>
-              <a:rPr lang="zh-CN" altLang="en-US" smtClean="0"/>
+              <a:rPr lang="zh-CN" altLang="en-US"/>
               <a:t>第二级</a:t>
             </a:r>
           </a:p>
           <a:p>
             <a:pPr lvl="2"/>
             <a:r>
-              <a:rPr lang="zh-CN" altLang="en-US" smtClean="0"/>
+              <a:rPr lang="zh-CN" altLang="en-US"/>
               <a:t>第三级</a:t>
             </a:r>
           </a:p>
           <a:p>
             <a:pPr lvl="3"/>
             <a:r>
-              <a:rPr lang="zh-CN" altLang="en-US" smtClean="0"/>
+              <a:rPr lang="zh-CN" altLang="en-US"/>
               <a:t>第四级</a:t>
             </a:r>
           </a:p>
           <a:p>
             <a:pPr lvl="4"/>
             <a:r>
-              <a:rPr lang="zh-CN" altLang="en-US" smtClean="0"/>
+              <a:rPr lang="zh-CN" altLang="en-US"/>
               <a:t>第五级</a:t>
             </a:r>
             <a:endParaRPr lang="en-US" dirty="0"/>
@@ -3804,7 +3814,7 @@
             <a:fld id="{B61BEF0D-F0BB-DE4B-95CE-6DB70DBA9567}" type="datetimeFigureOut">
               <a:rPr lang="en-US" dirty="0"/>
               <a:pPr/>
-              <a:t>12/26/2019</a:t>
+              <a:t>10/17/2020</a:t>
             </a:fld>
             <a:endParaRPr lang="en-US" dirty="0"/>
           </a:p>
@@ -3899,7 +3909,7 @@
           <a:lstStyle/>
           <a:p>
             <a:r>
-              <a:rPr lang="zh-CN" altLang="en-US" smtClean="0"/>
+              <a:rPr lang="zh-CN" altLang="en-US"/>
               <a:t>单击此处编辑母版标题样式</a:t>
             </a:r>
             <a:endParaRPr lang="en-US" dirty="0"/>
@@ -3924,7 +3934,7 @@
             <a:fld id="{B61BEF0D-F0BB-DE4B-95CE-6DB70DBA9567}" type="datetimeFigureOut">
               <a:rPr lang="en-US" dirty="0"/>
               <a:pPr/>
-              <a:t>12/26/2019</a:t>
+              <a:t>10/17/2020</a:t>
             </a:fld>
             <a:endParaRPr lang="en-US" dirty="0"/>
           </a:p>
@@ -4016,7 +4026,7 @@
             <a:fld id="{B61BEF0D-F0BB-DE4B-95CE-6DB70DBA9567}" type="datetimeFigureOut">
               <a:rPr lang="en-US" dirty="0"/>
               <a:pPr/>
-              <a:t>12/26/2019</a:t>
+              <a:t>10/17/2020</a:t>
             </a:fld>
             <a:endParaRPr lang="en-US" dirty="0"/>
           </a:p>
@@ -4117,7 +4127,7 @@
           </a:lstStyle>
           <a:p>
             <a:r>
-              <a:rPr lang="zh-CN" altLang="en-US" smtClean="0"/>
+              <a:rPr lang="zh-CN" altLang="en-US"/>
               <a:t>单击此处编辑母版标题样式</a:t>
             </a:r>
             <a:endParaRPr lang="en-US" dirty="0"/>
@@ -4148,35 +4158,35 @@
           <a:p>
             <a:pPr lvl="0"/>
             <a:r>
-              <a:rPr lang="zh-CN" altLang="en-US" smtClean="0"/>
+              <a:rPr lang="zh-CN" altLang="en-US"/>
               <a:t>编辑母版文本样式</a:t>
             </a:r>
           </a:p>
           <a:p>
             <a:pPr lvl="1"/>
             <a:r>
-              <a:rPr lang="zh-CN" altLang="en-US" smtClean="0"/>
+              <a:rPr lang="zh-CN" altLang="en-US"/>
               <a:t>第二级</a:t>
             </a:r>
           </a:p>
           <a:p>
             <a:pPr lvl="2"/>
             <a:r>
-              <a:rPr lang="zh-CN" altLang="en-US" smtClean="0"/>
+              <a:rPr lang="zh-CN" altLang="en-US"/>
               <a:t>第三级</a:t>
             </a:r>
           </a:p>
           <a:p>
             <a:pPr lvl="3"/>
             <a:r>
-              <a:rPr lang="zh-CN" altLang="en-US" smtClean="0"/>
+              <a:rPr lang="zh-CN" altLang="en-US"/>
               <a:t>第四级</a:t>
             </a:r>
           </a:p>
           <a:p>
             <a:pPr lvl="4"/>
             <a:r>
-              <a:rPr lang="zh-CN" altLang="en-US" smtClean="0"/>
+              <a:rPr lang="zh-CN" altLang="en-US"/>
               <a:t>第五级</a:t>
             </a:r>
             <a:endParaRPr lang="en-US" dirty="0"/>
@@ -4244,7 +4254,7 @@
           <a:p>
             <a:pPr lvl="0"/>
             <a:r>
-              <a:rPr lang="zh-CN" altLang="en-US" smtClean="0"/>
+              <a:rPr lang="zh-CN" altLang="en-US"/>
               <a:t>编辑母版文本样式</a:t>
             </a:r>
           </a:p>
@@ -4267,7 +4277,7 @@
           <a:p>
             <a:fld id="{42A54C80-263E-416B-A8E0-580EDEADCBDC}" type="datetimeFigureOut">
               <a:rPr lang="en-US" dirty="0"/>
-              <a:t>12/26/2019</a:t>
+              <a:t>10/17/2020</a:t>
             </a:fld>
             <a:endParaRPr lang="en-US" dirty="0"/>
           </a:p>
@@ -4367,7 +4377,7 @@
           </a:lstStyle>
           <a:p>
             <a:r>
-              <a:rPr lang="zh-CN" altLang="en-US" smtClean="0"/>
+              <a:rPr lang="zh-CN" altLang="en-US"/>
               <a:t>单击此处编辑母版标题样式</a:t>
             </a:r>
             <a:endParaRPr lang="en-US" dirty="0"/>
@@ -4434,7 +4444,7 @@
           </a:lstStyle>
           <a:p>
             <a:r>
-              <a:rPr lang="zh-CN" altLang="en-US" smtClean="0"/>
+              <a:rPr lang="zh-CN" altLang="en-US"/>
               <a:t>单击图标添加图片</a:t>
             </a:r>
             <a:endParaRPr lang="en-US" dirty="0"/>
@@ -4502,7 +4512,7 @@
           <a:p>
             <a:pPr lvl="0"/>
             <a:r>
-              <a:rPr lang="zh-CN" altLang="en-US" smtClean="0"/>
+              <a:rPr lang="zh-CN" altLang="en-US"/>
               <a:t>编辑母版文本样式</a:t>
             </a:r>
           </a:p>
@@ -4569,7 +4579,7 @@
             <a:fld id="{B61BEF0D-F0BB-DE4B-95CE-6DB70DBA9567}" type="datetimeFigureOut">
               <a:rPr lang="en-US" dirty="0"/>
               <a:pPr/>
-              <a:t>12/26/2019</a:t>
+              <a:t>10/17/2020</a:t>
             </a:fld>
             <a:endParaRPr lang="en-US" dirty="0"/>
           </a:p>
@@ -5162,7 +5172,7 @@
           <a:lstStyle/>
           <a:p>
             <a:r>
-              <a:rPr lang="zh-CN" altLang="en-US" smtClean="0"/>
+              <a:rPr lang="zh-CN" altLang="en-US"/>
               <a:t>单击此处编辑母版标题样式</a:t>
             </a:r>
             <a:endParaRPr lang="en-US" dirty="0"/>
@@ -5196,35 +5206,35 @@
           <a:p>
             <a:pPr lvl="0"/>
             <a:r>
-              <a:rPr lang="zh-CN" altLang="en-US" smtClean="0"/>
+              <a:rPr lang="zh-CN" altLang="en-US"/>
               <a:t>编辑母版文本样式</a:t>
             </a:r>
           </a:p>
           <a:p>
             <a:pPr lvl="1"/>
             <a:r>
-              <a:rPr lang="zh-CN" altLang="en-US" smtClean="0"/>
+              <a:rPr lang="zh-CN" altLang="en-US"/>
               <a:t>第二级</a:t>
             </a:r>
           </a:p>
           <a:p>
             <a:pPr lvl="2"/>
             <a:r>
-              <a:rPr lang="zh-CN" altLang="en-US" smtClean="0"/>
+              <a:rPr lang="zh-CN" altLang="en-US"/>
               <a:t>第三级</a:t>
             </a:r>
           </a:p>
           <a:p>
             <a:pPr lvl="3"/>
             <a:r>
-              <a:rPr lang="zh-CN" altLang="en-US" smtClean="0"/>
+              <a:rPr lang="zh-CN" altLang="en-US"/>
               <a:t>第四级</a:t>
             </a:r>
           </a:p>
           <a:p>
             <a:pPr lvl="4"/>
             <a:r>
-              <a:rPr lang="zh-CN" altLang="en-US" smtClean="0"/>
+              <a:rPr lang="zh-CN" altLang="en-US"/>
               <a:t>第五级</a:t>
             </a:r>
             <a:endParaRPr lang="en-US" dirty="0"/>
@@ -5267,7 +5277,7 @@
             <a:fld id="{B61BEF0D-F0BB-DE4B-95CE-6DB70DBA9567}" type="datetimeFigureOut">
               <a:rPr lang="en-US" dirty="0"/>
               <a:pPr/>
-              <a:t>12/26/2019</a:t>
+              <a:t>10/17/2020</a:t>
             </a:fld>
             <a:endParaRPr lang="en-US" dirty="0"/>
           </a:p>
@@ -5803,10 +5813,9 @@
           <a:lstStyle/>
           <a:p>
             <a:r>
-              <a:rPr lang="zh-CN" altLang="en-US" dirty="0" smtClean="0"/>
+              <a:rPr lang="zh-CN" altLang="en-US" dirty="0"/>
               <a:t>线段树</a:t>
             </a:r>
-            <a:endParaRPr lang="zh-CN" altLang="en-US" dirty="0"/>
           </a:p>
         </p:txBody>
       </p:sp>
@@ -5826,7 +5835,7 @@
           <a:lstStyle/>
           <a:p>
             <a:r>
-              <a:rPr lang="en-US" altLang="zh-CN" dirty="0" smtClean="0"/>
+              <a:rPr lang="en-US" altLang="zh-CN" dirty="0"/>
               <a:t>Part 1</a:t>
             </a:r>
             <a:endParaRPr lang="zh-CN" altLang="en-US" dirty="0"/>
@@ -5880,7 +5889,7 @@
           <a:p>
             <a:r>
               <a:rPr lang="zh-CN" altLang="en-US" dirty="0"/>
-              <a:t>初始化</a:t>
+              <a:t>单点修改</a:t>
             </a:r>
           </a:p>
         </p:txBody>
@@ -5895,508 +5904,115 @@
             <p:ph idx="1"/>
           </p:nvPr>
         </p:nvSpPr>
-        <p:spPr>
-          <a:xfrm>
-            <a:off x="677334" y="2160589"/>
-            <a:ext cx="4559684" cy="3880773"/>
-          </a:xfrm>
-        </p:spPr>
+        <p:spPr/>
         <p:txBody>
           <a:bodyPr>
-            <a:normAutofit fontScale="92500" lnSpcReduction="20000"/>
+            <a:normAutofit lnSpcReduction="10000"/>
           </a:bodyPr>
           <a:lstStyle/>
           <a:p>
             <a:r>
-              <a:rPr lang="en-US" altLang="zh-CN" dirty="0" smtClean="0"/>
-              <a:t>ULL hash[</a:t>
-            </a:r>
-            <a:r>
-              <a:rPr lang="en-US" altLang="zh-CN" dirty="0" err="1" smtClean="0"/>
+              <a:rPr lang="en-US" altLang="zh-CN" dirty="0" err="1"/>
+              <a:t>Int</a:t>
+            </a:r>
+            <a:r>
+              <a:rPr lang="en-US" altLang="zh-CN" dirty="0"/>
+              <a:t> sum[</a:t>
+            </a:r>
+            <a:r>
+              <a:rPr lang="en-US" altLang="zh-CN" dirty="0" err="1"/>
               <a:t>maxn</a:t>
             </a:r>
             <a:r>
-              <a:rPr lang="en-US" altLang="zh-CN" dirty="0" smtClean="0"/>
-              <a:t>], base[</a:t>
-            </a:r>
-            <a:r>
-              <a:rPr lang="en-US" altLang="zh-CN" dirty="0" err="1" smtClean="0"/>
-              <a:t>maxn</a:t>
-            </a:r>
-            <a:r>
-              <a:rPr lang="en-US" altLang="zh-CN" dirty="0" smtClean="0"/>
+              <a:rPr lang="en-US" altLang="zh-CN" dirty="0"/>
               <a:t>];</a:t>
             </a:r>
           </a:p>
           <a:p>
             <a:r>
-              <a:rPr lang="en-US" altLang="zh-CN" dirty="0" err="1" smtClean="0"/>
-              <a:t>Const</a:t>
-            </a:r>
-            <a:r>
-              <a:rPr lang="en-US" altLang="zh-CN" dirty="0" smtClean="0"/>
-              <a:t> ULL Base = *****, Mod =  *****;</a:t>
-            </a:r>
-          </a:p>
-          <a:p>
-            <a:r>
-              <a:rPr lang="en-US" altLang="zh-CN" dirty="0" smtClean="0"/>
-              <a:t>Char s[</a:t>
-            </a:r>
-            <a:r>
-              <a:rPr lang="en-US" altLang="zh-CN" dirty="0" err="1" smtClean="0"/>
-              <a:t>maxn</a:t>
-            </a:r>
-            <a:r>
-              <a:rPr lang="en-US" altLang="zh-CN" dirty="0" smtClean="0"/>
-              <a:t>];</a:t>
-            </a:r>
-          </a:p>
-          <a:p>
-            <a:r>
-              <a:rPr lang="en-US" altLang="zh-CN" dirty="0" smtClean="0"/>
-              <a:t>Void </a:t>
-            </a:r>
-            <a:r>
-              <a:rPr lang="en-US" altLang="zh-CN" dirty="0" err="1" smtClean="0"/>
-              <a:t>init</a:t>
-            </a:r>
-            <a:r>
-              <a:rPr lang="en-US" altLang="zh-CN" dirty="0" smtClean="0"/>
-              <a:t>(</a:t>
-            </a:r>
-            <a:r>
-              <a:rPr lang="en-US" altLang="zh-CN" dirty="0" err="1" smtClean="0"/>
-              <a:t>int</a:t>
-            </a:r>
-            <a:r>
-              <a:rPr lang="en-US" altLang="zh-CN" dirty="0" smtClean="0"/>
-              <a:t> x,  </a:t>
-            </a:r>
-            <a:r>
-              <a:rPr lang="en-US" altLang="zh-CN" dirty="0" err="1" smtClean="0"/>
-              <a:t>int</a:t>
-            </a:r>
-            <a:r>
-              <a:rPr lang="en-US" altLang="zh-CN" dirty="0" smtClean="0"/>
-              <a:t> l,  </a:t>
-            </a:r>
-            <a:r>
-              <a:rPr lang="en-US" altLang="zh-CN" dirty="0" err="1" smtClean="0"/>
-              <a:t>int</a:t>
-            </a:r>
-            <a:r>
-              <a:rPr lang="en-US" altLang="zh-CN" dirty="0" smtClean="0"/>
-              <a:t> r){</a:t>
+              <a:rPr lang="en-US" altLang="zh-CN" dirty="0"/>
+              <a:t>Void Update(x,  l,  r,  </a:t>
+            </a:r>
+            <a:r>
+              <a:rPr lang="en-US" altLang="zh-CN" dirty="0" err="1"/>
+              <a:t>pos</a:t>
+            </a:r>
+            <a:r>
+              <a:rPr lang="en-US" altLang="zh-CN" dirty="0"/>
+              <a:t>,  x){</a:t>
             </a:r>
           </a:p>
           <a:p>
             <a:pPr lvl="1"/>
             <a:r>
-              <a:rPr lang="en-US" altLang="zh-CN" dirty="0" smtClean="0"/>
+              <a:rPr lang="en-US" altLang="zh-CN" dirty="0"/>
               <a:t>If (l == r){</a:t>
             </a:r>
           </a:p>
           <a:p>
             <a:pPr lvl="2"/>
             <a:r>
-              <a:rPr lang="en-US" altLang="zh-CN" dirty="0" smtClean="0"/>
-              <a:t>Hash[x] = s[l];</a:t>
+              <a:rPr lang="en-US" altLang="zh-CN" dirty="0"/>
+              <a:t>Sum[pos] += x;</a:t>
             </a:r>
           </a:p>
           <a:p>
             <a:pPr lvl="2"/>
             <a:r>
-              <a:rPr lang="en-US" altLang="zh-CN" dirty="0" smtClean="0"/>
+              <a:rPr lang="en-US" altLang="zh-CN" dirty="0"/>
               <a:t>Return;</a:t>
             </a:r>
           </a:p>
           <a:p>
             <a:pPr lvl="1"/>
             <a:r>
-              <a:rPr lang="en-US" altLang="zh-CN" dirty="0" smtClean="0"/>
+              <a:rPr lang="en-US" altLang="zh-CN" dirty="0"/>
               <a:t>}</a:t>
             </a:r>
           </a:p>
           <a:p>
             <a:pPr lvl="1"/>
             <a:r>
-              <a:rPr lang="en-US" altLang="zh-CN" dirty="0" err="1" smtClean="0"/>
+              <a:rPr lang="en-US" altLang="zh-CN" dirty="0" err="1"/>
               <a:t>Int</a:t>
             </a:r>
             <a:r>
-              <a:rPr lang="en-US" altLang="zh-CN" dirty="0" smtClean="0"/>
+              <a:rPr lang="en-US" altLang="zh-CN" dirty="0"/>
               <a:t> mid = (l + r)/2;</a:t>
             </a:r>
           </a:p>
           <a:p>
             <a:pPr lvl="1"/>
             <a:r>
-              <a:rPr lang="en-US" altLang="zh-CN" dirty="0" err="1" smtClean="0"/>
-              <a:t>Init</a:t>
-            </a:r>
-            <a:r>
-              <a:rPr lang="en-US" altLang="zh-CN" dirty="0" smtClean="0"/>
-              <a:t>(x*2,l,mid);  </a:t>
-            </a:r>
-            <a:r>
-              <a:rPr lang="en-US" altLang="zh-CN" dirty="0" err="1" smtClean="0"/>
-              <a:t>init</a:t>
-            </a:r>
-            <a:r>
-              <a:rPr lang="en-US" altLang="zh-CN" dirty="0" smtClean="0"/>
-              <a:t>(x*2+1,mid+1,r);</a:t>
+              <a:rPr lang="en-US" altLang="zh-CN" dirty="0"/>
+              <a:t>If (</a:t>
+            </a:r>
+            <a:r>
+              <a:rPr lang="en-US" altLang="zh-CN" dirty="0" err="1"/>
+              <a:t>pos</a:t>
+            </a:r>
+            <a:r>
+              <a:rPr lang="en-US" altLang="zh-CN" dirty="0"/>
+              <a:t> &lt;= mid)update(x*2,l,mid,pos,x);</a:t>
             </a:r>
           </a:p>
           <a:p>
             <a:pPr lvl="1"/>
             <a:r>
-              <a:rPr lang="en-US" altLang="zh-CN" dirty="0" smtClean="0"/>
-              <a:t>Up(</a:t>
-            </a:r>
-            <a:r>
-              <a:rPr lang="en-US" altLang="zh-CN" dirty="0" err="1" smtClean="0"/>
-              <a:t>x,l,mid,r</a:t>
-            </a:r>
-            <a:r>
-              <a:rPr lang="en-US" altLang="zh-CN" dirty="0" smtClean="0"/>
-              <a:t>);</a:t>
-            </a:r>
-            <a:endParaRPr lang="en-US" altLang="zh-CN" dirty="0"/>
-          </a:p>
-          <a:p>
-            <a:r>
-              <a:rPr lang="en-US" altLang="zh-CN" dirty="0" smtClean="0"/>
-              <a:t>}</a:t>
-            </a:r>
-            <a:endParaRPr lang="zh-CN" altLang="en-US" dirty="0"/>
-          </a:p>
-        </p:txBody>
-      </p:sp>
-      <p:sp>
-        <p:nvSpPr>
-          <p:cNvPr id="4" name="内容占位符 2"/>
-          <p:cNvSpPr txBox="1">
-            <a:spLocks/>
-          </p:cNvSpPr>
-          <p:nvPr/>
-        </p:nvSpPr>
-        <p:spPr>
-          <a:xfrm>
-            <a:off x="5301981" y="2160588"/>
-            <a:ext cx="4559684" cy="3880773"/>
-          </a:xfrm>
-          <a:prstGeom prst="rect">
-            <a:avLst/>
-          </a:prstGeom>
-        </p:spPr>
-        <p:txBody>
-          <a:bodyPr vert="horz" lIns="91440" tIns="45720" rIns="91440" bIns="45720" rtlCol="0">
-            <a:normAutofit/>
-          </a:bodyPr>
-          <a:lstStyle>
-            <a:lvl1pPr marL="342900" indent="-342900" algn="l" defTabSz="457200" rtl="0" eaLnBrk="1" latinLnBrk="0" hangingPunct="1">
-              <a:spcBef>
-                <a:spcPts val="1000"/>
-              </a:spcBef>
-              <a:spcAft>
-                <a:spcPts val="0"/>
-              </a:spcAft>
-              <a:buClr>
-                <a:schemeClr val="accent1"/>
-              </a:buClr>
-              <a:buSzPct val="80000"/>
-              <a:buFont typeface="Wingdings 3" charset="2"/>
-              <a:buChar char=""/>
-              <a:defRPr sz="1800" kern="1200">
-                <a:solidFill>
-                  <a:schemeClr val="tx1">
-                    <a:lumMod val="75000"/>
-                    <a:lumOff val="25000"/>
-                  </a:schemeClr>
-                </a:solidFill>
-                <a:latin typeface="+mn-lt"/>
-                <a:ea typeface="+mn-ea"/>
-                <a:cs typeface="+mn-cs"/>
-              </a:defRPr>
-            </a:lvl1pPr>
-            <a:lvl2pPr marL="742950" indent="-285750" algn="l" defTabSz="457200" rtl="0" eaLnBrk="1" latinLnBrk="0" hangingPunct="1">
-              <a:spcBef>
-                <a:spcPts val="1000"/>
-              </a:spcBef>
-              <a:spcAft>
-                <a:spcPts val="0"/>
-              </a:spcAft>
-              <a:buClr>
-                <a:schemeClr val="accent1"/>
-              </a:buClr>
-              <a:buSzPct val="80000"/>
-              <a:buFont typeface="Wingdings 3" charset="2"/>
-              <a:buChar char=""/>
-              <a:defRPr sz="1600" kern="1200">
-                <a:solidFill>
-                  <a:schemeClr val="tx1">
-                    <a:lumMod val="75000"/>
-                    <a:lumOff val="25000"/>
-                  </a:schemeClr>
-                </a:solidFill>
-                <a:latin typeface="+mn-lt"/>
-                <a:ea typeface="+mn-ea"/>
-                <a:cs typeface="+mn-cs"/>
-              </a:defRPr>
-            </a:lvl2pPr>
-            <a:lvl3pPr marL="1143000" indent="-228600" algn="l" defTabSz="457200" rtl="0" eaLnBrk="1" latinLnBrk="0" hangingPunct="1">
-              <a:spcBef>
-                <a:spcPts val="1000"/>
-              </a:spcBef>
-              <a:spcAft>
-                <a:spcPts val="0"/>
-              </a:spcAft>
-              <a:buClr>
-                <a:schemeClr val="accent1"/>
-              </a:buClr>
-              <a:buSzPct val="80000"/>
-              <a:buFont typeface="Wingdings 3" charset="2"/>
-              <a:buChar char=""/>
-              <a:defRPr sz="1400" kern="1200">
-                <a:solidFill>
-                  <a:schemeClr val="tx1">
-                    <a:lumMod val="75000"/>
-                    <a:lumOff val="25000"/>
-                  </a:schemeClr>
-                </a:solidFill>
-                <a:latin typeface="+mn-lt"/>
-                <a:ea typeface="+mn-ea"/>
-                <a:cs typeface="+mn-cs"/>
-              </a:defRPr>
-            </a:lvl3pPr>
-            <a:lvl4pPr marL="1600200" indent="-228600" algn="l" defTabSz="457200" rtl="0" eaLnBrk="1" latinLnBrk="0" hangingPunct="1">
-              <a:spcBef>
-                <a:spcPts val="1000"/>
-              </a:spcBef>
-              <a:spcAft>
-                <a:spcPts val="0"/>
-              </a:spcAft>
-              <a:buClr>
-                <a:schemeClr val="accent1"/>
-              </a:buClr>
-              <a:buSzPct val="80000"/>
-              <a:buFont typeface="Wingdings 3" charset="2"/>
-              <a:buChar char=""/>
-              <a:defRPr sz="1200" kern="1200">
-                <a:solidFill>
-                  <a:schemeClr val="tx1">
-                    <a:lumMod val="75000"/>
-                    <a:lumOff val="25000"/>
-                  </a:schemeClr>
-                </a:solidFill>
-                <a:latin typeface="+mn-lt"/>
-                <a:ea typeface="+mn-ea"/>
-                <a:cs typeface="+mn-cs"/>
-              </a:defRPr>
-            </a:lvl4pPr>
-            <a:lvl5pPr marL="2057400" indent="-228600" algn="l" defTabSz="457200" rtl="0" eaLnBrk="1" latinLnBrk="0" hangingPunct="1">
-              <a:spcBef>
-                <a:spcPts val="1000"/>
-              </a:spcBef>
-              <a:spcAft>
-                <a:spcPts val="0"/>
-              </a:spcAft>
-              <a:buClr>
-                <a:schemeClr val="accent1"/>
-              </a:buClr>
-              <a:buSzPct val="80000"/>
-              <a:buFont typeface="Wingdings 3" charset="2"/>
-              <a:buChar char=""/>
-              <a:defRPr sz="1200" kern="1200">
-                <a:solidFill>
-                  <a:schemeClr val="tx1">
-                    <a:lumMod val="75000"/>
-                    <a:lumOff val="25000"/>
-                  </a:schemeClr>
-                </a:solidFill>
-                <a:latin typeface="+mn-lt"/>
-                <a:ea typeface="+mn-ea"/>
-                <a:cs typeface="+mn-cs"/>
-              </a:defRPr>
-            </a:lvl5pPr>
-            <a:lvl6pPr marL="2514600" indent="-228600" algn="l" defTabSz="457200" rtl="0" eaLnBrk="1" latinLnBrk="0" hangingPunct="1">
-              <a:spcBef>
-                <a:spcPts val="1000"/>
-              </a:spcBef>
-              <a:spcAft>
-                <a:spcPts val="0"/>
-              </a:spcAft>
-              <a:buClr>
-                <a:schemeClr val="accent1"/>
-              </a:buClr>
-              <a:buSzPct val="80000"/>
-              <a:buFont typeface="Wingdings 3" charset="2"/>
-              <a:buChar char=""/>
-              <a:defRPr sz="1200" kern="1200">
-                <a:solidFill>
-                  <a:schemeClr val="tx1">
-                    <a:lumMod val="75000"/>
-                    <a:lumOff val="25000"/>
-                  </a:schemeClr>
-                </a:solidFill>
-                <a:latin typeface="+mn-lt"/>
-                <a:ea typeface="+mn-ea"/>
-                <a:cs typeface="+mn-cs"/>
-              </a:defRPr>
-            </a:lvl6pPr>
-            <a:lvl7pPr marL="2971800" indent="-228600" algn="l" defTabSz="457200" rtl="0" eaLnBrk="1" latinLnBrk="0" hangingPunct="1">
-              <a:spcBef>
-                <a:spcPts val="1000"/>
-              </a:spcBef>
-              <a:spcAft>
-                <a:spcPts val="0"/>
-              </a:spcAft>
-              <a:buClr>
-                <a:schemeClr val="accent1"/>
-              </a:buClr>
-              <a:buSzPct val="80000"/>
-              <a:buFont typeface="Wingdings 3" charset="2"/>
-              <a:buChar char=""/>
-              <a:defRPr sz="1200" kern="1200">
-                <a:solidFill>
-                  <a:schemeClr val="tx1">
-                    <a:lumMod val="75000"/>
-                    <a:lumOff val="25000"/>
-                  </a:schemeClr>
-                </a:solidFill>
-                <a:latin typeface="+mn-lt"/>
-                <a:ea typeface="+mn-ea"/>
-                <a:cs typeface="+mn-cs"/>
-              </a:defRPr>
-            </a:lvl7pPr>
-            <a:lvl8pPr marL="3429000" indent="-228600" algn="l" defTabSz="457200" rtl="0" eaLnBrk="1" latinLnBrk="0" hangingPunct="1">
-              <a:spcBef>
-                <a:spcPts val="1000"/>
-              </a:spcBef>
-              <a:spcAft>
-                <a:spcPts val="0"/>
-              </a:spcAft>
-              <a:buClr>
-                <a:schemeClr val="accent1"/>
-              </a:buClr>
-              <a:buSzPct val="80000"/>
-              <a:buFont typeface="Wingdings 3" charset="2"/>
-              <a:buChar char=""/>
-              <a:defRPr sz="1200" kern="1200">
-                <a:solidFill>
-                  <a:schemeClr val="tx1">
-                    <a:lumMod val="75000"/>
-                    <a:lumOff val="25000"/>
-                  </a:schemeClr>
-                </a:solidFill>
-                <a:latin typeface="+mn-lt"/>
-                <a:ea typeface="+mn-ea"/>
-                <a:cs typeface="+mn-cs"/>
-              </a:defRPr>
-            </a:lvl8pPr>
-            <a:lvl9pPr marL="3886200" indent="-228600" algn="l" defTabSz="457200" rtl="0" eaLnBrk="1" latinLnBrk="0" hangingPunct="1">
-              <a:spcBef>
-                <a:spcPts val="1000"/>
-              </a:spcBef>
-              <a:spcAft>
-                <a:spcPts val="0"/>
-              </a:spcAft>
-              <a:buClr>
-                <a:schemeClr val="accent1"/>
-              </a:buClr>
-              <a:buSzPct val="80000"/>
-              <a:buFont typeface="Wingdings 3" charset="2"/>
-              <a:buChar char=""/>
-              <a:defRPr sz="1200" kern="1200">
-                <a:solidFill>
-                  <a:schemeClr val="tx1">
-                    <a:lumMod val="75000"/>
-                    <a:lumOff val="25000"/>
-                  </a:schemeClr>
-                </a:solidFill>
-                <a:latin typeface="+mn-lt"/>
-                <a:ea typeface="+mn-ea"/>
-                <a:cs typeface="+mn-cs"/>
-              </a:defRPr>
-            </a:lvl9pPr>
-          </a:lstStyle>
-          <a:p>
-            <a:r>
-              <a:rPr lang="en-US" altLang="zh-CN" dirty="0" smtClean="0"/>
-              <a:t>Void up(</a:t>
-            </a:r>
-            <a:r>
-              <a:rPr lang="en-US" altLang="zh-CN" dirty="0" err="1" smtClean="0"/>
-              <a:t>int</a:t>
-            </a:r>
-            <a:r>
-              <a:rPr lang="en-US" altLang="zh-CN" dirty="0" smtClean="0"/>
-              <a:t> x,  </a:t>
-            </a:r>
-            <a:r>
-              <a:rPr lang="en-US" altLang="zh-CN" dirty="0" err="1" smtClean="0"/>
-              <a:t>int</a:t>
-            </a:r>
-            <a:r>
-              <a:rPr lang="en-US" altLang="zh-CN" dirty="0" smtClean="0"/>
-              <a:t> l,  </a:t>
-            </a:r>
-            <a:r>
-              <a:rPr lang="en-US" altLang="zh-CN" dirty="0" err="1" smtClean="0"/>
-              <a:t>int</a:t>
-            </a:r>
-            <a:r>
-              <a:rPr lang="en-US" altLang="zh-CN" dirty="0" smtClean="0"/>
-              <a:t> mid,  </a:t>
-            </a:r>
-            <a:r>
-              <a:rPr lang="en-US" altLang="zh-CN" dirty="0" err="1" smtClean="0"/>
-              <a:t>int</a:t>
-            </a:r>
-            <a:r>
-              <a:rPr lang="en-US" altLang="zh-CN" dirty="0" smtClean="0"/>
-              <a:t> r){</a:t>
+              <a:rPr lang="en-US" altLang="zh-CN" dirty="0"/>
+              <a:t>Else update(x*2+1,mid+1,r,pos,x);</a:t>
             </a:r>
           </a:p>
           <a:p>
             <a:pPr lvl="1"/>
             <a:r>
-              <a:rPr lang="en-US" altLang="zh-CN" dirty="0" err="1" smtClean="0"/>
-              <a:t>Int</a:t>
-            </a:r>
-            <a:r>
-              <a:rPr lang="en-US" altLang="zh-CN" dirty="0" smtClean="0"/>
-              <a:t> </a:t>
-            </a:r>
-            <a:r>
-              <a:rPr lang="en-US" altLang="zh-CN" dirty="0" err="1" smtClean="0"/>
-              <a:t>lenR</a:t>
-            </a:r>
-            <a:r>
-              <a:rPr lang="en-US" altLang="zh-CN" dirty="0" smtClean="0"/>
-              <a:t> = r – mid;</a:t>
-            </a:r>
-          </a:p>
-          <a:p>
-            <a:pPr lvl="1"/>
-            <a:r>
-              <a:rPr lang="en-US" altLang="zh-CN" dirty="0" smtClean="0"/>
-              <a:t>Hash[x] = (hash[x*2] * base[</a:t>
-            </a:r>
-            <a:r>
-              <a:rPr lang="en-US" altLang="zh-CN" dirty="0" err="1" smtClean="0"/>
-              <a:t>lenR</a:t>
-            </a:r>
-            <a:r>
-              <a:rPr lang="en-US" altLang="zh-CN" dirty="0" smtClean="0"/>
-              <a:t>] % Mod + hash[x*2+1]) % Mod;</a:t>
-            </a:r>
-            <a:endParaRPr lang="en-US" altLang="zh-CN" dirty="0"/>
-          </a:p>
-          <a:p>
-            <a:r>
-              <a:rPr lang="en-US" altLang="zh-CN" dirty="0" smtClean="0"/>
+              <a:rPr lang="en-US" altLang="zh-CN" dirty="0"/>
+              <a:t>Sum[x] = (sum[x*2] + sum[x*2+1]);</a:t>
+            </a:r>
+          </a:p>
+          <a:p>
+            <a:r>
+              <a:rPr lang="en-US" altLang="zh-CN" dirty="0"/>
               <a:t>}</a:t>
             </a:r>
             <a:endParaRPr lang="zh-CN" altLang="en-US" dirty="0"/>
@@ -6406,7 +6022,7 @@
     </p:spTree>
     <p:extLst>
       <p:ext uri="{BB962C8B-B14F-4D97-AF65-F5344CB8AC3E}">
-        <p14:creationId xmlns:p14="http://schemas.microsoft.com/office/powerpoint/2010/main" val="1472212669"/>
+        <p14:creationId xmlns:p14="http://schemas.microsoft.com/office/powerpoint/2010/main" val="4068193430"/>
       </p:ext>
     </p:extLst>
   </p:cSld>
@@ -6449,10 +6065,9 @@
           <a:lstStyle/>
           <a:p>
             <a:r>
-              <a:rPr lang="zh-CN" altLang="en-US" dirty="0" smtClean="0"/>
-              <a:t>单点修改</a:t>
-            </a:r>
-            <a:endParaRPr lang="zh-CN" altLang="en-US" dirty="0"/>
+              <a:rPr lang="zh-CN" altLang="en-US" dirty="0"/>
+              <a:t>区间查询</a:t>
+            </a:r>
           </a:p>
         </p:txBody>
       </p:sp>
@@ -6472,147 +6087,114 @@
           <a:lstStyle/>
           <a:p>
             <a:r>
-              <a:rPr lang="en-US" altLang="zh-CN" dirty="0" smtClean="0"/>
-              <a:t>Void update(</a:t>
-            </a:r>
-            <a:r>
-              <a:rPr lang="en-US" altLang="zh-CN" dirty="0" err="1" smtClean="0"/>
-              <a:t>int</a:t>
-            </a:r>
-            <a:r>
-              <a:rPr lang="en-US" altLang="zh-CN" dirty="0" smtClean="0"/>
-              <a:t> x,  </a:t>
-            </a:r>
-            <a:r>
-              <a:rPr lang="en-US" altLang="zh-CN" dirty="0" err="1" smtClean="0"/>
-              <a:t>int</a:t>
-            </a:r>
-            <a:r>
-              <a:rPr lang="en-US" altLang="zh-CN" dirty="0" smtClean="0"/>
-              <a:t> l,  </a:t>
-            </a:r>
-            <a:r>
-              <a:rPr lang="en-US" altLang="zh-CN" dirty="0" err="1" smtClean="0"/>
-              <a:t>int</a:t>
-            </a:r>
-            <a:r>
-              <a:rPr lang="en-US" altLang="zh-CN" dirty="0" smtClean="0"/>
-              <a:t> r,  </a:t>
-            </a:r>
-            <a:r>
-              <a:rPr lang="en-US" altLang="zh-CN" dirty="0" err="1" smtClean="0"/>
-              <a:t>int</a:t>
-            </a:r>
-            <a:r>
-              <a:rPr lang="en-US" altLang="zh-CN" dirty="0" smtClean="0"/>
+              <a:rPr lang="en-US" altLang="zh-CN" dirty="0" err="1"/>
+              <a:t>Int</a:t>
+            </a:r>
+            <a:r>
+              <a:rPr lang="en-US" altLang="zh-CN" dirty="0"/>
+              <a:t> sum[</a:t>
+            </a:r>
+            <a:r>
+              <a:rPr lang="en-US" altLang="zh-CN" dirty="0" err="1"/>
+              <a:t>maxn</a:t>
+            </a:r>
+            <a:r>
+              <a:rPr lang="en-US" altLang="zh-CN" dirty="0"/>
+              <a:t>];</a:t>
+            </a:r>
+          </a:p>
+          <a:p>
+            <a:r>
+              <a:rPr lang="en-US" altLang="zh-CN" dirty="0"/>
+              <a:t>//[L,R]</a:t>
+            </a:r>
+            <a:r>
+              <a:rPr lang="zh-CN" altLang="en-US" dirty="0"/>
+              <a:t>是需要查询的区间。</a:t>
+            </a:r>
+            <a:r>
+              <a:rPr lang="en-US" altLang="zh-CN" dirty="0"/>
+              <a:t>(</a:t>
+            </a:r>
+            <a:r>
+              <a:rPr lang="en-US" altLang="zh-CN" dirty="0" err="1"/>
+              <a:t>x,l,r</a:t>
+            </a:r>
+            <a:r>
+              <a:rPr lang="en-US" altLang="zh-CN" dirty="0"/>
+              <a:t>)</a:t>
+            </a:r>
+            <a:r>
+              <a:rPr lang="zh-CN" altLang="en-US" dirty="0"/>
+              <a:t>是线段树节点</a:t>
+            </a:r>
+            <a:endParaRPr lang="en-US" altLang="zh-CN" dirty="0"/>
+          </a:p>
+          <a:p>
+            <a:r>
+              <a:rPr lang="en-US" altLang="zh-CN" dirty="0" err="1"/>
+              <a:t>Int</a:t>
+            </a:r>
+            <a:r>
+              <a:rPr lang="en-US" altLang="zh-CN" dirty="0"/>
               <a:t> </a:t>
             </a:r>
             <a:r>
-              <a:rPr lang="en-US" altLang="zh-CN" dirty="0" err="1" smtClean="0"/>
-              <a:t>pos</a:t>
-            </a:r>
-            <a:r>
-              <a:rPr lang="en-US" altLang="zh-CN" dirty="0" smtClean="0"/>
-              <a:t>,  char </a:t>
-            </a:r>
-            <a:r>
-              <a:rPr lang="en-US" altLang="zh-CN" dirty="0" err="1" smtClean="0"/>
-              <a:t>ch</a:t>
-            </a:r>
-            <a:r>
-              <a:rPr lang="en-US" altLang="zh-CN" dirty="0" smtClean="0"/>
-              <a:t>){</a:t>
+              <a:rPr lang="en-US" altLang="zh-CN" dirty="0" err="1"/>
+              <a:t>get_sum</a:t>
+            </a:r>
+            <a:r>
+              <a:rPr lang="en-US" altLang="zh-CN" dirty="0"/>
+              <a:t>(x,  l,  r,  L,  R){</a:t>
             </a:r>
           </a:p>
           <a:p>
             <a:pPr lvl="1"/>
             <a:r>
-              <a:rPr lang="en-US" altLang="zh-CN" dirty="0" smtClean="0"/>
-              <a:t>If (l == r){</a:t>
-            </a:r>
-          </a:p>
-          <a:p>
-            <a:pPr lvl="2"/>
-            <a:r>
-              <a:rPr lang="en-US" altLang="zh-CN" dirty="0" smtClean="0"/>
-              <a:t>Hash[x] = </a:t>
-            </a:r>
-            <a:r>
-              <a:rPr lang="en-US" altLang="zh-CN" dirty="0" err="1" smtClean="0"/>
-              <a:t>ch</a:t>
-            </a:r>
-            <a:r>
-              <a:rPr lang="en-US" altLang="zh-CN" dirty="0" smtClean="0"/>
-              <a:t>;</a:t>
-            </a:r>
-          </a:p>
-          <a:p>
-            <a:pPr lvl="2"/>
-            <a:r>
-              <a:rPr lang="en-US" altLang="zh-CN" dirty="0" smtClean="0"/>
-              <a:t>Return;</a:t>
-            </a:r>
-            <a:endParaRPr lang="en-US" altLang="zh-CN" dirty="0"/>
+              <a:rPr lang="en-US" altLang="zh-CN" dirty="0"/>
+              <a:t>If (L &gt; r  or  l &gt; R)return 0;</a:t>
+            </a:r>
           </a:p>
           <a:p>
             <a:pPr lvl="1"/>
             <a:r>
-              <a:rPr lang="en-US" altLang="zh-CN" dirty="0" smtClean="0"/>
-              <a:t>}</a:t>
+              <a:rPr lang="en-US" altLang="zh-CN" dirty="0"/>
+              <a:t>If (L &lt;= l  and   r &lt;= R)return sum[x];</a:t>
             </a:r>
           </a:p>
           <a:p>
             <a:pPr lvl="1"/>
             <a:r>
-              <a:rPr lang="en-US" altLang="zh-CN" dirty="0" err="1" smtClean="0"/>
-              <a:t>Int</a:t>
-            </a:r>
-            <a:r>
-              <a:rPr lang="en-US" altLang="zh-CN" dirty="0" smtClean="0"/>
-              <a:t> mid = (l + r)/2;</a:t>
+              <a:rPr lang="en-US" altLang="zh-CN" dirty="0"/>
+              <a:t>Int mid = (l + r)/2;</a:t>
             </a:r>
           </a:p>
           <a:p>
             <a:pPr lvl="1"/>
             <a:r>
-              <a:rPr lang="en-US" altLang="zh-CN" dirty="0" smtClean="0"/>
-              <a:t>If (</a:t>
-            </a:r>
-            <a:r>
-              <a:rPr lang="en-US" altLang="zh-CN" dirty="0" err="1" smtClean="0"/>
-              <a:t>pos</a:t>
-            </a:r>
-            <a:r>
-              <a:rPr lang="en-US" altLang="zh-CN" dirty="0" smtClean="0"/>
-              <a:t> &lt;= mid)update(x*2,l,mid,pos,ch);</a:t>
-            </a:r>
-          </a:p>
-          <a:p>
-            <a:pPr lvl="1"/>
-            <a:r>
-              <a:rPr lang="en-US" altLang="zh-CN" dirty="0" smtClean="0"/>
-              <a:t>Else update(x*2+1,mid+1,r,pos,ch);</a:t>
-            </a:r>
-          </a:p>
-          <a:p>
-            <a:pPr lvl="1"/>
-            <a:r>
-              <a:rPr lang="en-US" altLang="zh-CN" dirty="0" smtClean="0"/>
-              <a:t>Up(</a:t>
-            </a:r>
-            <a:r>
-              <a:rPr lang="en-US" altLang="zh-CN" dirty="0" err="1" smtClean="0"/>
-              <a:t>x,l,mid,r</a:t>
-            </a:r>
-            <a:r>
-              <a:rPr lang="en-US" altLang="zh-CN" dirty="0" smtClean="0"/>
-              <a:t>);</a:t>
-            </a:r>
-            <a:endParaRPr lang="en-US" altLang="zh-CN" dirty="0"/>
-          </a:p>
-          <a:p>
-            <a:r>
-              <a:rPr lang="en-US" altLang="zh-CN" dirty="0" smtClean="0"/>
+              <a:rPr lang="en-US" altLang="zh-CN" dirty="0"/>
+              <a:t>Return </a:t>
+            </a:r>
+            <a:r>
+              <a:rPr lang="en-US" altLang="zh-CN" dirty="0" err="1"/>
+              <a:t>get_sum</a:t>
+            </a:r>
+            <a:r>
+              <a:rPr lang="en-US" altLang="zh-CN" dirty="0"/>
+              <a:t>(x*2,l,mid,L,R)  +  </a:t>
+            </a:r>
+            <a:r>
+              <a:rPr lang="en-US" altLang="zh-CN" dirty="0" err="1"/>
+              <a:t>get_sum</a:t>
+            </a:r>
+            <a:r>
+              <a:rPr lang="en-US" altLang="zh-CN" dirty="0"/>
+              <a:t>(x*2+1,mid+1,r,L,R);</a:t>
+            </a:r>
+          </a:p>
+          <a:p>
+            <a:r>
+              <a:rPr lang="en-US" altLang="zh-CN" dirty="0"/>
               <a:t>}</a:t>
             </a:r>
             <a:endParaRPr lang="zh-CN" altLang="en-US" dirty="0"/>
@@ -6622,7 +6204,7 @@
     </p:spTree>
     <p:extLst>
       <p:ext uri="{BB962C8B-B14F-4D97-AF65-F5344CB8AC3E}">
-        <p14:creationId xmlns:p14="http://schemas.microsoft.com/office/powerpoint/2010/main" val="3016379801"/>
+        <p14:creationId xmlns:p14="http://schemas.microsoft.com/office/powerpoint/2010/main" val="392030877"/>
       </p:ext>
     </p:extLst>
   </p:cSld>
@@ -6665,8 +6247,20 @@
           <a:lstStyle/>
           <a:p>
             <a:r>
-              <a:rPr lang="zh-CN" altLang="en-US" dirty="0" smtClean="0"/>
-              <a:t>区间查询</a:t>
+              <a:rPr lang="zh-CN" altLang="en-US" dirty="0"/>
+              <a:t>初始化</a:t>
+            </a:r>
+            <a:r>
+              <a:rPr lang="en-US" altLang="zh-CN" dirty="0"/>
+              <a:t>(</a:t>
+            </a:r>
+            <a:r>
+              <a:rPr lang="zh-CN" altLang="en-US" dirty="0"/>
+              <a:t>清空</a:t>
+            </a:r>
+            <a:r>
+              <a:rPr lang="en-US" altLang="zh-CN" dirty="0"/>
+              <a:t>)</a:t>
             </a:r>
             <a:endParaRPr lang="zh-CN" altLang="en-US" dirty="0"/>
           </a:p>
@@ -6682,578 +6276,116 @@
             <p:ph idx="1"/>
           </p:nvPr>
         </p:nvSpPr>
-        <p:spPr>
-          <a:xfrm>
-            <a:off x="677334" y="2160589"/>
-            <a:ext cx="6122477" cy="3880773"/>
-          </a:xfrm>
-        </p:spPr>
+        <p:spPr/>
         <p:txBody>
           <a:bodyPr/>
           <a:lstStyle/>
           <a:p>
             <a:r>
-              <a:rPr lang="en-US" altLang="zh-CN" dirty="0" smtClean="0"/>
-              <a:t>// pair&lt;</a:t>
-            </a:r>
-            <a:r>
-              <a:rPr lang="en-US" altLang="zh-CN" dirty="0" err="1" smtClean="0"/>
-              <a:t>ULL,int</a:t>
-            </a:r>
-            <a:r>
-              <a:rPr lang="en-US" altLang="zh-CN" dirty="0" smtClean="0"/>
-              <a:t>&gt; </a:t>
-            </a:r>
-            <a:r>
-              <a:rPr lang="zh-CN" altLang="en-US" dirty="0" smtClean="0"/>
-              <a:t>表示</a:t>
-            </a:r>
-            <a:r>
-              <a:rPr lang="en-US" altLang="zh-CN" dirty="0" smtClean="0"/>
-              <a:t>(Hash</a:t>
-            </a:r>
-            <a:r>
-              <a:rPr lang="zh-CN" altLang="en-US" dirty="0" smtClean="0"/>
-              <a:t>值，串长度</a:t>
-            </a:r>
-            <a:r>
-              <a:rPr lang="en-US" altLang="zh-CN" dirty="0" smtClean="0"/>
-              <a:t>)</a:t>
-            </a:r>
-          </a:p>
-          <a:p>
-            <a:r>
-              <a:rPr lang="en-US" altLang="zh-CN" dirty="0" smtClean="0"/>
-              <a:t>Pair&lt;</a:t>
-            </a:r>
-            <a:r>
-              <a:rPr lang="en-US" altLang="zh-CN" dirty="0" err="1" smtClean="0"/>
-              <a:t>ULL,int</a:t>
-            </a:r>
-            <a:r>
-              <a:rPr lang="en-US" altLang="zh-CN" dirty="0"/>
-              <a:t>&gt;</a:t>
-            </a:r>
-            <a:r>
-              <a:rPr lang="en-US" altLang="zh-CN" dirty="0" smtClean="0"/>
-              <a:t> query(</a:t>
-            </a:r>
-            <a:r>
-              <a:rPr lang="en-US" altLang="zh-CN" dirty="0" err="1" smtClean="0"/>
+              <a:rPr lang="en-US" altLang="zh-CN" dirty="0" err="1"/>
+              <a:t>Int</a:t>
+            </a:r>
+            <a:r>
+              <a:rPr lang="en-US" altLang="zh-CN" dirty="0"/>
+              <a:t> sum[</a:t>
+            </a:r>
+            <a:r>
+              <a:rPr lang="en-US" altLang="zh-CN" dirty="0" err="1"/>
+              <a:t>maxn</a:t>
+            </a:r>
+            <a:r>
+              <a:rPr lang="en-US" altLang="zh-CN" dirty="0"/>
+              <a:t>];</a:t>
+            </a:r>
+          </a:p>
+          <a:p>
+            <a:r>
+              <a:rPr lang="en-US" altLang="zh-CN" dirty="0"/>
+              <a:t>Void </a:t>
+            </a:r>
+            <a:r>
+              <a:rPr lang="en-US" altLang="zh-CN" dirty="0" err="1"/>
+              <a:t>init</a:t>
+            </a:r>
+            <a:r>
+              <a:rPr lang="en-US" altLang="zh-CN" dirty="0"/>
+              <a:t>(</a:t>
+            </a:r>
+            <a:r>
+              <a:rPr lang="en-US" altLang="zh-CN" dirty="0" err="1"/>
               <a:t>int</a:t>
             </a:r>
             <a:r>
-              <a:rPr lang="en-US" altLang="zh-CN" dirty="0" smtClean="0"/>
-              <a:t> x,  </a:t>
-            </a:r>
-            <a:r>
-              <a:rPr lang="en-US" altLang="zh-CN" dirty="0" err="1" smtClean="0"/>
-              <a:t>int</a:t>
-            </a:r>
-            <a:r>
-              <a:rPr lang="en-US" altLang="zh-CN" dirty="0" smtClean="0"/>
-              <a:t> l,  </a:t>
-            </a:r>
-            <a:r>
-              <a:rPr lang="en-US" altLang="zh-CN" dirty="0" err="1" smtClean="0"/>
-              <a:t>int</a:t>
-            </a:r>
-            <a:r>
-              <a:rPr lang="en-US" altLang="zh-CN" dirty="0" smtClean="0"/>
-              <a:t> r,  </a:t>
-            </a:r>
-            <a:r>
-              <a:rPr lang="en-US" altLang="zh-CN" dirty="0" err="1" smtClean="0"/>
-              <a:t>int</a:t>
-            </a:r>
-            <a:r>
-              <a:rPr lang="en-US" altLang="zh-CN" dirty="0" smtClean="0"/>
-              <a:t> L,  </a:t>
-            </a:r>
-            <a:r>
-              <a:rPr lang="en-US" altLang="zh-CN" dirty="0" err="1" smtClean="0"/>
-              <a:t>int</a:t>
-            </a:r>
-            <a:r>
-              <a:rPr lang="en-US" altLang="zh-CN" dirty="0" smtClean="0"/>
-              <a:t> R){</a:t>
+              <a:rPr lang="en-US" altLang="zh-CN" dirty="0"/>
+              <a:t> </a:t>
+            </a:r>
+            <a:r>
+              <a:rPr lang="en-US" altLang="zh-CN" dirty="0" err="1"/>
+              <a:t>x,int</a:t>
+            </a:r>
+            <a:r>
+              <a:rPr lang="en-US" altLang="zh-CN" dirty="0"/>
+              <a:t> </a:t>
+            </a:r>
+            <a:r>
+              <a:rPr lang="en-US" altLang="zh-CN" dirty="0" err="1"/>
+              <a:t>l,int</a:t>
+            </a:r>
+            <a:r>
+              <a:rPr lang="en-US" altLang="zh-CN" dirty="0"/>
+              <a:t> r){</a:t>
             </a:r>
           </a:p>
           <a:p>
             <a:pPr lvl="1"/>
             <a:r>
-              <a:rPr lang="en-US" altLang="zh-CN" dirty="0" smtClean="0"/>
-              <a:t>If (L &gt; r  or l &gt; R)return </a:t>
-            </a:r>
-            <a:r>
-              <a:rPr lang="en-US" altLang="zh-CN" dirty="0" err="1" smtClean="0"/>
-              <a:t>make_pair</a:t>
-            </a:r>
-            <a:r>
-              <a:rPr lang="en-US" altLang="zh-CN" dirty="0" smtClean="0"/>
-              <a:t>(0,0);</a:t>
+              <a:rPr lang="en-US" altLang="zh-CN" dirty="0"/>
+              <a:t>Sum[x] = 0;</a:t>
             </a:r>
           </a:p>
           <a:p>
             <a:pPr lvl="1"/>
             <a:r>
-              <a:rPr lang="en-US" altLang="zh-CN" dirty="0" smtClean="0"/>
-              <a:t>If (L &lt;= l  and r &lt;= R)return </a:t>
-            </a:r>
-            <a:r>
-              <a:rPr lang="en-US" altLang="zh-CN" dirty="0" err="1" smtClean="0"/>
-              <a:t>make_pair</a:t>
-            </a:r>
-            <a:r>
-              <a:rPr lang="en-US" altLang="zh-CN" dirty="0" smtClean="0"/>
-              <a:t>(hash[x], r – l + 1);</a:t>
+              <a:rPr lang="en-US" altLang="zh-CN" dirty="0"/>
+              <a:t>If (l == r)return;</a:t>
             </a:r>
           </a:p>
           <a:p>
             <a:pPr lvl="1"/>
             <a:r>
-              <a:rPr lang="en-US" altLang="zh-CN" dirty="0" err="1" smtClean="0"/>
+              <a:rPr lang="en-US" altLang="zh-CN" dirty="0" err="1"/>
               <a:t>Int</a:t>
             </a:r>
             <a:r>
-              <a:rPr lang="en-US" altLang="zh-CN" dirty="0" smtClean="0"/>
+              <a:rPr lang="en-US" altLang="zh-CN" dirty="0"/>
               <a:t> mid = (l + r)/2;</a:t>
             </a:r>
           </a:p>
           <a:p>
             <a:pPr lvl="1"/>
             <a:r>
-              <a:rPr lang="en-US" altLang="zh-CN" dirty="0" smtClean="0"/>
-              <a:t>Pair&lt;</a:t>
-            </a:r>
-            <a:r>
-              <a:rPr lang="en-US" altLang="zh-CN" dirty="0" err="1" smtClean="0"/>
-              <a:t>ULL,int</a:t>
-            </a:r>
-            <a:r>
-              <a:rPr lang="en-US" altLang="zh-CN" dirty="0" smtClean="0"/>
-              <a:t>&gt; left = query(x*2, l, mid, L, R);</a:t>
+              <a:rPr lang="en-US" altLang="zh-CN" dirty="0" err="1"/>
+              <a:t>init</a:t>
+            </a:r>
+            <a:r>
+              <a:rPr lang="en-US" altLang="zh-CN" dirty="0"/>
+              <a:t>(x*2,l,mid);</a:t>
             </a:r>
           </a:p>
           <a:p>
             <a:pPr lvl="1"/>
             <a:r>
-              <a:rPr lang="en-US" altLang="zh-CN" dirty="0" smtClean="0"/>
-              <a:t>Pair&lt;</a:t>
-            </a:r>
-            <a:r>
-              <a:rPr lang="en-US" altLang="zh-CN" dirty="0" err="1" smtClean="0"/>
-              <a:t>ULL,int</a:t>
-            </a:r>
-            <a:r>
-              <a:rPr lang="en-US" altLang="zh-CN" dirty="0" smtClean="0"/>
-              <a:t>&gt; right = query(x*2+1, mid+1, r, L, R);</a:t>
-            </a:r>
-          </a:p>
-          <a:p>
-            <a:pPr lvl="1"/>
-            <a:r>
-              <a:rPr lang="en-US" altLang="zh-CN" dirty="0" smtClean="0"/>
-              <a:t>Return merge(</a:t>
-            </a:r>
-            <a:r>
-              <a:rPr lang="en-US" altLang="zh-CN" dirty="0" err="1" smtClean="0"/>
-              <a:t>left,right</a:t>
-            </a:r>
-            <a:r>
-              <a:rPr lang="en-US" altLang="zh-CN" dirty="0" smtClean="0"/>
-              <a:t>);</a:t>
-            </a:r>
-            <a:endParaRPr lang="en-US" altLang="zh-CN" dirty="0"/>
-          </a:p>
-          <a:p>
-            <a:r>
-              <a:rPr lang="en-US" altLang="zh-CN" dirty="0" smtClean="0"/>
-              <a:t>}</a:t>
-            </a:r>
-            <a:endParaRPr lang="zh-CN" altLang="en-US" dirty="0"/>
-          </a:p>
-        </p:txBody>
-      </p:sp>
-      <p:sp>
-        <p:nvSpPr>
-          <p:cNvPr id="4" name="内容占位符 2"/>
-          <p:cNvSpPr txBox="1">
-            <a:spLocks/>
-          </p:cNvSpPr>
-          <p:nvPr/>
-        </p:nvSpPr>
-        <p:spPr>
-          <a:xfrm>
-            <a:off x="6799811" y="2218058"/>
-            <a:ext cx="5228705" cy="3880773"/>
-          </a:xfrm>
-          <a:prstGeom prst="rect">
-            <a:avLst/>
-          </a:prstGeom>
-        </p:spPr>
-        <p:txBody>
-          <a:bodyPr vert="horz" lIns="91440" tIns="45720" rIns="91440" bIns="45720" rtlCol="0">
-            <a:normAutofit/>
-          </a:bodyPr>
-          <a:lstStyle>
-            <a:lvl1pPr marL="342900" indent="-342900" algn="l" defTabSz="457200" rtl="0" eaLnBrk="1" latinLnBrk="0" hangingPunct="1">
-              <a:spcBef>
-                <a:spcPts val="1000"/>
-              </a:spcBef>
-              <a:spcAft>
-                <a:spcPts val="0"/>
-              </a:spcAft>
-              <a:buClr>
-                <a:schemeClr val="accent1"/>
-              </a:buClr>
-              <a:buSzPct val="80000"/>
-              <a:buFont typeface="Wingdings 3" charset="2"/>
-              <a:buChar char=""/>
-              <a:defRPr sz="1800" kern="1200">
-                <a:solidFill>
-                  <a:schemeClr val="tx1">
-                    <a:lumMod val="75000"/>
-                    <a:lumOff val="25000"/>
-                  </a:schemeClr>
-                </a:solidFill>
-                <a:latin typeface="+mn-lt"/>
-                <a:ea typeface="+mn-ea"/>
-                <a:cs typeface="+mn-cs"/>
-              </a:defRPr>
-            </a:lvl1pPr>
-            <a:lvl2pPr marL="742950" indent="-285750" algn="l" defTabSz="457200" rtl="0" eaLnBrk="1" latinLnBrk="0" hangingPunct="1">
-              <a:spcBef>
-                <a:spcPts val="1000"/>
-              </a:spcBef>
-              <a:spcAft>
-                <a:spcPts val="0"/>
-              </a:spcAft>
-              <a:buClr>
-                <a:schemeClr val="accent1"/>
-              </a:buClr>
-              <a:buSzPct val="80000"/>
-              <a:buFont typeface="Wingdings 3" charset="2"/>
-              <a:buChar char=""/>
-              <a:defRPr sz="1600" kern="1200">
-                <a:solidFill>
-                  <a:schemeClr val="tx1">
-                    <a:lumMod val="75000"/>
-                    <a:lumOff val="25000"/>
-                  </a:schemeClr>
-                </a:solidFill>
-                <a:latin typeface="+mn-lt"/>
-                <a:ea typeface="+mn-ea"/>
-                <a:cs typeface="+mn-cs"/>
-              </a:defRPr>
-            </a:lvl2pPr>
-            <a:lvl3pPr marL="1143000" indent="-228600" algn="l" defTabSz="457200" rtl="0" eaLnBrk="1" latinLnBrk="0" hangingPunct="1">
-              <a:spcBef>
-                <a:spcPts val="1000"/>
-              </a:spcBef>
-              <a:spcAft>
-                <a:spcPts val="0"/>
-              </a:spcAft>
-              <a:buClr>
-                <a:schemeClr val="accent1"/>
-              </a:buClr>
-              <a:buSzPct val="80000"/>
-              <a:buFont typeface="Wingdings 3" charset="2"/>
-              <a:buChar char=""/>
-              <a:defRPr sz="1400" kern="1200">
-                <a:solidFill>
-                  <a:schemeClr val="tx1">
-                    <a:lumMod val="75000"/>
-                    <a:lumOff val="25000"/>
-                  </a:schemeClr>
-                </a:solidFill>
-                <a:latin typeface="+mn-lt"/>
-                <a:ea typeface="+mn-ea"/>
-                <a:cs typeface="+mn-cs"/>
-              </a:defRPr>
-            </a:lvl3pPr>
-            <a:lvl4pPr marL="1600200" indent="-228600" algn="l" defTabSz="457200" rtl="0" eaLnBrk="1" latinLnBrk="0" hangingPunct="1">
-              <a:spcBef>
-                <a:spcPts val="1000"/>
-              </a:spcBef>
-              <a:spcAft>
-                <a:spcPts val="0"/>
-              </a:spcAft>
-              <a:buClr>
-                <a:schemeClr val="accent1"/>
-              </a:buClr>
-              <a:buSzPct val="80000"/>
-              <a:buFont typeface="Wingdings 3" charset="2"/>
-              <a:buChar char=""/>
-              <a:defRPr sz="1200" kern="1200">
-                <a:solidFill>
-                  <a:schemeClr val="tx1">
-                    <a:lumMod val="75000"/>
-                    <a:lumOff val="25000"/>
-                  </a:schemeClr>
-                </a:solidFill>
-                <a:latin typeface="+mn-lt"/>
-                <a:ea typeface="+mn-ea"/>
-                <a:cs typeface="+mn-cs"/>
-              </a:defRPr>
-            </a:lvl4pPr>
-            <a:lvl5pPr marL="2057400" indent="-228600" algn="l" defTabSz="457200" rtl="0" eaLnBrk="1" latinLnBrk="0" hangingPunct="1">
-              <a:spcBef>
-                <a:spcPts val="1000"/>
-              </a:spcBef>
-              <a:spcAft>
-                <a:spcPts val="0"/>
-              </a:spcAft>
-              <a:buClr>
-                <a:schemeClr val="accent1"/>
-              </a:buClr>
-              <a:buSzPct val="80000"/>
-              <a:buFont typeface="Wingdings 3" charset="2"/>
-              <a:buChar char=""/>
-              <a:defRPr sz="1200" kern="1200">
-                <a:solidFill>
-                  <a:schemeClr val="tx1">
-                    <a:lumMod val="75000"/>
-                    <a:lumOff val="25000"/>
-                  </a:schemeClr>
-                </a:solidFill>
-                <a:latin typeface="+mn-lt"/>
-                <a:ea typeface="+mn-ea"/>
-                <a:cs typeface="+mn-cs"/>
-              </a:defRPr>
-            </a:lvl5pPr>
-            <a:lvl6pPr marL="2514600" indent="-228600" algn="l" defTabSz="457200" rtl="0" eaLnBrk="1" latinLnBrk="0" hangingPunct="1">
-              <a:spcBef>
-                <a:spcPts val="1000"/>
-              </a:spcBef>
-              <a:spcAft>
-                <a:spcPts val="0"/>
-              </a:spcAft>
-              <a:buClr>
-                <a:schemeClr val="accent1"/>
-              </a:buClr>
-              <a:buSzPct val="80000"/>
-              <a:buFont typeface="Wingdings 3" charset="2"/>
-              <a:buChar char=""/>
-              <a:defRPr sz="1200" kern="1200">
-                <a:solidFill>
-                  <a:schemeClr val="tx1">
-                    <a:lumMod val="75000"/>
-                    <a:lumOff val="25000"/>
-                  </a:schemeClr>
-                </a:solidFill>
-                <a:latin typeface="+mn-lt"/>
-                <a:ea typeface="+mn-ea"/>
-                <a:cs typeface="+mn-cs"/>
-              </a:defRPr>
-            </a:lvl6pPr>
-            <a:lvl7pPr marL="2971800" indent="-228600" algn="l" defTabSz="457200" rtl="0" eaLnBrk="1" latinLnBrk="0" hangingPunct="1">
-              <a:spcBef>
-                <a:spcPts val="1000"/>
-              </a:spcBef>
-              <a:spcAft>
-                <a:spcPts val="0"/>
-              </a:spcAft>
-              <a:buClr>
-                <a:schemeClr val="accent1"/>
-              </a:buClr>
-              <a:buSzPct val="80000"/>
-              <a:buFont typeface="Wingdings 3" charset="2"/>
-              <a:buChar char=""/>
-              <a:defRPr sz="1200" kern="1200">
-                <a:solidFill>
-                  <a:schemeClr val="tx1">
-                    <a:lumMod val="75000"/>
-                    <a:lumOff val="25000"/>
-                  </a:schemeClr>
-                </a:solidFill>
-                <a:latin typeface="+mn-lt"/>
-                <a:ea typeface="+mn-ea"/>
-                <a:cs typeface="+mn-cs"/>
-              </a:defRPr>
-            </a:lvl7pPr>
-            <a:lvl8pPr marL="3429000" indent="-228600" algn="l" defTabSz="457200" rtl="0" eaLnBrk="1" latinLnBrk="0" hangingPunct="1">
-              <a:spcBef>
-                <a:spcPts val="1000"/>
-              </a:spcBef>
-              <a:spcAft>
-                <a:spcPts val="0"/>
-              </a:spcAft>
-              <a:buClr>
-                <a:schemeClr val="accent1"/>
-              </a:buClr>
-              <a:buSzPct val="80000"/>
-              <a:buFont typeface="Wingdings 3" charset="2"/>
-              <a:buChar char=""/>
-              <a:defRPr sz="1200" kern="1200">
-                <a:solidFill>
-                  <a:schemeClr val="tx1">
-                    <a:lumMod val="75000"/>
-                    <a:lumOff val="25000"/>
-                  </a:schemeClr>
-                </a:solidFill>
-                <a:latin typeface="+mn-lt"/>
-                <a:ea typeface="+mn-ea"/>
-                <a:cs typeface="+mn-cs"/>
-              </a:defRPr>
-            </a:lvl8pPr>
-            <a:lvl9pPr marL="3886200" indent="-228600" algn="l" defTabSz="457200" rtl="0" eaLnBrk="1" latinLnBrk="0" hangingPunct="1">
-              <a:spcBef>
-                <a:spcPts val="1000"/>
-              </a:spcBef>
-              <a:spcAft>
-                <a:spcPts val="0"/>
-              </a:spcAft>
-              <a:buClr>
-                <a:schemeClr val="accent1"/>
-              </a:buClr>
-              <a:buSzPct val="80000"/>
-              <a:buFont typeface="Wingdings 3" charset="2"/>
-              <a:buChar char=""/>
-              <a:defRPr sz="1200" kern="1200">
-                <a:solidFill>
-                  <a:schemeClr val="tx1">
-                    <a:lumMod val="75000"/>
-                    <a:lumOff val="25000"/>
-                  </a:schemeClr>
-                </a:solidFill>
-                <a:latin typeface="+mn-lt"/>
-                <a:ea typeface="+mn-ea"/>
-                <a:cs typeface="+mn-cs"/>
-              </a:defRPr>
-            </a:lvl9pPr>
-          </a:lstStyle>
-          <a:p>
-            <a:r>
-              <a:rPr lang="en-US" altLang="zh-CN" dirty="0" smtClean="0"/>
-              <a:t>Void merge(pair&lt;</a:t>
-            </a:r>
-            <a:r>
-              <a:rPr lang="en-US" altLang="zh-CN" dirty="0" err="1" smtClean="0"/>
-              <a:t>ULL,int</a:t>
-            </a:r>
-            <a:r>
-              <a:rPr lang="en-US" altLang="zh-CN" dirty="0" smtClean="0"/>
-              <a:t>&gt; left, pair&lt;</a:t>
-            </a:r>
-            <a:r>
-              <a:rPr lang="en-US" altLang="zh-CN" dirty="0" err="1" smtClean="0"/>
-              <a:t>ULL,int</a:t>
-            </a:r>
-            <a:r>
-              <a:rPr lang="en-US" altLang="zh-CN" dirty="0" smtClean="0"/>
-              <a:t>&gt; right){</a:t>
-            </a:r>
-          </a:p>
-          <a:p>
-            <a:pPr lvl="1"/>
-            <a:r>
-              <a:rPr lang="en-US" altLang="zh-CN" dirty="0" smtClean="0"/>
-              <a:t>ULL </a:t>
-            </a:r>
-            <a:r>
-              <a:rPr lang="en-US" altLang="zh-CN" dirty="0" err="1" smtClean="0"/>
-              <a:t>hash_val</a:t>
-            </a:r>
-            <a:r>
-              <a:rPr lang="en-US" altLang="zh-CN" dirty="0" smtClean="0"/>
-              <a:t> = (</a:t>
-            </a:r>
-            <a:r>
-              <a:rPr lang="en-US" altLang="zh-CN" dirty="0" err="1" smtClean="0"/>
-              <a:t>left.first</a:t>
-            </a:r>
-            <a:r>
-              <a:rPr lang="en-US" altLang="zh-CN" dirty="0" smtClean="0"/>
-              <a:t> * base[</a:t>
-            </a:r>
-            <a:r>
-              <a:rPr lang="en-US" altLang="zh-CN" dirty="0" err="1" smtClean="0"/>
-              <a:t>right.second</a:t>
-            </a:r>
-            <a:r>
-              <a:rPr lang="en-US" altLang="zh-CN" dirty="0" smtClean="0"/>
-              <a:t>] % Mod + </a:t>
-            </a:r>
-            <a:r>
-              <a:rPr lang="en-US" altLang="zh-CN" dirty="0" err="1" smtClean="0"/>
-              <a:t>right.first</a:t>
-            </a:r>
-            <a:r>
-              <a:rPr lang="en-US" altLang="zh-CN" dirty="0" smtClean="0"/>
-              <a:t>) % Mod;</a:t>
-            </a:r>
-          </a:p>
-          <a:p>
-            <a:pPr lvl="1"/>
-            <a:r>
-              <a:rPr lang="en-US" altLang="zh-CN" dirty="0" err="1" smtClean="0"/>
-              <a:t>Int</a:t>
-            </a:r>
-            <a:r>
-              <a:rPr lang="en-US" altLang="zh-CN" dirty="0" smtClean="0"/>
-              <a:t> </a:t>
-            </a:r>
-            <a:r>
-              <a:rPr lang="en-US" altLang="zh-CN" dirty="0" err="1" smtClean="0"/>
-              <a:t>len</a:t>
-            </a:r>
-            <a:r>
-              <a:rPr lang="en-US" altLang="zh-CN" dirty="0" smtClean="0"/>
-              <a:t> = </a:t>
-            </a:r>
-            <a:r>
-              <a:rPr lang="en-US" altLang="zh-CN" dirty="0" err="1" smtClean="0"/>
-              <a:t>left.second</a:t>
-            </a:r>
-            <a:r>
-              <a:rPr lang="en-US" altLang="zh-CN" dirty="0" smtClean="0"/>
-              <a:t> + </a:t>
-            </a:r>
-            <a:r>
-              <a:rPr lang="en-US" altLang="zh-CN" dirty="0" err="1" smtClean="0"/>
-              <a:t>right.second</a:t>
-            </a:r>
-            <a:r>
-              <a:rPr lang="en-US" altLang="zh-CN" dirty="0" smtClean="0"/>
-              <a:t>;</a:t>
-            </a:r>
-          </a:p>
-          <a:p>
-            <a:pPr lvl="1"/>
-            <a:r>
-              <a:rPr lang="en-US" altLang="zh-CN" dirty="0" smtClean="0"/>
-              <a:t>Return </a:t>
-            </a:r>
-            <a:r>
-              <a:rPr lang="en-US" altLang="zh-CN" dirty="0" err="1" smtClean="0"/>
-              <a:t>make_pair</a:t>
-            </a:r>
-            <a:r>
-              <a:rPr lang="en-US" altLang="zh-CN" dirty="0" smtClean="0"/>
-              <a:t>(</a:t>
-            </a:r>
-            <a:r>
-              <a:rPr lang="en-US" altLang="zh-CN" dirty="0" err="1" smtClean="0"/>
-              <a:t>hash_val</a:t>
-            </a:r>
-            <a:r>
-              <a:rPr lang="en-US" altLang="zh-CN" dirty="0" smtClean="0"/>
-              <a:t>, </a:t>
-            </a:r>
-            <a:r>
-              <a:rPr lang="en-US" altLang="zh-CN" dirty="0" err="1" smtClean="0"/>
-              <a:t>len</a:t>
-            </a:r>
-            <a:r>
-              <a:rPr lang="en-US" altLang="zh-CN" dirty="0" smtClean="0"/>
-              <a:t>);</a:t>
-            </a:r>
-            <a:endParaRPr lang="en-US" altLang="zh-CN" dirty="0"/>
-          </a:p>
-          <a:p>
-            <a:r>
-              <a:rPr lang="en-US" altLang="zh-CN" dirty="0" smtClean="0"/>
+              <a:rPr lang="en-US" altLang="zh-CN" dirty="0" err="1"/>
+              <a:t>Init</a:t>
+            </a:r>
+            <a:r>
+              <a:rPr lang="en-US" altLang="zh-CN" dirty="0"/>
+              <a:t>(x*2+1,mid+1,r);</a:t>
+            </a:r>
+          </a:p>
+          <a:p>
+            <a:r>
+              <a:rPr lang="en-US" altLang="zh-CN" dirty="0"/>
               <a:t>}</a:t>
             </a:r>
             <a:endParaRPr lang="zh-CN" altLang="en-US" dirty="0"/>
@@ -7263,7 +6395,7 @@
     </p:spTree>
     <p:extLst>
       <p:ext uri="{BB962C8B-B14F-4D97-AF65-F5344CB8AC3E}">
-        <p14:creationId xmlns:p14="http://schemas.microsoft.com/office/powerpoint/2010/main" val="4167078054"/>
+        <p14:creationId xmlns:p14="http://schemas.microsoft.com/office/powerpoint/2010/main" val="3733170948"/>
       </p:ext>
     </p:extLst>
   </p:cSld>
@@ -7306,14 +6438,17 @@
           <a:lstStyle/>
           <a:p>
             <a:r>
-              <a:rPr lang="en-US" altLang="zh-CN" dirty="0" err="1" smtClean="0"/>
-              <a:t>Vjudge</a:t>
-            </a:r>
-            <a:r>
-              <a:rPr lang="en-US" altLang="zh-CN" dirty="0" smtClean="0"/>
-              <a:t> Contest</a:t>
-            </a:r>
-            <a:endParaRPr lang="zh-CN" altLang="en-US" dirty="0"/>
+              <a:rPr lang="zh-CN" altLang="en-US" dirty="0"/>
+              <a:t>例题：维护区间</a:t>
+            </a:r>
+            <a:r>
+              <a:rPr lang="en-US" altLang="zh-CN" dirty="0"/>
+              <a:t>hash</a:t>
+            </a:r>
+            <a:r>
+              <a:rPr lang="zh-CN" altLang="en-US" dirty="0"/>
+              <a:t>值。</a:t>
+            </a:r>
           </a:p>
         </p:txBody>
       </p:sp>
@@ -7333,20 +6468,1781 @@
           <a:lstStyle/>
           <a:p>
             <a:r>
-              <a:rPr lang="en-US" altLang="zh-CN" dirty="0"/>
-              <a:t>Contest ID: </a:t>
-            </a:r>
-            <a:r>
-              <a:rPr lang="en-US" altLang="zh-CN" dirty="0" smtClean="0"/>
-              <a:t>349571</a:t>
-            </a:r>
-          </a:p>
-          <a:p>
-            <a:r>
-              <a:rPr lang="en-US" altLang="zh-CN" smtClean="0"/>
-              <a:t>Password: NFLS</a:t>
-            </a:r>
-            <a:endParaRPr lang="zh-CN" altLang="en-US"/>
+              <a:rPr lang="zh-CN" altLang="en-US" dirty="0"/>
+              <a:t>题目：给出一个字符串</a:t>
+            </a:r>
+            <a:r>
+              <a:rPr lang="en-US" altLang="zh-CN" dirty="0"/>
+              <a:t>S</a:t>
+            </a:r>
+            <a:r>
+              <a:rPr lang="zh-CN" altLang="en-US" dirty="0"/>
+              <a:t>，支持两种操作：</a:t>
+            </a:r>
+            <a:endParaRPr lang="en-US" altLang="zh-CN" dirty="0"/>
+          </a:p>
+          <a:p>
+            <a:r>
+              <a:rPr lang="en-US" altLang="zh-CN" dirty="0"/>
+              <a:t>1</a:t>
+            </a:r>
+            <a:r>
+              <a:rPr lang="zh-CN" altLang="en-US" dirty="0"/>
+              <a:t>、将</a:t>
+            </a:r>
+            <a:r>
+              <a:rPr lang="en-US" altLang="zh-CN" dirty="0"/>
+              <a:t>x</a:t>
+            </a:r>
+            <a:r>
+              <a:rPr lang="zh-CN" altLang="en-US" dirty="0"/>
+              <a:t>位置的字符变成</a:t>
+            </a:r>
+            <a:r>
+              <a:rPr lang="en-US" altLang="zh-CN" dirty="0" err="1"/>
+              <a:t>ch</a:t>
+            </a:r>
+            <a:r>
+              <a:rPr lang="zh-CN" altLang="en-US" dirty="0"/>
+              <a:t>。</a:t>
+            </a:r>
+            <a:endParaRPr lang="en-US" altLang="zh-CN" dirty="0"/>
+          </a:p>
+          <a:p>
+            <a:r>
+              <a:rPr lang="en-US" altLang="zh-CN" dirty="0"/>
+              <a:t>2</a:t>
+            </a:r>
+            <a:r>
+              <a:rPr lang="zh-CN" altLang="en-US" dirty="0"/>
+              <a:t>、询问子串</a:t>
+            </a:r>
+            <a:r>
+              <a:rPr lang="en-US" altLang="zh-CN" dirty="0"/>
+              <a:t>S[l1,r1]</a:t>
+            </a:r>
+            <a:r>
+              <a:rPr lang="zh-CN" altLang="en-US" dirty="0"/>
+              <a:t>和子串</a:t>
+            </a:r>
+            <a:r>
+              <a:rPr lang="en-US" altLang="zh-CN" dirty="0"/>
+              <a:t>S[l2,r2]</a:t>
+            </a:r>
+            <a:r>
+              <a:rPr lang="zh-CN" altLang="en-US" dirty="0"/>
+              <a:t>谁的字典序大。</a:t>
+            </a:r>
+            <a:r>
+              <a:rPr lang="en-US" altLang="zh-CN" dirty="0"/>
+              <a:t>S[l1,r1]</a:t>
+            </a:r>
+            <a:r>
+              <a:rPr lang="zh-CN" altLang="en-US" dirty="0"/>
+              <a:t>大输出</a:t>
+            </a:r>
+            <a:r>
+              <a:rPr lang="en-US" altLang="zh-CN" dirty="0"/>
+              <a:t>1</a:t>
+            </a:r>
+            <a:r>
+              <a:rPr lang="zh-CN" altLang="en-US" dirty="0"/>
+              <a:t>，</a:t>
+            </a:r>
+            <a:r>
+              <a:rPr lang="en-US" altLang="zh-CN" dirty="0"/>
+              <a:t>S[l1,r1]</a:t>
+            </a:r>
+            <a:r>
+              <a:rPr lang="zh-CN" altLang="en-US" dirty="0"/>
+              <a:t>小输出</a:t>
+            </a:r>
+            <a:r>
+              <a:rPr lang="en-US" altLang="zh-CN" dirty="0"/>
+              <a:t>-1</a:t>
+            </a:r>
+            <a:r>
+              <a:rPr lang="zh-CN" altLang="en-US" dirty="0"/>
+              <a:t>，相等输出</a:t>
+            </a:r>
+            <a:r>
+              <a:rPr lang="en-US" altLang="zh-CN" dirty="0"/>
+              <a:t>0.</a:t>
+            </a:r>
+            <a:endParaRPr lang="zh-CN" altLang="en-US" dirty="0"/>
+          </a:p>
+        </p:txBody>
+      </p:sp>
+    </p:spTree>
+    <p:extLst>
+      <p:ext uri="{BB962C8B-B14F-4D97-AF65-F5344CB8AC3E}">
+        <p14:creationId xmlns:p14="http://schemas.microsoft.com/office/powerpoint/2010/main" val="1438015822"/>
+      </p:ext>
+    </p:extLst>
+  </p:cSld>
+  <p:clrMapOvr>
+    <a:masterClrMapping/>
+  </p:clrMapOvr>
+</p:sld>
+</file>
+
+<file path=ppt/slides/slide14.xml><?xml version="1.0" encoding="utf-8"?>
+<p:sld xmlns:a="http://schemas.openxmlformats.org/drawingml/2006/main" xmlns:r="http://schemas.openxmlformats.org/officeDocument/2006/relationships" xmlns:p="http://schemas.openxmlformats.org/presentationml/2006/main">
+  <p:cSld>
+    <p:spTree>
+      <p:nvGrpSpPr>
+        <p:cNvPr id="1" name=""/>
+        <p:cNvGrpSpPr/>
+        <p:nvPr/>
+      </p:nvGrpSpPr>
+      <p:grpSpPr>
+        <a:xfrm>
+          <a:off x="0" y="0"/>
+          <a:ext cx="0" cy="0"/>
+          <a:chOff x="0" y="0"/>
+          <a:chExt cx="0" cy="0"/>
+        </a:xfrm>
+      </p:grpSpPr>
+      <p:sp>
+        <p:nvSpPr>
+          <p:cNvPr id="2" name="标题 1"/>
+          <p:cNvSpPr>
+            <a:spLocks noGrp="1"/>
+          </p:cNvSpPr>
+          <p:nvPr>
+            <p:ph type="title"/>
+          </p:nvPr>
+        </p:nvSpPr>
+        <p:spPr/>
+        <p:txBody>
+          <a:bodyPr/>
+          <a:lstStyle/>
+          <a:p>
+            <a:r>
+              <a:rPr lang="zh-CN" altLang="en-US" dirty="0"/>
+              <a:t>题解</a:t>
+            </a:r>
+          </a:p>
+        </p:txBody>
+      </p:sp>
+      <p:sp>
+        <p:nvSpPr>
+          <p:cNvPr id="3" name="内容占位符 2"/>
+          <p:cNvSpPr>
+            <a:spLocks noGrp="1"/>
+          </p:cNvSpPr>
+          <p:nvPr>
+            <p:ph idx="1"/>
+          </p:nvPr>
+        </p:nvSpPr>
+        <p:spPr/>
+        <p:txBody>
+          <a:bodyPr/>
+          <a:lstStyle/>
+          <a:p>
+            <a:r>
+              <a:rPr lang="zh-CN" altLang="en-US" dirty="0"/>
+              <a:t>比较字典序实际上就是求</a:t>
+            </a:r>
+            <a:r>
+              <a:rPr lang="en-US" altLang="zh-CN" dirty="0"/>
+              <a:t>LCP</a:t>
+            </a:r>
+            <a:r>
+              <a:rPr lang="zh-CN" altLang="en-US" dirty="0"/>
+              <a:t>，然后</a:t>
+            </a:r>
+            <a:r>
+              <a:rPr lang="en-US" altLang="zh-CN" dirty="0"/>
+              <a:t>LCP</a:t>
+            </a:r>
+            <a:r>
+              <a:rPr lang="zh-CN" altLang="en-US" dirty="0"/>
+              <a:t>后边的一个字符就是决定字典序的字符。</a:t>
+            </a:r>
+            <a:endParaRPr lang="en-US" altLang="zh-CN" dirty="0"/>
+          </a:p>
+          <a:p>
+            <a:endParaRPr lang="en-US" altLang="zh-CN" dirty="0"/>
+          </a:p>
+          <a:p>
+            <a:r>
+              <a:rPr lang="zh-CN" altLang="en-US" dirty="0"/>
+              <a:t>求</a:t>
+            </a:r>
+            <a:r>
+              <a:rPr lang="en-US" altLang="zh-CN" dirty="0"/>
+              <a:t>LCP</a:t>
+            </a:r>
+            <a:r>
+              <a:rPr lang="zh-CN" altLang="en-US" dirty="0"/>
+              <a:t>可以使用之前讲过的 二分 </a:t>
+            </a:r>
+            <a:r>
+              <a:rPr lang="en-US" altLang="zh-CN" dirty="0"/>
+              <a:t>+ Hash</a:t>
+            </a:r>
+            <a:r>
+              <a:rPr lang="zh-CN" altLang="en-US" dirty="0"/>
+              <a:t>。</a:t>
+            </a:r>
+            <a:endParaRPr lang="en-US" altLang="zh-CN" dirty="0"/>
+          </a:p>
+          <a:p>
+            <a:endParaRPr lang="en-US" altLang="zh-CN" dirty="0"/>
+          </a:p>
+          <a:p>
+            <a:r>
+              <a:rPr lang="zh-CN" altLang="en-US" dirty="0"/>
+              <a:t>本题有单点修改操作，因此使用线段树维护</a:t>
+            </a:r>
+            <a:r>
+              <a:rPr lang="en-US" altLang="zh-CN" dirty="0"/>
+              <a:t>Hash</a:t>
+            </a:r>
+            <a:r>
+              <a:rPr lang="zh-CN" altLang="en-US" dirty="0"/>
+              <a:t>值。</a:t>
+            </a:r>
+            <a:endParaRPr lang="en-US" altLang="zh-CN" dirty="0"/>
+          </a:p>
+          <a:p>
+            <a:endParaRPr lang="en-US" altLang="zh-CN" dirty="0"/>
+          </a:p>
+          <a:p>
+            <a:r>
+              <a:rPr lang="zh-CN" altLang="en-US" dirty="0"/>
+              <a:t>定义</a:t>
+            </a:r>
+            <a:r>
+              <a:rPr lang="en-US" altLang="zh-CN" dirty="0"/>
+              <a:t>hash[x] </a:t>
+            </a:r>
+            <a:r>
+              <a:rPr lang="zh-CN" altLang="en-US" dirty="0"/>
+              <a:t>表示节点</a:t>
+            </a:r>
+            <a:r>
+              <a:rPr lang="en-US" altLang="zh-CN" dirty="0"/>
+              <a:t>(</a:t>
+            </a:r>
+            <a:r>
+              <a:rPr lang="en-US" altLang="zh-CN" dirty="0" err="1"/>
+              <a:t>x,l,r</a:t>
+            </a:r>
+            <a:r>
+              <a:rPr lang="en-US" altLang="zh-CN" dirty="0"/>
+              <a:t>)</a:t>
+            </a:r>
+            <a:r>
+              <a:rPr lang="zh-CN" altLang="en-US" dirty="0"/>
+              <a:t>的</a:t>
+            </a:r>
+            <a:r>
+              <a:rPr lang="en-US" altLang="zh-CN" dirty="0"/>
+              <a:t>hash</a:t>
+            </a:r>
+            <a:r>
+              <a:rPr lang="zh-CN" altLang="en-US" dirty="0"/>
+              <a:t>值。</a:t>
+            </a:r>
+          </a:p>
+        </p:txBody>
+      </p:sp>
+    </p:spTree>
+    <p:extLst>
+      <p:ext uri="{BB962C8B-B14F-4D97-AF65-F5344CB8AC3E}">
+        <p14:creationId xmlns:p14="http://schemas.microsoft.com/office/powerpoint/2010/main" val="1586366444"/>
+      </p:ext>
+    </p:extLst>
+  </p:cSld>
+  <p:clrMapOvr>
+    <a:masterClrMapping/>
+  </p:clrMapOvr>
+</p:sld>
+</file>
+
+<file path=ppt/slides/slide15.xml><?xml version="1.0" encoding="utf-8"?>
+<p:sld xmlns:a="http://schemas.openxmlformats.org/drawingml/2006/main" xmlns:r="http://schemas.openxmlformats.org/officeDocument/2006/relationships" xmlns:p="http://schemas.openxmlformats.org/presentationml/2006/main">
+  <p:cSld>
+    <p:spTree>
+      <p:nvGrpSpPr>
+        <p:cNvPr id="1" name=""/>
+        <p:cNvGrpSpPr/>
+        <p:nvPr/>
+      </p:nvGrpSpPr>
+      <p:grpSpPr>
+        <a:xfrm>
+          <a:off x="0" y="0"/>
+          <a:ext cx="0" cy="0"/>
+          <a:chOff x="0" y="0"/>
+          <a:chExt cx="0" cy="0"/>
+        </a:xfrm>
+      </p:grpSpPr>
+      <p:sp>
+        <p:nvSpPr>
+          <p:cNvPr id="2" name="标题 1"/>
+          <p:cNvSpPr>
+            <a:spLocks noGrp="1"/>
+          </p:cNvSpPr>
+          <p:nvPr>
+            <p:ph type="title"/>
+          </p:nvPr>
+        </p:nvSpPr>
+        <p:spPr/>
+        <p:txBody>
+          <a:bodyPr/>
+          <a:lstStyle/>
+          <a:p>
+            <a:r>
+              <a:rPr lang="zh-CN" altLang="en-US" dirty="0"/>
+              <a:t>初始化</a:t>
+            </a:r>
+          </a:p>
+        </p:txBody>
+      </p:sp>
+      <p:sp>
+        <p:nvSpPr>
+          <p:cNvPr id="3" name="内容占位符 2"/>
+          <p:cNvSpPr>
+            <a:spLocks noGrp="1"/>
+          </p:cNvSpPr>
+          <p:nvPr>
+            <p:ph idx="1"/>
+          </p:nvPr>
+        </p:nvSpPr>
+        <p:spPr>
+          <a:xfrm>
+            <a:off x="677334" y="2160589"/>
+            <a:ext cx="4559684" cy="3880773"/>
+          </a:xfrm>
+        </p:spPr>
+        <p:txBody>
+          <a:bodyPr>
+            <a:normAutofit fontScale="92500" lnSpcReduction="20000"/>
+          </a:bodyPr>
+          <a:lstStyle/>
+          <a:p>
+            <a:r>
+              <a:rPr lang="en-US" altLang="zh-CN" dirty="0"/>
+              <a:t>ULL hash[</a:t>
+            </a:r>
+            <a:r>
+              <a:rPr lang="en-US" altLang="zh-CN" dirty="0" err="1"/>
+              <a:t>maxn</a:t>
+            </a:r>
+            <a:r>
+              <a:rPr lang="en-US" altLang="zh-CN" dirty="0"/>
+              <a:t>], base[</a:t>
+            </a:r>
+            <a:r>
+              <a:rPr lang="en-US" altLang="zh-CN" dirty="0" err="1"/>
+              <a:t>maxn</a:t>
+            </a:r>
+            <a:r>
+              <a:rPr lang="en-US" altLang="zh-CN" dirty="0"/>
+              <a:t>];</a:t>
+            </a:r>
+          </a:p>
+          <a:p>
+            <a:r>
+              <a:rPr lang="en-US" altLang="zh-CN" dirty="0" err="1"/>
+              <a:t>Const</a:t>
+            </a:r>
+            <a:r>
+              <a:rPr lang="en-US" altLang="zh-CN" dirty="0"/>
+              <a:t> ULL Base = *****, Mod =  *****;</a:t>
+            </a:r>
+          </a:p>
+          <a:p>
+            <a:r>
+              <a:rPr lang="en-US" altLang="zh-CN" dirty="0"/>
+              <a:t>Char s[</a:t>
+            </a:r>
+            <a:r>
+              <a:rPr lang="en-US" altLang="zh-CN" dirty="0" err="1"/>
+              <a:t>maxn</a:t>
+            </a:r>
+            <a:r>
+              <a:rPr lang="en-US" altLang="zh-CN" dirty="0"/>
+              <a:t>];</a:t>
+            </a:r>
+          </a:p>
+          <a:p>
+            <a:r>
+              <a:rPr lang="en-US" altLang="zh-CN" dirty="0"/>
+              <a:t>Void </a:t>
+            </a:r>
+            <a:r>
+              <a:rPr lang="en-US" altLang="zh-CN" dirty="0" err="1"/>
+              <a:t>init</a:t>
+            </a:r>
+            <a:r>
+              <a:rPr lang="en-US" altLang="zh-CN" dirty="0"/>
+              <a:t>(</a:t>
+            </a:r>
+            <a:r>
+              <a:rPr lang="en-US" altLang="zh-CN" dirty="0" err="1"/>
+              <a:t>int</a:t>
+            </a:r>
+            <a:r>
+              <a:rPr lang="en-US" altLang="zh-CN" dirty="0"/>
+              <a:t> x,  </a:t>
+            </a:r>
+            <a:r>
+              <a:rPr lang="en-US" altLang="zh-CN" dirty="0" err="1"/>
+              <a:t>int</a:t>
+            </a:r>
+            <a:r>
+              <a:rPr lang="en-US" altLang="zh-CN" dirty="0"/>
+              <a:t> l,  </a:t>
+            </a:r>
+            <a:r>
+              <a:rPr lang="en-US" altLang="zh-CN" dirty="0" err="1"/>
+              <a:t>int</a:t>
+            </a:r>
+            <a:r>
+              <a:rPr lang="en-US" altLang="zh-CN" dirty="0"/>
+              <a:t> r){</a:t>
+            </a:r>
+          </a:p>
+          <a:p>
+            <a:pPr lvl="1"/>
+            <a:r>
+              <a:rPr lang="en-US" altLang="zh-CN" dirty="0"/>
+              <a:t>If (l == r){</a:t>
+            </a:r>
+          </a:p>
+          <a:p>
+            <a:pPr lvl="2"/>
+            <a:r>
+              <a:rPr lang="en-US" altLang="zh-CN" dirty="0"/>
+              <a:t>Hash[x] = s[l];</a:t>
+            </a:r>
+          </a:p>
+          <a:p>
+            <a:pPr lvl="2"/>
+            <a:r>
+              <a:rPr lang="en-US" altLang="zh-CN" dirty="0"/>
+              <a:t>Return;</a:t>
+            </a:r>
+          </a:p>
+          <a:p>
+            <a:pPr lvl="1"/>
+            <a:r>
+              <a:rPr lang="en-US" altLang="zh-CN" dirty="0"/>
+              <a:t>}</a:t>
+            </a:r>
+          </a:p>
+          <a:p>
+            <a:pPr lvl="1"/>
+            <a:r>
+              <a:rPr lang="en-US" altLang="zh-CN" dirty="0" err="1"/>
+              <a:t>Int</a:t>
+            </a:r>
+            <a:r>
+              <a:rPr lang="en-US" altLang="zh-CN" dirty="0"/>
+              <a:t> mid = (l + r)/2;</a:t>
+            </a:r>
+          </a:p>
+          <a:p>
+            <a:pPr lvl="1"/>
+            <a:r>
+              <a:rPr lang="en-US" altLang="zh-CN" dirty="0" err="1"/>
+              <a:t>Init</a:t>
+            </a:r>
+            <a:r>
+              <a:rPr lang="en-US" altLang="zh-CN" dirty="0"/>
+              <a:t>(x*2,l,mid);  </a:t>
+            </a:r>
+            <a:r>
+              <a:rPr lang="en-US" altLang="zh-CN" dirty="0" err="1"/>
+              <a:t>init</a:t>
+            </a:r>
+            <a:r>
+              <a:rPr lang="en-US" altLang="zh-CN" dirty="0"/>
+              <a:t>(x*2+1,mid+1,r);</a:t>
+            </a:r>
+          </a:p>
+          <a:p>
+            <a:pPr lvl="1"/>
+            <a:r>
+              <a:rPr lang="en-US" altLang="zh-CN" dirty="0"/>
+              <a:t>Up(</a:t>
+            </a:r>
+            <a:r>
+              <a:rPr lang="en-US" altLang="zh-CN" dirty="0" err="1"/>
+              <a:t>x,l,mid,r</a:t>
+            </a:r>
+            <a:r>
+              <a:rPr lang="en-US" altLang="zh-CN" dirty="0"/>
+              <a:t>);</a:t>
+            </a:r>
+          </a:p>
+          <a:p>
+            <a:r>
+              <a:rPr lang="en-US" altLang="zh-CN" dirty="0"/>
+              <a:t>}</a:t>
+            </a:r>
+            <a:endParaRPr lang="zh-CN" altLang="en-US" dirty="0"/>
+          </a:p>
+        </p:txBody>
+      </p:sp>
+      <p:sp>
+        <p:nvSpPr>
+          <p:cNvPr id="4" name="内容占位符 2"/>
+          <p:cNvSpPr txBox="1">
+            <a:spLocks/>
+          </p:cNvSpPr>
+          <p:nvPr/>
+        </p:nvSpPr>
+        <p:spPr>
+          <a:xfrm>
+            <a:off x="5301981" y="2160588"/>
+            <a:ext cx="4559684" cy="3880773"/>
+          </a:xfrm>
+          <a:prstGeom prst="rect">
+            <a:avLst/>
+          </a:prstGeom>
+        </p:spPr>
+        <p:txBody>
+          <a:bodyPr vert="horz" lIns="91440" tIns="45720" rIns="91440" bIns="45720" rtlCol="0">
+            <a:normAutofit/>
+          </a:bodyPr>
+          <a:lstStyle>
+            <a:lvl1pPr marL="342900" indent="-342900" algn="l" defTabSz="457200" rtl="0" eaLnBrk="1" latinLnBrk="0" hangingPunct="1">
+              <a:spcBef>
+                <a:spcPts val="1000"/>
+              </a:spcBef>
+              <a:spcAft>
+                <a:spcPts val="0"/>
+              </a:spcAft>
+              <a:buClr>
+                <a:schemeClr val="accent1"/>
+              </a:buClr>
+              <a:buSzPct val="80000"/>
+              <a:buFont typeface="Wingdings 3" charset="2"/>
+              <a:buChar char=""/>
+              <a:defRPr sz="1800" kern="1200">
+                <a:solidFill>
+                  <a:schemeClr val="tx1">
+                    <a:lumMod val="75000"/>
+                    <a:lumOff val="25000"/>
+                  </a:schemeClr>
+                </a:solidFill>
+                <a:latin typeface="+mn-lt"/>
+                <a:ea typeface="+mn-ea"/>
+                <a:cs typeface="+mn-cs"/>
+              </a:defRPr>
+            </a:lvl1pPr>
+            <a:lvl2pPr marL="742950" indent="-285750" algn="l" defTabSz="457200" rtl="0" eaLnBrk="1" latinLnBrk="0" hangingPunct="1">
+              <a:spcBef>
+                <a:spcPts val="1000"/>
+              </a:spcBef>
+              <a:spcAft>
+                <a:spcPts val="0"/>
+              </a:spcAft>
+              <a:buClr>
+                <a:schemeClr val="accent1"/>
+              </a:buClr>
+              <a:buSzPct val="80000"/>
+              <a:buFont typeface="Wingdings 3" charset="2"/>
+              <a:buChar char=""/>
+              <a:defRPr sz="1600" kern="1200">
+                <a:solidFill>
+                  <a:schemeClr val="tx1">
+                    <a:lumMod val="75000"/>
+                    <a:lumOff val="25000"/>
+                  </a:schemeClr>
+                </a:solidFill>
+                <a:latin typeface="+mn-lt"/>
+                <a:ea typeface="+mn-ea"/>
+                <a:cs typeface="+mn-cs"/>
+              </a:defRPr>
+            </a:lvl2pPr>
+            <a:lvl3pPr marL="1143000" indent="-228600" algn="l" defTabSz="457200" rtl="0" eaLnBrk="1" latinLnBrk="0" hangingPunct="1">
+              <a:spcBef>
+                <a:spcPts val="1000"/>
+              </a:spcBef>
+              <a:spcAft>
+                <a:spcPts val="0"/>
+              </a:spcAft>
+              <a:buClr>
+                <a:schemeClr val="accent1"/>
+              </a:buClr>
+              <a:buSzPct val="80000"/>
+              <a:buFont typeface="Wingdings 3" charset="2"/>
+              <a:buChar char=""/>
+              <a:defRPr sz="1400" kern="1200">
+                <a:solidFill>
+                  <a:schemeClr val="tx1">
+                    <a:lumMod val="75000"/>
+                    <a:lumOff val="25000"/>
+                  </a:schemeClr>
+                </a:solidFill>
+                <a:latin typeface="+mn-lt"/>
+                <a:ea typeface="+mn-ea"/>
+                <a:cs typeface="+mn-cs"/>
+              </a:defRPr>
+            </a:lvl3pPr>
+            <a:lvl4pPr marL="1600200" indent="-228600" algn="l" defTabSz="457200" rtl="0" eaLnBrk="1" latinLnBrk="0" hangingPunct="1">
+              <a:spcBef>
+                <a:spcPts val="1000"/>
+              </a:spcBef>
+              <a:spcAft>
+                <a:spcPts val="0"/>
+              </a:spcAft>
+              <a:buClr>
+                <a:schemeClr val="accent1"/>
+              </a:buClr>
+              <a:buSzPct val="80000"/>
+              <a:buFont typeface="Wingdings 3" charset="2"/>
+              <a:buChar char=""/>
+              <a:defRPr sz="1200" kern="1200">
+                <a:solidFill>
+                  <a:schemeClr val="tx1">
+                    <a:lumMod val="75000"/>
+                    <a:lumOff val="25000"/>
+                  </a:schemeClr>
+                </a:solidFill>
+                <a:latin typeface="+mn-lt"/>
+                <a:ea typeface="+mn-ea"/>
+                <a:cs typeface="+mn-cs"/>
+              </a:defRPr>
+            </a:lvl4pPr>
+            <a:lvl5pPr marL="2057400" indent="-228600" algn="l" defTabSz="457200" rtl="0" eaLnBrk="1" latinLnBrk="0" hangingPunct="1">
+              <a:spcBef>
+                <a:spcPts val="1000"/>
+              </a:spcBef>
+              <a:spcAft>
+                <a:spcPts val="0"/>
+              </a:spcAft>
+              <a:buClr>
+                <a:schemeClr val="accent1"/>
+              </a:buClr>
+              <a:buSzPct val="80000"/>
+              <a:buFont typeface="Wingdings 3" charset="2"/>
+              <a:buChar char=""/>
+              <a:defRPr sz="1200" kern="1200">
+                <a:solidFill>
+                  <a:schemeClr val="tx1">
+                    <a:lumMod val="75000"/>
+                    <a:lumOff val="25000"/>
+                  </a:schemeClr>
+                </a:solidFill>
+                <a:latin typeface="+mn-lt"/>
+                <a:ea typeface="+mn-ea"/>
+                <a:cs typeface="+mn-cs"/>
+              </a:defRPr>
+            </a:lvl5pPr>
+            <a:lvl6pPr marL="2514600" indent="-228600" algn="l" defTabSz="457200" rtl="0" eaLnBrk="1" latinLnBrk="0" hangingPunct="1">
+              <a:spcBef>
+                <a:spcPts val="1000"/>
+              </a:spcBef>
+              <a:spcAft>
+                <a:spcPts val="0"/>
+              </a:spcAft>
+              <a:buClr>
+                <a:schemeClr val="accent1"/>
+              </a:buClr>
+              <a:buSzPct val="80000"/>
+              <a:buFont typeface="Wingdings 3" charset="2"/>
+              <a:buChar char=""/>
+              <a:defRPr sz="1200" kern="1200">
+                <a:solidFill>
+                  <a:schemeClr val="tx1">
+                    <a:lumMod val="75000"/>
+                    <a:lumOff val="25000"/>
+                  </a:schemeClr>
+                </a:solidFill>
+                <a:latin typeface="+mn-lt"/>
+                <a:ea typeface="+mn-ea"/>
+                <a:cs typeface="+mn-cs"/>
+              </a:defRPr>
+            </a:lvl6pPr>
+            <a:lvl7pPr marL="2971800" indent="-228600" algn="l" defTabSz="457200" rtl="0" eaLnBrk="1" latinLnBrk="0" hangingPunct="1">
+              <a:spcBef>
+                <a:spcPts val="1000"/>
+              </a:spcBef>
+              <a:spcAft>
+                <a:spcPts val="0"/>
+              </a:spcAft>
+              <a:buClr>
+                <a:schemeClr val="accent1"/>
+              </a:buClr>
+              <a:buSzPct val="80000"/>
+              <a:buFont typeface="Wingdings 3" charset="2"/>
+              <a:buChar char=""/>
+              <a:defRPr sz="1200" kern="1200">
+                <a:solidFill>
+                  <a:schemeClr val="tx1">
+                    <a:lumMod val="75000"/>
+                    <a:lumOff val="25000"/>
+                  </a:schemeClr>
+                </a:solidFill>
+                <a:latin typeface="+mn-lt"/>
+                <a:ea typeface="+mn-ea"/>
+                <a:cs typeface="+mn-cs"/>
+              </a:defRPr>
+            </a:lvl7pPr>
+            <a:lvl8pPr marL="3429000" indent="-228600" algn="l" defTabSz="457200" rtl="0" eaLnBrk="1" latinLnBrk="0" hangingPunct="1">
+              <a:spcBef>
+                <a:spcPts val="1000"/>
+              </a:spcBef>
+              <a:spcAft>
+                <a:spcPts val="0"/>
+              </a:spcAft>
+              <a:buClr>
+                <a:schemeClr val="accent1"/>
+              </a:buClr>
+              <a:buSzPct val="80000"/>
+              <a:buFont typeface="Wingdings 3" charset="2"/>
+              <a:buChar char=""/>
+              <a:defRPr sz="1200" kern="1200">
+                <a:solidFill>
+                  <a:schemeClr val="tx1">
+                    <a:lumMod val="75000"/>
+                    <a:lumOff val="25000"/>
+                  </a:schemeClr>
+                </a:solidFill>
+                <a:latin typeface="+mn-lt"/>
+                <a:ea typeface="+mn-ea"/>
+                <a:cs typeface="+mn-cs"/>
+              </a:defRPr>
+            </a:lvl8pPr>
+            <a:lvl9pPr marL="3886200" indent="-228600" algn="l" defTabSz="457200" rtl="0" eaLnBrk="1" latinLnBrk="0" hangingPunct="1">
+              <a:spcBef>
+                <a:spcPts val="1000"/>
+              </a:spcBef>
+              <a:spcAft>
+                <a:spcPts val="0"/>
+              </a:spcAft>
+              <a:buClr>
+                <a:schemeClr val="accent1"/>
+              </a:buClr>
+              <a:buSzPct val="80000"/>
+              <a:buFont typeface="Wingdings 3" charset="2"/>
+              <a:buChar char=""/>
+              <a:defRPr sz="1200" kern="1200">
+                <a:solidFill>
+                  <a:schemeClr val="tx1">
+                    <a:lumMod val="75000"/>
+                    <a:lumOff val="25000"/>
+                  </a:schemeClr>
+                </a:solidFill>
+                <a:latin typeface="+mn-lt"/>
+                <a:ea typeface="+mn-ea"/>
+                <a:cs typeface="+mn-cs"/>
+              </a:defRPr>
+            </a:lvl9pPr>
+          </a:lstStyle>
+          <a:p>
+            <a:r>
+              <a:rPr lang="en-US" altLang="zh-CN" dirty="0"/>
+              <a:t>Void up(</a:t>
+            </a:r>
+            <a:r>
+              <a:rPr lang="en-US" altLang="zh-CN" dirty="0" err="1"/>
+              <a:t>int</a:t>
+            </a:r>
+            <a:r>
+              <a:rPr lang="en-US" altLang="zh-CN" dirty="0"/>
+              <a:t> x,  </a:t>
+            </a:r>
+            <a:r>
+              <a:rPr lang="en-US" altLang="zh-CN" dirty="0" err="1"/>
+              <a:t>int</a:t>
+            </a:r>
+            <a:r>
+              <a:rPr lang="en-US" altLang="zh-CN" dirty="0"/>
+              <a:t> l,  </a:t>
+            </a:r>
+            <a:r>
+              <a:rPr lang="en-US" altLang="zh-CN" dirty="0" err="1"/>
+              <a:t>int</a:t>
+            </a:r>
+            <a:r>
+              <a:rPr lang="en-US" altLang="zh-CN" dirty="0"/>
+              <a:t> mid,  </a:t>
+            </a:r>
+            <a:r>
+              <a:rPr lang="en-US" altLang="zh-CN" dirty="0" err="1"/>
+              <a:t>int</a:t>
+            </a:r>
+            <a:r>
+              <a:rPr lang="en-US" altLang="zh-CN" dirty="0"/>
+              <a:t> r){</a:t>
+            </a:r>
+          </a:p>
+          <a:p>
+            <a:pPr lvl="1"/>
+            <a:r>
+              <a:rPr lang="en-US" altLang="zh-CN" dirty="0" err="1"/>
+              <a:t>Int</a:t>
+            </a:r>
+            <a:r>
+              <a:rPr lang="en-US" altLang="zh-CN" dirty="0"/>
+              <a:t> </a:t>
+            </a:r>
+            <a:r>
+              <a:rPr lang="en-US" altLang="zh-CN" dirty="0" err="1"/>
+              <a:t>lenR</a:t>
+            </a:r>
+            <a:r>
+              <a:rPr lang="en-US" altLang="zh-CN" dirty="0"/>
+              <a:t> = r – mid;</a:t>
+            </a:r>
+          </a:p>
+          <a:p>
+            <a:pPr lvl="1"/>
+            <a:r>
+              <a:rPr lang="en-US" altLang="zh-CN" dirty="0"/>
+              <a:t>Hash[x] = (hash[x*2] * base[</a:t>
+            </a:r>
+            <a:r>
+              <a:rPr lang="en-US" altLang="zh-CN" dirty="0" err="1"/>
+              <a:t>lenR</a:t>
+            </a:r>
+            <a:r>
+              <a:rPr lang="en-US" altLang="zh-CN" dirty="0"/>
+              <a:t>] % Mod + hash[x*2+1]) % Mod;</a:t>
+            </a:r>
+          </a:p>
+          <a:p>
+            <a:r>
+              <a:rPr lang="en-US" altLang="zh-CN" dirty="0"/>
+              <a:t>}</a:t>
+            </a:r>
+            <a:endParaRPr lang="zh-CN" altLang="en-US" dirty="0"/>
+          </a:p>
+        </p:txBody>
+      </p:sp>
+    </p:spTree>
+    <p:extLst>
+      <p:ext uri="{BB962C8B-B14F-4D97-AF65-F5344CB8AC3E}">
+        <p14:creationId xmlns:p14="http://schemas.microsoft.com/office/powerpoint/2010/main" val="1472212669"/>
+      </p:ext>
+    </p:extLst>
+  </p:cSld>
+  <p:clrMapOvr>
+    <a:masterClrMapping/>
+  </p:clrMapOvr>
+</p:sld>
+</file>
+
+<file path=ppt/slides/slide16.xml><?xml version="1.0" encoding="utf-8"?>
+<p:sld xmlns:a="http://schemas.openxmlformats.org/drawingml/2006/main" xmlns:r="http://schemas.openxmlformats.org/officeDocument/2006/relationships" xmlns:p="http://schemas.openxmlformats.org/presentationml/2006/main">
+  <p:cSld>
+    <p:spTree>
+      <p:nvGrpSpPr>
+        <p:cNvPr id="1" name=""/>
+        <p:cNvGrpSpPr/>
+        <p:nvPr/>
+      </p:nvGrpSpPr>
+      <p:grpSpPr>
+        <a:xfrm>
+          <a:off x="0" y="0"/>
+          <a:ext cx="0" cy="0"/>
+          <a:chOff x="0" y="0"/>
+          <a:chExt cx="0" cy="0"/>
+        </a:xfrm>
+      </p:grpSpPr>
+      <p:sp>
+        <p:nvSpPr>
+          <p:cNvPr id="2" name="标题 1"/>
+          <p:cNvSpPr>
+            <a:spLocks noGrp="1"/>
+          </p:cNvSpPr>
+          <p:nvPr>
+            <p:ph type="title"/>
+          </p:nvPr>
+        </p:nvSpPr>
+        <p:spPr/>
+        <p:txBody>
+          <a:bodyPr/>
+          <a:lstStyle/>
+          <a:p>
+            <a:r>
+              <a:rPr lang="zh-CN" altLang="en-US" dirty="0"/>
+              <a:t>单点修改</a:t>
+            </a:r>
+          </a:p>
+        </p:txBody>
+      </p:sp>
+      <p:sp>
+        <p:nvSpPr>
+          <p:cNvPr id="3" name="内容占位符 2"/>
+          <p:cNvSpPr>
+            <a:spLocks noGrp="1"/>
+          </p:cNvSpPr>
+          <p:nvPr>
+            <p:ph idx="1"/>
+          </p:nvPr>
+        </p:nvSpPr>
+        <p:spPr/>
+        <p:txBody>
+          <a:bodyPr/>
+          <a:lstStyle/>
+          <a:p>
+            <a:r>
+              <a:rPr lang="en-US" altLang="zh-CN" dirty="0"/>
+              <a:t>Void update(</a:t>
+            </a:r>
+            <a:r>
+              <a:rPr lang="en-US" altLang="zh-CN" dirty="0" err="1"/>
+              <a:t>int</a:t>
+            </a:r>
+            <a:r>
+              <a:rPr lang="en-US" altLang="zh-CN" dirty="0"/>
+              <a:t> x,  </a:t>
+            </a:r>
+            <a:r>
+              <a:rPr lang="en-US" altLang="zh-CN" dirty="0" err="1"/>
+              <a:t>int</a:t>
+            </a:r>
+            <a:r>
+              <a:rPr lang="en-US" altLang="zh-CN" dirty="0"/>
+              <a:t> l,  </a:t>
+            </a:r>
+            <a:r>
+              <a:rPr lang="en-US" altLang="zh-CN" dirty="0" err="1"/>
+              <a:t>int</a:t>
+            </a:r>
+            <a:r>
+              <a:rPr lang="en-US" altLang="zh-CN" dirty="0"/>
+              <a:t> r,  </a:t>
+            </a:r>
+            <a:r>
+              <a:rPr lang="en-US" altLang="zh-CN" dirty="0" err="1"/>
+              <a:t>int</a:t>
+            </a:r>
+            <a:r>
+              <a:rPr lang="en-US" altLang="zh-CN" dirty="0"/>
+              <a:t> </a:t>
+            </a:r>
+            <a:r>
+              <a:rPr lang="en-US" altLang="zh-CN" dirty="0" err="1"/>
+              <a:t>pos</a:t>
+            </a:r>
+            <a:r>
+              <a:rPr lang="en-US" altLang="zh-CN" dirty="0"/>
+              <a:t>,  char </a:t>
+            </a:r>
+            <a:r>
+              <a:rPr lang="en-US" altLang="zh-CN" dirty="0" err="1"/>
+              <a:t>ch</a:t>
+            </a:r>
+            <a:r>
+              <a:rPr lang="en-US" altLang="zh-CN" dirty="0"/>
+              <a:t>){</a:t>
+            </a:r>
+          </a:p>
+          <a:p>
+            <a:pPr lvl="1"/>
+            <a:r>
+              <a:rPr lang="en-US" altLang="zh-CN" dirty="0"/>
+              <a:t>If (l == r){</a:t>
+            </a:r>
+          </a:p>
+          <a:p>
+            <a:pPr lvl="2"/>
+            <a:r>
+              <a:rPr lang="en-US" altLang="zh-CN" dirty="0"/>
+              <a:t>Hash[x] = </a:t>
+            </a:r>
+            <a:r>
+              <a:rPr lang="en-US" altLang="zh-CN" dirty="0" err="1"/>
+              <a:t>ch</a:t>
+            </a:r>
+            <a:r>
+              <a:rPr lang="en-US" altLang="zh-CN" dirty="0"/>
+              <a:t>;</a:t>
+            </a:r>
+          </a:p>
+          <a:p>
+            <a:pPr lvl="2"/>
+            <a:r>
+              <a:rPr lang="en-US" altLang="zh-CN" dirty="0"/>
+              <a:t>Return;</a:t>
+            </a:r>
+          </a:p>
+          <a:p>
+            <a:pPr lvl="1"/>
+            <a:r>
+              <a:rPr lang="en-US" altLang="zh-CN" dirty="0"/>
+              <a:t>}</a:t>
+            </a:r>
+          </a:p>
+          <a:p>
+            <a:pPr lvl="1"/>
+            <a:r>
+              <a:rPr lang="en-US" altLang="zh-CN" dirty="0" err="1"/>
+              <a:t>Int</a:t>
+            </a:r>
+            <a:r>
+              <a:rPr lang="en-US" altLang="zh-CN" dirty="0"/>
+              <a:t> mid = (l + r)/2;</a:t>
+            </a:r>
+          </a:p>
+          <a:p>
+            <a:pPr lvl="1"/>
+            <a:r>
+              <a:rPr lang="en-US" altLang="zh-CN" dirty="0"/>
+              <a:t>If (</a:t>
+            </a:r>
+            <a:r>
+              <a:rPr lang="en-US" altLang="zh-CN" dirty="0" err="1"/>
+              <a:t>pos</a:t>
+            </a:r>
+            <a:r>
+              <a:rPr lang="en-US" altLang="zh-CN" dirty="0"/>
+              <a:t> &lt;= mid)update(x*2,l,mid,pos,ch);</a:t>
+            </a:r>
+          </a:p>
+          <a:p>
+            <a:pPr lvl="1"/>
+            <a:r>
+              <a:rPr lang="en-US" altLang="zh-CN" dirty="0"/>
+              <a:t>Else update(x*2+1,mid+1,r,pos,ch);</a:t>
+            </a:r>
+          </a:p>
+          <a:p>
+            <a:pPr lvl="1"/>
+            <a:r>
+              <a:rPr lang="en-US" altLang="zh-CN" dirty="0"/>
+              <a:t>Up(</a:t>
+            </a:r>
+            <a:r>
+              <a:rPr lang="en-US" altLang="zh-CN" dirty="0" err="1"/>
+              <a:t>x,l,mid,r</a:t>
+            </a:r>
+            <a:r>
+              <a:rPr lang="en-US" altLang="zh-CN" dirty="0"/>
+              <a:t>);</a:t>
+            </a:r>
+          </a:p>
+          <a:p>
+            <a:r>
+              <a:rPr lang="en-US" altLang="zh-CN" dirty="0"/>
+              <a:t>}</a:t>
+            </a:r>
+            <a:endParaRPr lang="zh-CN" altLang="en-US" dirty="0"/>
+          </a:p>
+        </p:txBody>
+      </p:sp>
+    </p:spTree>
+    <p:extLst>
+      <p:ext uri="{BB962C8B-B14F-4D97-AF65-F5344CB8AC3E}">
+        <p14:creationId xmlns:p14="http://schemas.microsoft.com/office/powerpoint/2010/main" val="3016379801"/>
+      </p:ext>
+    </p:extLst>
+  </p:cSld>
+  <p:clrMapOvr>
+    <a:masterClrMapping/>
+  </p:clrMapOvr>
+</p:sld>
+</file>
+
+<file path=ppt/slides/slide17.xml><?xml version="1.0" encoding="utf-8"?>
+<p:sld xmlns:a="http://schemas.openxmlformats.org/drawingml/2006/main" xmlns:r="http://schemas.openxmlformats.org/officeDocument/2006/relationships" xmlns:p="http://schemas.openxmlformats.org/presentationml/2006/main">
+  <p:cSld>
+    <p:spTree>
+      <p:nvGrpSpPr>
+        <p:cNvPr id="1" name=""/>
+        <p:cNvGrpSpPr/>
+        <p:nvPr/>
+      </p:nvGrpSpPr>
+      <p:grpSpPr>
+        <a:xfrm>
+          <a:off x="0" y="0"/>
+          <a:ext cx="0" cy="0"/>
+          <a:chOff x="0" y="0"/>
+          <a:chExt cx="0" cy="0"/>
+        </a:xfrm>
+      </p:grpSpPr>
+      <p:sp>
+        <p:nvSpPr>
+          <p:cNvPr id="2" name="标题 1"/>
+          <p:cNvSpPr>
+            <a:spLocks noGrp="1"/>
+          </p:cNvSpPr>
+          <p:nvPr>
+            <p:ph type="title"/>
+          </p:nvPr>
+        </p:nvSpPr>
+        <p:spPr/>
+        <p:txBody>
+          <a:bodyPr/>
+          <a:lstStyle/>
+          <a:p>
+            <a:r>
+              <a:rPr lang="zh-CN" altLang="en-US" dirty="0"/>
+              <a:t>区间查询</a:t>
+            </a:r>
+          </a:p>
+        </p:txBody>
+      </p:sp>
+      <p:sp>
+        <p:nvSpPr>
+          <p:cNvPr id="3" name="内容占位符 2"/>
+          <p:cNvSpPr>
+            <a:spLocks noGrp="1"/>
+          </p:cNvSpPr>
+          <p:nvPr>
+            <p:ph idx="1"/>
+          </p:nvPr>
+        </p:nvSpPr>
+        <p:spPr>
+          <a:xfrm>
+            <a:off x="677334" y="2160589"/>
+            <a:ext cx="6122477" cy="3880773"/>
+          </a:xfrm>
+        </p:spPr>
+        <p:txBody>
+          <a:bodyPr/>
+          <a:lstStyle/>
+          <a:p>
+            <a:r>
+              <a:rPr lang="en-US" altLang="zh-CN" dirty="0"/>
+              <a:t>// pair&lt;</a:t>
+            </a:r>
+            <a:r>
+              <a:rPr lang="en-US" altLang="zh-CN" dirty="0" err="1"/>
+              <a:t>ULL,int</a:t>
+            </a:r>
+            <a:r>
+              <a:rPr lang="en-US" altLang="zh-CN" dirty="0"/>
+              <a:t>&gt; </a:t>
+            </a:r>
+            <a:r>
+              <a:rPr lang="zh-CN" altLang="en-US" dirty="0"/>
+              <a:t>表示</a:t>
+            </a:r>
+            <a:r>
+              <a:rPr lang="en-US" altLang="zh-CN" dirty="0"/>
+              <a:t>(Hash</a:t>
+            </a:r>
+            <a:r>
+              <a:rPr lang="zh-CN" altLang="en-US" dirty="0"/>
+              <a:t>值，串长度</a:t>
+            </a:r>
+            <a:r>
+              <a:rPr lang="en-US" altLang="zh-CN" dirty="0"/>
+              <a:t>)</a:t>
+            </a:r>
+          </a:p>
+          <a:p>
+            <a:r>
+              <a:rPr lang="en-US" altLang="zh-CN" dirty="0"/>
+              <a:t>Pair&lt;</a:t>
+            </a:r>
+            <a:r>
+              <a:rPr lang="en-US" altLang="zh-CN" dirty="0" err="1"/>
+              <a:t>ULL,int</a:t>
+            </a:r>
+            <a:r>
+              <a:rPr lang="en-US" altLang="zh-CN" dirty="0"/>
+              <a:t>&gt; query(</a:t>
+            </a:r>
+            <a:r>
+              <a:rPr lang="en-US" altLang="zh-CN" dirty="0" err="1"/>
+              <a:t>int</a:t>
+            </a:r>
+            <a:r>
+              <a:rPr lang="en-US" altLang="zh-CN" dirty="0"/>
+              <a:t> x,  </a:t>
+            </a:r>
+            <a:r>
+              <a:rPr lang="en-US" altLang="zh-CN" dirty="0" err="1"/>
+              <a:t>int</a:t>
+            </a:r>
+            <a:r>
+              <a:rPr lang="en-US" altLang="zh-CN" dirty="0"/>
+              <a:t> l,  </a:t>
+            </a:r>
+            <a:r>
+              <a:rPr lang="en-US" altLang="zh-CN" dirty="0" err="1"/>
+              <a:t>int</a:t>
+            </a:r>
+            <a:r>
+              <a:rPr lang="en-US" altLang="zh-CN" dirty="0"/>
+              <a:t> r,  </a:t>
+            </a:r>
+            <a:r>
+              <a:rPr lang="en-US" altLang="zh-CN" dirty="0" err="1"/>
+              <a:t>int</a:t>
+            </a:r>
+            <a:r>
+              <a:rPr lang="en-US" altLang="zh-CN" dirty="0"/>
+              <a:t> L,  </a:t>
+            </a:r>
+            <a:r>
+              <a:rPr lang="en-US" altLang="zh-CN" dirty="0" err="1"/>
+              <a:t>int</a:t>
+            </a:r>
+            <a:r>
+              <a:rPr lang="en-US" altLang="zh-CN" dirty="0"/>
+              <a:t> R){</a:t>
+            </a:r>
+          </a:p>
+          <a:p>
+            <a:pPr lvl="1"/>
+            <a:r>
+              <a:rPr lang="en-US" altLang="zh-CN" dirty="0"/>
+              <a:t>If (L &gt; r  or l &gt; R)return </a:t>
+            </a:r>
+            <a:r>
+              <a:rPr lang="en-US" altLang="zh-CN" dirty="0" err="1"/>
+              <a:t>make_pair</a:t>
+            </a:r>
+            <a:r>
+              <a:rPr lang="en-US" altLang="zh-CN" dirty="0"/>
+              <a:t>(0,0);</a:t>
+            </a:r>
+          </a:p>
+          <a:p>
+            <a:pPr lvl="1"/>
+            <a:r>
+              <a:rPr lang="en-US" altLang="zh-CN" dirty="0"/>
+              <a:t>If (L &lt;= l  and r &lt;= R)return </a:t>
+            </a:r>
+            <a:r>
+              <a:rPr lang="en-US" altLang="zh-CN" dirty="0" err="1"/>
+              <a:t>make_pair</a:t>
+            </a:r>
+            <a:r>
+              <a:rPr lang="en-US" altLang="zh-CN" dirty="0"/>
+              <a:t>(hash[x], r – l + 1);</a:t>
+            </a:r>
+          </a:p>
+          <a:p>
+            <a:pPr lvl="1"/>
+            <a:r>
+              <a:rPr lang="en-US" altLang="zh-CN" dirty="0"/>
+              <a:t>Int mid = (l + r)/2;</a:t>
+            </a:r>
+          </a:p>
+          <a:p>
+            <a:pPr lvl="1"/>
+            <a:r>
+              <a:rPr lang="en-US" altLang="zh-CN" dirty="0"/>
+              <a:t>Pair&lt;</a:t>
+            </a:r>
+            <a:r>
+              <a:rPr lang="en-US" altLang="zh-CN" dirty="0" err="1"/>
+              <a:t>ULL,int</a:t>
+            </a:r>
+            <a:r>
+              <a:rPr lang="en-US" altLang="zh-CN" dirty="0"/>
+              <a:t>&gt; left = query(x*2, l, mid, L, R);</a:t>
+            </a:r>
+          </a:p>
+          <a:p>
+            <a:pPr lvl="1"/>
+            <a:r>
+              <a:rPr lang="en-US" altLang="zh-CN" dirty="0"/>
+              <a:t>Pair&lt;</a:t>
+            </a:r>
+            <a:r>
+              <a:rPr lang="en-US" altLang="zh-CN" dirty="0" err="1"/>
+              <a:t>ULL,int</a:t>
+            </a:r>
+            <a:r>
+              <a:rPr lang="en-US" altLang="zh-CN" dirty="0"/>
+              <a:t>&gt; right = query(x*2+1, mid+1, r, L, R);</a:t>
+            </a:r>
+          </a:p>
+          <a:p>
+            <a:pPr lvl="1"/>
+            <a:r>
+              <a:rPr lang="en-US" altLang="zh-CN" dirty="0"/>
+              <a:t>Return merge(</a:t>
+            </a:r>
+            <a:r>
+              <a:rPr lang="en-US" altLang="zh-CN" dirty="0" err="1"/>
+              <a:t>left,right</a:t>
+            </a:r>
+            <a:r>
+              <a:rPr lang="en-US" altLang="zh-CN" dirty="0"/>
+              <a:t>);</a:t>
+            </a:r>
+          </a:p>
+          <a:p>
+            <a:r>
+              <a:rPr lang="en-US" altLang="zh-CN" dirty="0"/>
+              <a:t>}</a:t>
+            </a:r>
+            <a:endParaRPr lang="zh-CN" altLang="en-US" dirty="0"/>
+          </a:p>
+        </p:txBody>
+      </p:sp>
+      <p:sp>
+        <p:nvSpPr>
+          <p:cNvPr id="4" name="内容占位符 2"/>
+          <p:cNvSpPr txBox="1">
+            <a:spLocks/>
+          </p:cNvSpPr>
+          <p:nvPr/>
+        </p:nvSpPr>
+        <p:spPr>
+          <a:xfrm>
+            <a:off x="6799811" y="2218058"/>
+            <a:ext cx="5228705" cy="3880773"/>
+          </a:xfrm>
+          <a:prstGeom prst="rect">
+            <a:avLst/>
+          </a:prstGeom>
+        </p:spPr>
+        <p:txBody>
+          <a:bodyPr vert="horz" lIns="91440" tIns="45720" rIns="91440" bIns="45720" rtlCol="0">
+            <a:normAutofit/>
+          </a:bodyPr>
+          <a:lstStyle>
+            <a:lvl1pPr marL="342900" indent="-342900" algn="l" defTabSz="457200" rtl="0" eaLnBrk="1" latinLnBrk="0" hangingPunct="1">
+              <a:spcBef>
+                <a:spcPts val="1000"/>
+              </a:spcBef>
+              <a:spcAft>
+                <a:spcPts val="0"/>
+              </a:spcAft>
+              <a:buClr>
+                <a:schemeClr val="accent1"/>
+              </a:buClr>
+              <a:buSzPct val="80000"/>
+              <a:buFont typeface="Wingdings 3" charset="2"/>
+              <a:buChar char=""/>
+              <a:defRPr sz="1800" kern="1200">
+                <a:solidFill>
+                  <a:schemeClr val="tx1">
+                    <a:lumMod val="75000"/>
+                    <a:lumOff val="25000"/>
+                  </a:schemeClr>
+                </a:solidFill>
+                <a:latin typeface="+mn-lt"/>
+                <a:ea typeface="+mn-ea"/>
+                <a:cs typeface="+mn-cs"/>
+              </a:defRPr>
+            </a:lvl1pPr>
+            <a:lvl2pPr marL="742950" indent="-285750" algn="l" defTabSz="457200" rtl="0" eaLnBrk="1" latinLnBrk="0" hangingPunct="1">
+              <a:spcBef>
+                <a:spcPts val="1000"/>
+              </a:spcBef>
+              <a:spcAft>
+                <a:spcPts val="0"/>
+              </a:spcAft>
+              <a:buClr>
+                <a:schemeClr val="accent1"/>
+              </a:buClr>
+              <a:buSzPct val="80000"/>
+              <a:buFont typeface="Wingdings 3" charset="2"/>
+              <a:buChar char=""/>
+              <a:defRPr sz="1600" kern="1200">
+                <a:solidFill>
+                  <a:schemeClr val="tx1">
+                    <a:lumMod val="75000"/>
+                    <a:lumOff val="25000"/>
+                  </a:schemeClr>
+                </a:solidFill>
+                <a:latin typeface="+mn-lt"/>
+                <a:ea typeface="+mn-ea"/>
+                <a:cs typeface="+mn-cs"/>
+              </a:defRPr>
+            </a:lvl2pPr>
+            <a:lvl3pPr marL="1143000" indent="-228600" algn="l" defTabSz="457200" rtl="0" eaLnBrk="1" latinLnBrk="0" hangingPunct="1">
+              <a:spcBef>
+                <a:spcPts val="1000"/>
+              </a:spcBef>
+              <a:spcAft>
+                <a:spcPts val="0"/>
+              </a:spcAft>
+              <a:buClr>
+                <a:schemeClr val="accent1"/>
+              </a:buClr>
+              <a:buSzPct val="80000"/>
+              <a:buFont typeface="Wingdings 3" charset="2"/>
+              <a:buChar char=""/>
+              <a:defRPr sz="1400" kern="1200">
+                <a:solidFill>
+                  <a:schemeClr val="tx1">
+                    <a:lumMod val="75000"/>
+                    <a:lumOff val="25000"/>
+                  </a:schemeClr>
+                </a:solidFill>
+                <a:latin typeface="+mn-lt"/>
+                <a:ea typeface="+mn-ea"/>
+                <a:cs typeface="+mn-cs"/>
+              </a:defRPr>
+            </a:lvl3pPr>
+            <a:lvl4pPr marL="1600200" indent="-228600" algn="l" defTabSz="457200" rtl="0" eaLnBrk="1" latinLnBrk="0" hangingPunct="1">
+              <a:spcBef>
+                <a:spcPts val="1000"/>
+              </a:spcBef>
+              <a:spcAft>
+                <a:spcPts val="0"/>
+              </a:spcAft>
+              <a:buClr>
+                <a:schemeClr val="accent1"/>
+              </a:buClr>
+              <a:buSzPct val="80000"/>
+              <a:buFont typeface="Wingdings 3" charset="2"/>
+              <a:buChar char=""/>
+              <a:defRPr sz="1200" kern="1200">
+                <a:solidFill>
+                  <a:schemeClr val="tx1">
+                    <a:lumMod val="75000"/>
+                    <a:lumOff val="25000"/>
+                  </a:schemeClr>
+                </a:solidFill>
+                <a:latin typeface="+mn-lt"/>
+                <a:ea typeface="+mn-ea"/>
+                <a:cs typeface="+mn-cs"/>
+              </a:defRPr>
+            </a:lvl4pPr>
+            <a:lvl5pPr marL="2057400" indent="-228600" algn="l" defTabSz="457200" rtl="0" eaLnBrk="1" latinLnBrk="0" hangingPunct="1">
+              <a:spcBef>
+                <a:spcPts val="1000"/>
+              </a:spcBef>
+              <a:spcAft>
+                <a:spcPts val="0"/>
+              </a:spcAft>
+              <a:buClr>
+                <a:schemeClr val="accent1"/>
+              </a:buClr>
+              <a:buSzPct val="80000"/>
+              <a:buFont typeface="Wingdings 3" charset="2"/>
+              <a:buChar char=""/>
+              <a:defRPr sz="1200" kern="1200">
+                <a:solidFill>
+                  <a:schemeClr val="tx1">
+                    <a:lumMod val="75000"/>
+                    <a:lumOff val="25000"/>
+                  </a:schemeClr>
+                </a:solidFill>
+                <a:latin typeface="+mn-lt"/>
+                <a:ea typeface="+mn-ea"/>
+                <a:cs typeface="+mn-cs"/>
+              </a:defRPr>
+            </a:lvl5pPr>
+            <a:lvl6pPr marL="2514600" indent="-228600" algn="l" defTabSz="457200" rtl="0" eaLnBrk="1" latinLnBrk="0" hangingPunct="1">
+              <a:spcBef>
+                <a:spcPts val="1000"/>
+              </a:spcBef>
+              <a:spcAft>
+                <a:spcPts val="0"/>
+              </a:spcAft>
+              <a:buClr>
+                <a:schemeClr val="accent1"/>
+              </a:buClr>
+              <a:buSzPct val="80000"/>
+              <a:buFont typeface="Wingdings 3" charset="2"/>
+              <a:buChar char=""/>
+              <a:defRPr sz="1200" kern="1200">
+                <a:solidFill>
+                  <a:schemeClr val="tx1">
+                    <a:lumMod val="75000"/>
+                    <a:lumOff val="25000"/>
+                  </a:schemeClr>
+                </a:solidFill>
+                <a:latin typeface="+mn-lt"/>
+                <a:ea typeface="+mn-ea"/>
+                <a:cs typeface="+mn-cs"/>
+              </a:defRPr>
+            </a:lvl6pPr>
+            <a:lvl7pPr marL="2971800" indent="-228600" algn="l" defTabSz="457200" rtl="0" eaLnBrk="1" latinLnBrk="0" hangingPunct="1">
+              <a:spcBef>
+                <a:spcPts val="1000"/>
+              </a:spcBef>
+              <a:spcAft>
+                <a:spcPts val="0"/>
+              </a:spcAft>
+              <a:buClr>
+                <a:schemeClr val="accent1"/>
+              </a:buClr>
+              <a:buSzPct val="80000"/>
+              <a:buFont typeface="Wingdings 3" charset="2"/>
+              <a:buChar char=""/>
+              <a:defRPr sz="1200" kern="1200">
+                <a:solidFill>
+                  <a:schemeClr val="tx1">
+                    <a:lumMod val="75000"/>
+                    <a:lumOff val="25000"/>
+                  </a:schemeClr>
+                </a:solidFill>
+                <a:latin typeface="+mn-lt"/>
+                <a:ea typeface="+mn-ea"/>
+                <a:cs typeface="+mn-cs"/>
+              </a:defRPr>
+            </a:lvl7pPr>
+            <a:lvl8pPr marL="3429000" indent="-228600" algn="l" defTabSz="457200" rtl="0" eaLnBrk="1" latinLnBrk="0" hangingPunct="1">
+              <a:spcBef>
+                <a:spcPts val="1000"/>
+              </a:spcBef>
+              <a:spcAft>
+                <a:spcPts val="0"/>
+              </a:spcAft>
+              <a:buClr>
+                <a:schemeClr val="accent1"/>
+              </a:buClr>
+              <a:buSzPct val="80000"/>
+              <a:buFont typeface="Wingdings 3" charset="2"/>
+              <a:buChar char=""/>
+              <a:defRPr sz="1200" kern="1200">
+                <a:solidFill>
+                  <a:schemeClr val="tx1">
+                    <a:lumMod val="75000"/>
+                    <a:lumOff val="25000"/>
+                  </a:schemeClr>
+                </a:solidFill>
+                <a:latin typeface="+mn-lt"/>
+                <a:ea typeface="+mn-ea"/>
+                <a:cs typeface="+mn-cs"/>
+              </a:defRPr>
+            </a:lvl8pPr>
+            <a:lvl9pPr marL="3886200" indent="-228600" algn="l" defTabSz="457200" rtl="0" eaLnBrk="1" latinLnBrk="0" hangingPunct="1">
+              <a:spcBef>
+                <a:spcPts val="1000"/>
+              </a:spcBef>
+              <a:spcAft>
+                <a:spcPts val="0"/>
+              </a:spcAft>
+              <a:buClr>
+                <a:schemeClr val="accent1"/>
+              </a:buClr>
+              <a:buSzPct val="80000"/>
+              <a:buFont typeface="Wingdings 3" charset="2"/>
+              <a:buChar char=""/>
+              <a:defRPr sz="1200" kern="1200">
+                <a:solidFill>
+                  <a:schemeClr val="tx1">
+                    <a:lumMod val="75000"/>
+                    <a:lumOff val="25000"/>
+                  </a:schemeClr>
+                </a:solidFill>
+                <a:latin typeface="+mn-lt"/>
+                <a:ea typeface="+mn-ea"/>
+                <a:cs typeface="+mn-cs"/>
+              </a:defRPr>
+            </a:lvl9pPr>
+          </a:lstStyle>
+          <a:p>
+            <a:r>
+              <a:rPr lang="en-US" altLang="zh-CN" dirty="0"/>
+              <a:t>Void merge(pair&lt;</a:t>
+            </a:r>
+            <a:r>
+              <a:rPr lang="en-US" altLang="zh-CN" dirty="0" err="1"/>
+              <a:t>ULL,int</a:t>
+            </a:r>
+            <a:r>
+              <a:rPr lang="en-US" altLang="zh-CN" dirty="0"/>
+              <a:t>&gt; left, pair&lt;</a:t>
+            </a:r>
+            <a:r>
+              <a:rPr lang="en-US" altLang="zh-CN" dirty="0" err="1"/>
+              <a:t>ULL,int</a:t>
+            </a:r>
+            <a:r>
+              <a:rPr lang="en-US" altLang="zh-CN" dirty="0"/>
+              <a:t>&gt; right){</a:t>
+            </a:r>
+          </a:p>
+          <a:p>
+            <a:pPr lvl="1"/>
+            <a:r>
+              <a:rPr lang="en-US" altLang="zh-CN" dirty="0"/>
+              <a:t>ULL </a:t>
+            </a:r>
+            <a:r>
+              <a:rPr lang="en-US" altLang="zh-CN" dirty="0" err="1"/>
+              <a:t>hash_val</a:t>
+            </a:r>
+            <a:r>
+              <a:rPr lang="en-US" altLang="zh-CN" dirty="0"/>
+              <a:t> = (</a:t>
+            </a:r>
+            <a:r>
+              <a:rPr lang="en-US" altLang="zh-CN" dirty="0" err="1"/>
+              <a:t>left.first</a:t>
+            </a:r>
+            <a:r>
+              <a:rPr lang="en-US" altLang="zh-CN" dirty="0"/>
+              <a:t> * base[</a:t>
+            </a:r>
+            <a:r>
+              <a:rPr lang="en-US" altLang="zh-CN" dirty="0" err="1"/>
+              <a:t>right.second</a:t>
+            </a:r>
+            <a:r>
+              <a:rPr lang="en-US" altLang="zh-CN" dirty="0"/>
+              <a:t>] % Mod + </a:t>
+            </a:r>
+            <a:r>
+              <a:rPr lang="en-US" altLang="zh-CN" dirty="0" err="1"/>
+              <a:t>right.first</a:t>
+            </a:r>
+            <a:r>
+              <a:rPr lang="en-US" altLang="zh-CN" dirty="0"/>
+              <a:t>) % Mod;</a:t>
+            </a:r>
+          </a:p>
+          <a:p>
+            <a:pPr lvl="1"/>
+            <a:r>
+              <a:rPr lang="en-US" altLang="zh-CN" dirty="0" err="1"/>
+              <a:t>Int</a:t>
+            </a:r>
+            <a:r>
+              <a:rPr lang="en-US" altLang="zh-CN" dirty="0"/>
+              <a:t> </a:t>
+            </a:r>
+            <a:r>
+              <a:rPr lang="en-US" altLang="zh-CN" dirty="0" err="1"/>
+              <a:t>len</a:t>
+            </a:r>
+            <a:r>
+              <a:rPr lang="en-US" altLang="zh-CN" dirty="0"/>
+              <a:t> = </a:t>
+            </a:r>
+            <a:r>
+              <a:rPr lang="en-US" altLang="zh-CN" dirty="0" err="1"/>
+              <a:t>left.second</a:t>
+            </a:r>
+            <a:r>
+              <a:rPr lang="en-US" altLang="zh-CN" dirty="0"/>
+              <a:t> + </a:t>
+            </a:r>
+            <a:r>
+              <a:rPr lang="en-US" altLang="zh-CN" dirty="0" err="1"/>
+              <a:t>right.second</a:t>
+            </a:r>
+            <a:r>
+              <a:rPr lang="en-US" altLang="zh-CN" dirty="0"/>
+              <a:t>;</a:t>
+            </a:r>
+          </a:p>
+          <a:p>
+            <a:pPr lvl="1"/>
+            <a:r>
+              <a:rPr lang="en-US" altLang="zh-CN" dirty="0"/>
+              <a:t>Return </a:t>
+            </a:r>
+            <a:r>
+              <a:rPr lang="en-US" altLang="zh-CN" dirty="0" err="1"/>
+              <a:t>make_pair</a:t>
+            </a:r>
+            <a:r>
+              <a:rPr lang="en-US" altLang="zh-CN" dirty="0"/>
+              <a:t>(</a:t>
+            </a:r>
+            <a:r>
+              <a:rPr lang="en-US" altLang="zh-CN" dirty="0" err="1"/>
+              <a:t>hash_val</a:t>
+            </a:r>
+            <a:r>
+              <a:rPr lang="en-US" altLang="zh-CN" dirty="0"/>
+              <a:t>, </a:t>
+            </a:r>
+            <a:r>
+              <a:rPr lang="en-US" altLang="zh-CN" dirty="0" err="1"/>
+              <a:t>len</a:t>
+            </a:r>
+            <a:r>
+              <a:rPr lang="en-US" altLang="zh-CN" dirty="0"/>
+              <a:t>);</a:t>
+            </a:r>
+          </a:p>
+          <a:p>
+            <a:r>
+              <a:rPr lang="en-US" altLang="zh-CN" dirty="0"/>
+              <a:t>}</a:t>
+            </a:r>
+            <a:endParaRPr lang="zh-CN" altLang="en-US" dirty="0"/>
+          </a:p>
+        </p:txBody>
+      </p:sp>
+    </p:spTree>
+    <p:extLst>
+      <p:ext uri="{BB962C8B-B14F-4D97-AF65-F5344CB8AC3E}">
+        <p14:creationId xmlns:p14="http://schemas.microsoft.com/office/powerpoint/2010/main" val="4167078054"/>
+      </p:ext>
+    </p:extLst>
+  </p:cSld>
+  <p:clrMapOvr>
+    <a:masterClrMapping/>
+  </p:clrMapOvr>
+</p:sld>
+</file>
+
+<file path=ppt/slides/slide18.xml><?xml version="1.0" encoding="utf-8"?>
+<p:sld xmlns:a="http://schemas.openxmlformats.org/drawingml/2006/main" xmlns:r="http://schemas.openxmlformats.org/officeDocument/2006/relationships" xmlns:p="http://schemas.openxmlformats.org/presentationml/2006/main">
+  <p:cSld>
+    <p:spTree>
+      <p:nvGrpSpPr>
+        <p:cNvPr id="1" name=""/>
+        <p:cNvGrpSpPr/>
+        <p:nvPr/>
+      </p:nvGrpSpPr>
+      <p:grpSpPr>
+        <a:xfrm>
+          <a:off x="0" y="0"/>
+          <a:ext cx="0" cy="0"/>
+          <a:chOff x="0" y="0"/>
+          <a:chExt cx="0" cy="0"/>
+        </a:xfrm>
+      </p:grpSpPr>
+      <p:sp>
+        <p:nvSpPr>
+          <p:cNvPr id="2" name="标题 1"/>
+          <p:cNvSpPr>
+            <a:spLocks noGrp="1"/>
+          </p:cNvSpPr>
+          <p:nvPr>
+            <p:ph type="title"/>
+          </p:nvPr>
+        </p:nvSpPr>
+        <p:spPr/>
+        <p:txBody>
+          <a:bodyPr/>
+          <a:lstStyle/>
+          <a:p>
+            <a:r>
+              <a:rPr lang="en-US" altLang="zh-CN" dirty="0" err="1"/>
+              <a:t>Vjudge</a:t>
+            </a:r>
+            <a:r>
+              <a:rPr lang="en-US" altLang="zh-CN" dirty="0"/>
+              <a:t> Contest</a:t>
+            </a:r>
+            <a:endParaRPr lang="zh-CN" altLang="en-US" dirty="0"/>
+          </a:p>
+        </p:txBody>
+      </p:sp>
+      <p:sp>
+        <p:nvSpPr>
+          <p:cNvPr id="3" name="内容占位符 2"/>
+          <p:cNvSpPr>
+            <a:spLocks noGrp="1"/>
+          </p:cNvSpPr>
+          <p:nvPr>
+            <p:ph idx="1"/>
+          </p:nvPr>
+        </p:nvSpPr>
+        <p:spPr/>
+        <p:txBody>
+          <a:bodyPr/>
+          <a:lstStyle/>
+          <a:p>
+            <a:r>
+              <a:rPr lang="en-US" altLang="zh-CN" dirty="0"/>
+              <a:t>Contest ID: 349571</a:t>
+            </a:r>
+          </a:p>
+          <a:p>
+            <a:r>
+              <a:rPr lang="en-US" altLang="zh-CN" dirty="0"/>
+              <a:t>Password: 123456</a:t>
+            </a:r>
+            <a:endParaRPr lang="zh-CN" altLang="en-US" dirty="0"/>
           </a:p>
         </p:txBody>
       </p:sp>
@@ -7382,7 +8278,13 @@
       </p:grpSpPr>
       <p:sp>
         <p:nvSpPr>
-          <p:cNvPr id="2" name="标题 1"/>
+          <p:cNvPr id="2" name="Title 1">
+            <a:extLst>
+              <a:ext uri="{FF2B5EF4-FFF2-40B4-BE49-F238E27FC236}">
+                <a16:creationId xmlns:a16="http://schemas.microsoft.com/office/drawing/2014/main" id="{FEA0CEA7-7AAB-4379-9FAE-BDDE09C02774}"/>
+              </a:ext>
+            </a:extLst>
+          </p:cNvPr>
           <p:cNvSpPr>
             <a:spLocks noGrp="1"/>
           </p:cNvSpPr>
@@ -7396,16 +8298,21 @@
           <a:lstStyle/>
           <a:p>
             <a:r>
-              <a:rPr lang="zh-CN" altLang="en-US" dirty="0" smtClean="0"/>
-              <a:t>问题背景</a:t>
-            </a:r>
-            <a:endParaRPr lang="zh-CN" altLang="en-US" dirty="0"/>
-          </a:p>
-        </p:txBody>
-      </p:sp>
-      <p:sp>
-        <p:nvSpPr>
-          <p:cNvPr id="3" name="内容占位符 2"/>
+              <a:rPr lang="en-US" dirty="0"/>
+              <a:t>A. fac</a:t>
+            </a:r>
+          </a:p>
+        </p:txBody>
+      </p:sp>
+      <p:sp>
+        <p:nvSpPr>
+          <p:cNvPr id="3" name="Content Placeholder 2">
+            <a:extLst>
+              <a:ext uri="{FF2B5EF4-FFF2-40B4-BE49-F238E27FC236}">
+                <a16:creationId xmlns:a16="http://schemas.microsoft.com/office/drawing/2014/main" id="{39B77310-5C1A-4A91-9FEB-C9BD2A9C34BB}"/>
+              </a:ext>
+            </a:extLst>
+          </p:cNvPr>
           <p:cNvSpPr>
             <a:spLocks noGrp="1"/>
           </p:cNvSpPr>
@@ -7419,64 +8326,58 @@
           <a:lstStyle/>
           <a:p>
             <a:r>
-              <a:rPr lang="zh-CN" altLang="en-US" dirty="0" smtClean="0"/>
-              <a:t>需要设计一种数据结构，支持 </a:t>
-            </a:r>
-            <a:r>
-              <a:rPr lang="zh-CN" altLang="en-US" b="1" dirty="0" smtClean="0"/>
-              <a:t>单点</a:t>
-            </a:r>
-            <a:r>
-              <a:rPr lang="zh-CN" altLang="en-US" dirty="0" smtClean="0"/>
-              <a:t>修改， 区间查询。</a:t>
-            </a:r>
-            <a:endParaRPr lang="en-US" altLang="zh-CN" dirty="0" smtClean="0"/>
-          </a:p>
-          <a:p>
-            <a:endParaRPr lang="en-US" altLang="zh-CN" dirty="0"/>
-          </a:p>
-          <a:p>
-            <a:r>
-              <a:rPr lang="zh-CN" altLang="en-US" dirty="0" smtClean="0"/>
-              <a:t>比如：单点</a:t>
-            </a:r>
-            <a:r>
-              <a:rPr lang="en-US" altLang="zh-CN" dirty="0" smtClean="0"/>
-              <a:t>+x</a:t>
-            </a:r>
-            <a:r>
-              <a:rPr lang="zh-CN" altLang="en-US" dirty="0" smtClean="0"/>
-              <a:t>，区间求和。 单点赋值为</a:t>
-            </a:r>
-            <a:r>
-              <a:rPr lang="en-US" altLang="zh-CN" dirty="0" smtClean="0"/>
-              <a:t>x</a:t>
-            </a:r>
-            <a:r>
-              <a:rPr lang="zh-CN" altLang="en-US" dirty="0" smtClean="0"/>
-              <a:t>，区间查询最大值</a:t>
-            </a:r>
-            <a:r>
-              <a:rPr lang="en-US" altLang="zh-CN" dirty="0" smtClean="0"/>
-              <a:t>……</a:t>
-            </a:r>
-          </a:p>
-          <a:p>
-            <a:endParaRPr lang="en-US" altLang="zh-CN" dirty="0"/>
-          </a:p>
-          <a:p>
-            <a:r>
-              <a:rPr lang="zh-CN" altLang="en-US" dirty="0" smtClean="0"/>
-              <a:t>“老师，我会分块”雾（）</a:t>
-            </a:r>
-            <a:endParaRPr lang="zh-CN" altLang="en-US" dirty="0"/>
+              <a:rPr lang="en-US" dirty="0"/>
+              <a:t>80</a:t>
+            </a:r>
+            <a:r>
+              <a:rPr lang="zh-CN" altLang="en-US" dirty="0"/>
+              <a:t>分：直接计算</a:t>
+            </a:r>
+            <a:r>
+              <a:rPr lang="en-US" altLang="zh-CN" dirty="0"/>
+              <a:t>A! % B</a:t>
+            </a:r>
+            <a:r>
+              <a:rPr lang="zh-CN" altLang="en-US" dirty="0"/>
+              <a:t>，复杂度</a:t>
+            </a:r>
+            <a:r>
+              <a:rPr lang="en-US" altLang="zh-CN" dirty="0"/>
+              <a:t>O(A)</a:t>
+            </a:r>
+          </a:p>
+          <a:p>
+            <a:endParaRPr lang="en-US" dirty="0"/>
+          </a:p>
+          <a:p>
+            <a:r>
+              <a:rPr lang="en-US" dirty="0"/>
+              <a:t>100</a:t>
+            </a:r>
+            <a:r>
+              <a:rPr lang="zh-CN" altLang="en-US" dirty="0"/>
+              <a:t>分：</a:t>
+            </a:r>
+            <a:r>
+              <a:rPr lang="en-US" altLang="zh-CN" dirty="0"/>
+              <a:t>A&gt;=B</a:t>
+            </a:r>
+            <a:r>
+              <a:rPr lang="zh-CN" altLang="en-US" dirty="0"/>
+              <a:t>时，答案为</a:t>
+            </a:r>
+            <a:r>
+              <a:rPr lang="en-US" altLang="zh-CN" dirty="0"/>
+              <a:t>0</a:t>
+            </a:r>
+            <a:endParaRPr lang="en-US" dirty="0"/>
           </a:p>
         </p:txBody>
       </p:sp>
     </p:spTree>
     <p:extLst>
       <p:ext uri="{BB962C8B-B14F-4D97-AF65-F5344CB8AC3E}">
-        <p14:creationId xmlns:p14="http://schemas.microsoft.com/office/powerpoint/2010/main" val="3651866774"/>
+        <p14:creationId xmlns:p14="http://schemas.microsoft.com/office/powerpoint/2010/main" val="1647682034"/>
       </p:ext>
     </p:extLst>
   </p:cSld>
@@ -7505,7 +8406,13 @@
       </p:grpSpPr>
       <p:sp>
         <p:nvSpPr>
-          <p:cNvPr id="2" name="标题 1"/>
+          <p:cNvPr id="2" name="Title 1">
+            <a:extLst>
+              <a:ext uri="{FF2B5EF4-FFF2-40B4-BE49-F238E27FC236}">
+                <a16:creationId xmlns:a16="http://schemas.microsoft.com/office/drawing/2014/main" id="{A56F56EB-1F72-47A9-ADE8-897BE33C29CD}"/>
+              </a:ext>
+            </a:extLst>
+          </p:cNvPr>
           <p:cNvSpPr>
             <a:spLocks noGrp="1"/>
           </p:cNvSpPr>
@@ -7519,16 +8426,22 @@
           <a:lstStyle/>
           <a:p>
             <a:r>
-              <a:rPr lang="zh-CN" altLang="en-US" dirty="0" smtClean="0"/>
-              <a:t>线段树</a:t>
-            </a:r>
-            <a:endParaRPr lang="zh-CN" altLang="en-US" dirty="0"/>
-          </a:p>
-        </p:txBody>
-      </p:sp>
-      <p:sp>
-        <p:nvSpPr>
-          <p:cNvPr id="3" name="内容占位符 2"/>
+              <a:rPr lang="en-US" altLang="zh-CN" dirty="0"/>
+              <a:t>B. link</a:t>
+            </a:r>
+            <a:endParaRPr lang="en-US" dirty="0"/>
+          </a:p>
+        </p:txBody>
+      </p:sp>
+      <p:sp>
+        <p:nvSpPr>
+          <p:cNvPr id="3" name="Content Placeholder 2">
+            <a:extLst>
+              <a:ext uri="{FF2B5EF4-FFF2-40B4-BE49-F238E27FC236}">
+                <a16:creationId xmlns:a16="http://schemas.microsoft.com/office/drawing/2014/main" id="{976FBBAD-3883-4A7A-8459-7A13B6E5938F}"/>
+              </a:ext>
+            </a:extLst>
+          </p:cNvPr>
           <p:cNvSpPr>
             <a:spLocks noGrp="1"/>
           </p:cNvSpPr>
@@ -7542,374 +8455,143 @@
           <a:lstStyle/>
           <a:p>
             <a:r>
-              <a:rPr lang="zh-CN" altLang="en-US" dirty="0" smtClean="0"/>
-              <a:t>线段树是一棵二叉树，同时二叉树有一种很方便的存储结构（堆）：</a:t>
-            </a:r>
-            <a:endParaRPr lang="en-US" altLang="zh-CN" dirty="0" smtClean="0"/>
-          </a:p>
-          <a:p>
-            <a:r>
-              <a:rPr lang="en-US" altLang="zh-CN" dirty="0" smtClean="0">
-                <a:solidFill>
-                  <a:schemeClr val="tx1"/>
-                </a:solidFill>
-              </a:rPr>
-              <a:t>X</a:t>
-            </a:r>
-            <a:r>
-              <a:rPr lang="zh-CN" altLang="en-US" dirty="0" smtClean="0">
-                <a:solidFill>
-                  <a:schemeClr val="tx1"/>
-                </a:solidFill>
-              </a:rPr>
-              <a:t>号节点的两个儿子分别是</a:t>
-            </a:r>
-            <a:r>
-              <a:rPr lang="en-US" altLang="zh-CN" dirty="0" smtClean="0">
-                <a:solidFill>
-                  <a:schemeClr val="tx1"/>
-                </a:solidFill>
-              </a:rPr>
+              <a:rPr lang="en-US" dirty="0"/>
+              <a:t>40</a:t>
+            </a:r>
+            <a:r>
+              <a:rPr lang="zh-CN" altLang="en-US" dirty="0"/>
+              <a:t>分：对于每一个队伍，按照顺序，将队员放到一个</a:t>
+            </a:r>
+            <a:r>
+              <a:rPr lang="en-US" altLang="zh-CN" dirty="0"/>
+              <a:t>vector</a:t>
+            </a:r>
+            <a:r>
+              <a:rPr lang="zh-CN" altLang="en-US" dirty="0"/>
+              <a:t>里，用一个</a:t>
+            </a:r>
+            <a:r>
+              <a:rPr lang="en-US" altLang="zh-CN" dirty="0"/>
+              <a:t>map</a:t>
+            </a:r>
+            <a:r>
+              <a:rPr lang="zh-CN" altLang="en-US" dirty="0"/>
+              <a:t>记录每个队员位于哪个</a:t>
+            </a:r>
+            <a:r>
+              <a:rPr lang="en-US" altLang="zh-CN" dirty="0"/>
+              <a:t>vector</a:t>
+            </a:r>
+            <a:r>
+              <a:rPr lang="zh-CN" altLang="en-US" dirty="0"/>
+              <a:t>，合并的时候暴力合并，复杂度</a:t>
+            </a:r>
+            <a:r>
+              <a:rPr lang="en-US" altLang="zh-CN" dirty="0"/>
+              <a:t>O((</a:t>
+            </a:r>
+            <a:r>
+              <a:rPr lang="en-US" altLang="zh-CN" dirty="0" err="1"/>
+              <a:t>n+logn</a:t>
+            </a:r>
+            <a:r>
+              <a:rPr lang="en-US" altLang="zh-CN" dirty="0"/>
+              <a:t>)*m)</a:t>
+            </a:r>
+          </a:p>
+          <a:p>
+            <a:endParaRPr lang="en-US" dirty="0"/>
+          </a:p>
+          <a:p>
+            <a:r>
+              <a:rPr lang="en-US" dirty="0"/>
+              <a:t>100</a:t>
+            </a:r>
+            <a:r>
+              <a:rPr lang="zh-CN" altLang="en-US" dirty="0"/>
+              <a:t>分做法</a:t>
+            </a:r>
+            <a:r>
+              <a:rPr lang="en-US" altLang="zh-CN" dirty="0"/>
+              <a:t>1</a:t>
+            </a:r>
+            <a:r>
+              <a:rPr lang="zh-CN" altLang="en-US" dirty="0"/>
+              <a:t>：双向链表</a:t>
+            </a:r>
+            <a:r>
+              <a:rPr lang="en-US" altLang="zh-CN" dirty="0"/>
+              <a:t>+</a:t>
+            </a:r>
+            <a:r>
+              <a:rPr lang="zh-CN" altLang="en-US" dirty="0"/>
+              <a:t>并查集。对于每个队伍只需要记录队头和队尾，使用并查集维护队员关系，并查集的代表元素记录属于哪个队伍，复杂度</a:t>
+            </a:r>
+            <a:r>
+              <a:rPr lang="en-US" altLang="zh-CN" dirty="0"/>
+              <a:t>O(α*m)</a:t>
+            </a:r>
+          </a:p>
+          <a:p>
+            <a:endParaRPr lang="en-US" dirty="0"/>
+          </a:p>
+          <a:p>
+            <a:r>
+              <a:rPr lang="en-US" dirty="0"/>
+              <a:t>100</a:t>
+            </a:r>
+            <a:r>
+              <a:rPr lang="zh-CN" altLang="en-US" dirty="0"/>
+              <a:t>分做法</a:t>
+            </a:r>
+            <a:r>
+              <a:rPr lang="en-US" altLang="zh-CN" dirty="0"/>
               <a:t>2</a:t>
             </a:r>
             <a:r>
-              <a:rPr lang="zh-CN" altLang="en-US" dirty="0" smtClean="0">
-                <a:solidFill>
-                  <a:schemeClr val="tx1"/>
-                </a:solidFill>
-              </a:rPr>
-              <a:t>*</a:t>
-            </a:r>
-            <a:r>
-              <a:rPr lang="en-US" altLang="zh-CN" dirty="0" smtClean="0">
-                <a:solidFill>
-                  <a:schemeClr val="tx1"/>
-                </a:solidFill>
-              </a:rPr>
-              <a:t>x</a:t>
-            </a:r>
-            <a:r>
-              <a:rPr lang="zh-CN" altLang="en-US" dirty="0" smtClean="0">
-                <a:solidFill>
-                  <a:schemeClr val="tx1"/>
-                </a:solidFill>
-              </a:rPr>
-              <a:t>和</a:t>
-            </a:r>
-            <a:r>
-              <a:rPr lang="en-US" altLang="zh-CN" dirty="0" smtClean="0">
-                <a:solidFill>
-                  <a:schemeClr val="tx1"/>
-                </a:solidFill>
-              </a:rPr>
-              <a:t>2</a:t>
-            </a:r>
-            <a:r>
-              <a:rPr lang="zh-CN" altLang="en-US" dirty="0" smtClean="0">
-                <a:solidFill>
-                  <a:schemeClr val="tx1"/>
-                </a:solidFill>
-              </a:rPr>
-              <a:t>*</a:t>
-            </a:r>
-            <a:r>
-              <a:rPr lang="en-US" altLang="zh-CN" dirty="0" smtClean="0">
-                <a:solidFill>
-                  <a:schemeClr val="tx1"/>
-                </a:solidFill>
-              </a:rPr>
-              <a:t>x+1</a:t>
-            </a:r>
-            <a:r>
-              <a:rPr lang="zh-CN" altLang="en-US" dirty="0" smtClean="0">
-                <a:solidFill>
-                  <a:schemeClr val="tx1"/>
-                </a:solidFill>
-              </a:rPr>
+              <a:rPr lang="zh-CN" altLang="en-US" dirty="0"/>
+              <a:t>：依然使用</a:t>
+            </a:r>
+            <a:r>
+              <a:rPr lang="en-US" altLang="zh-CN" dirty="0"/>
+              <a:t>deque</a:t>
+            </a:r>
+            <a:r>
+              <a:rPr lang="zh-CN" altLang="en-US" dirty="0"/>
+              <a:t>保存队伍，同时使用并查集维护队员关系，合并的时候，使用</a:t>
+            </a:r>
+            <a:r>
+              <a:rPr lang="en-US" altLang="zh-CN" dirty="0"/>
+              <a:t>small to large</a:t>
+            </a:r>
+            <a:r>
+              <a:rPr lang="zh-CN" altLang="en-US" dirty="0"/>
+              <a:t>，合并队伍依然是暴力合并。复杂度</a:t>
+            </a:r>
+            <a:r>
+              <a:rPr lang="en-US" altLang="zh-CN" dirty="0"/>
+              <a:t>O(</a:t>
+            </a:r>
+            <a:r>
+              <a:rPr lang="en-US" altLang="zh-CN" dirty="0" err="1"/>
+              <a:t>logn</a:t>
+            </a:r>
+            <a:r>
+              <a:rPr lang="en-US" altLang="zh-CN" dirty="0"/>
+              <a:t>*n)</a:t>
+            </a:r>
+            <a:r>
+              <a:rPr lang="zh-CN" altLang="en-US" dirty="0"/>
               <a:t>。</a:t>
             </a:r>
-            <a:r>
-              <a:rPr lang="en-US" altLang="zh-CN" dirty="0" smtClean="0">
-                <a:solidFill>
-                  <a:schemeClr val="tx1"/>
-                </a:solidFill>
-              </a:rPr>
-              <a:t>X</a:t>
-            </a:r>
-            <a:r>
-              <a:rPr lang="zh-CN" altLang="en-US" dirty="0" smtClean="0">
-                <a:solidFill>
-                  <a:schemeClr val="tx1"/>
-                </a:solidFill>
-              </a:rPr>
-              <a:t>号节点的父亲为</a:t>
-            </a:r>
-            <a:r>
-              <a:rPr lang="en-US" altLang="zh-CN" dirty="0" smtClean="0">
-                <a:solidFill>
-                  <a:schemeClr val="tx1"/>
-                </a:solidFill>
-              </a:rPr>
-              <a:t>x/2</a:t>
-            </a:r>
-            <a:r>
-              <a:rPr lang="zh-CN" altLang="en-US" dirty="0" smtClean="0">
-                <a:solidFill>
-                  <a:schemeClr val="tx1"/>
-                </a:solidFill>
-              </a:rPr>
-              <a:t>。</a:t>
-            </a:r>
-            <a:endParaRPr lang="en-US" altLang="zh-CN" dirty="0" smtClean="0">
-              <a:solidFill>
-                <a:schemeClr val="tx1"/>
-              </a:solidFill>
-            </a:endParaRPr>
-          </a:p>
-          <a:p>
-            <a:endParaRPr lang="en-US" altLang="zh-CN" dirty="0">
-              <a:solidFill>
-                <a:schemeClr val="tx1"/>
-              </a:solidFill>
-            </a:endParaRPr>
-          </a:p>
-          <a:p>
-            <a:r>
-              <a:rPr lang="zh-CN" altLang="en-US" dirty="0" smtClean="0">
-                <a:solidFill>
-                  <a:schemeClr val="tx1"/>
-                </a:solidFill>
-              </a:rPr>
-              <a:t>线段树的每个节点代表了原数组的一段区间。因此可以用三元组</a:t>
-            </a:r>
-            <a:r>
-              <a:rPr lang="en-US" altLang="zh-CN" dirty="0" smtClean="0">
-                <a:solidFill>
-                  <a:schemeClr val="tx1"/>
-                </a:solidFill>
-              </a:rPr>
-              <a:t>(</a:t>
-            </a:r>
-            <a:r>
-              <a:rPr lang="en-US" altLang="zh-CN" dirty="0" err="1" smtClean="0">
-                <a:solidFill>
-                  <a:schemeClr val="tx1"/>
-                </a:solidFill>
-              </a:rPr>
-              <a:t>x,l,r</a:t>
-            </a:r>
-            <a:r>
-              <a:rPr lang="en-US" altLang="zh-CN" dirty="0" smtClean="0">
-                <a:solidFill>
-                  <a:schemeClr val="tx1"/>
-                </a:solidFill>
-              </a:rPr>
-              <a:t>)</a:t>
-            </a:r>
-            <a:r>
-              <a:rPr lang="zh-CN" altLang="en-US" dirty="0" smtClean="0">
-                <a:solidFill>
-                  <a:schemeClr val="tx1"/>
-                </a:solidFill>
-              </a:rPr>
-              <a:t>表示</a:t>
-            </a:r>
-            <a:r>
-              <a:rPr lang="en-US" altLang="zh-CN" dirty="0" smtClean="0">
-                <a:solidFill>
-                  <a:schemeClr val="tx1"/>
-                </a:solidFill>
-              </a:rPr>
-              <a:t>x</a:t>
-            </a:r>
-            <a:r>
-              <a:rPr lang="zh-CN" altLang="en-US" dirty="0" smtClean="0">
-                <a:solidFill>
-                  <a:schemeClr val="tx1"/>
-                </a:solidFill>
-              </a:rPr>
-              <a:t>号节点代表了原数组的</a:t>
-            </a:r>
-            <a:r>
-              <a:rPr lang="en-US" altLang="zh-CN" dirty="0" smtClean="0">
-                <a:solidFill>
-                  <a:schemeClr val="tx1"/>
-                </a:solidFill>
-              </a:rPr>
-              <a:t>[</a:t>
-            </a:r>
-            <a:r>
-              <a:rPr lang="en-US" altLang="zh-CN" dirty="0" err="1" smtClean="0">
-                <a:solidFill>
-                  <a:schemeClr val="tx1"/>
-                </a:solidFill>
-              </a:rPr>
-              <a:t>l,r</a:t>
-            </a:r>
-            <a:r>
-              <a:rPr lang="en-US" altLang="zh-CN" dirty="0" smtClean="0">
-                <a:solidFill>
-                  <a:schemeClr val="tx1"/>
-                </a:solidFill>
-              </a:rPr>
-              <a:t>]</a:t>
-            </a:r>
-            <a:r>
-              <a:rPr lang="zh-CN" altLang="en-US" dirty="0" smtClean="0">
-                <a:solidFill>
-                  <a:schemeClr val="tx1"/>
-                </a:solidFill>
-              </a:rPr>
-              <a:t>区间。</a:t>
-            </a:r>
-            <a:endParaRPr lang="en-US" altLang="zh-CN" dirty="0" smtClean="0">
-              <a:solidFill>
-                <a:schemeClr val="tx1"/>
-              </a:solidFill>
-            </a:endParaRPr>
-          </a:p>
-          <a:p>
-            <a:endParaRPr lang="en-US" altLang="zh-CN" dirty="0">
-              <a:solidFill>
-                <a:schemeClr val="tx1"/>
-              </a:solidFill>
-            </a:endParaRPr>
-          </a:p>
-          <a:p>
-            <a:r>
-              <a:rPr lang="zh-CN" altLang="en-US" dirty="0" smtClean="0">
-                <a:solidFill>
-                  <a:schemeClr val="tx1"/>
-                </a:solidFill>
-              </a:rPr>
-              <a:t>线段树的结构特点是：若有</a:t>
-            </a:r>
-            <a:r>
-              <a:rPr lang="en-US" altLang="zh-CN" dirty="0" smtClean="0">
-                <a:solidFill>
-                  <a:schemeClr val="tx1"/>
-                </a:solidFill>
-              </a:rPr>
-              <a:t>(</a:t>
-            </a:r>
-            <a:r>
-              <a:rPr lang="en-US" altLang="zh-CN" dirty="0" err="1" smtClean="0">
-                <a:solidFill>
-                  <a:schemeClr val="tx1"/>
-                </a:solidFill>
-              </a:rPr>
-              <a:t>x,l,r</a:t>
-            </a:r>
-            <a:r>
-              <a:rPr lang="en-US" altLang="zh-CN" dirty="0" smtClean="0">
-                <a:solidFill>
-                  <a:schemeClr val="tx1"/>
-                </a:solidFill>
-              </a:rPr>
-              <a:t>)</a:t>
-            </a:r>
-            <a:r>
-              <a:rPr lang="zh-CN" altLang="en-US" dirty="0" smtClean="0">
-                <a:solidFill>
-                  <a:schemeClr val="tx1"/>
-                </a:solidFill>
-              </a:rPr>
-              <a:t>，则取区间中点</a:t>
-            </a:r>
-            <a:r>
-              <a:rPr lang="en-US" altLang="zh-CN" dirty="0" smtClean="0">
-                <a:solidFill>
-                  <a:schemeClr val="tx1"/>
-                </a:solidFill>
-              </a:rPr>
-              <a:t>mid = (l + r )/2</a:t>
-            </a:r>
-            <a:r>
-              <a:rPr lang="zh-CN" altLang="en-US" dirty="0" smtClean="0">
-                <a:solidFill>
-                  <a:schemeClr val="tx1"/>
-                </a:solidFill>
-              </a:rPr>
-              <a:t>，则</a:t>
-            </a:r>
-            <a:r>
-              <a:rPr lang="en-US" altLang="zh-CN" dirty="0" smtClean="0">
-                <a:solidFill>
-                  <a:schemeClr val="tx1"/>
-                </a:solidFill>
-              </a:rPr>
-              <a:t>(2*</a:t>
-            </a:r>
-            <a:r>
-              <a:rPr lang="en-US" altLang="zh-CN" dirty="0" err="1" smtClean="0">
-                <a:solidFill>
-                  <a:schemeClr val="tx1"/>
-                </a:solidFill>
-              </a:rPr>
-              <a:t>x,l,mid</a:t>
-            </a:r>
-            <a:r>
-              <a:rPr lang="en-US" altLang="zh-CN" dirty="0" smtClean="0">
-                <a:solidFill>
-                  <a:schemeClr val="tx1"/>
-                </a:solidFill>
-              </a:rPr>
-              <a:t>)</a:t>
-            </a:r>
-            <a:r>
-              <a:rPr lang="zh-CN" altLang="en-US" dirty="0" smtClean="0">
-                <a:solidFill>
-                  <a:schemeClr val="tx1"/>
-                </a:solidFill>
-              </a:rPr>
-              <a:t>以及</a:t>
-            </a:r>
-            <a:r>
-              <a:rPr lang="en-US" altLang="zh-CN" dirty="0" smtClean="0">
-                <a:solidFill>
-                  <a:schemeClr val="tx1"/>
-                </a:solidFill>
-              </a:rPr>
-              <a:t>(2*x+1,mid+1,r)</a:t>
-            </a:r>
-            <a:r>
-              <a:rPr lang="zh-CN" altLang="en-US" dirty="0" smtClean="0">
-                <a:solidFill>
-                  <a:schemeClr val="tx1"/>
-                </a:solidFill>
-              </a:rPr>
-              <a:t>。</a:t>
-            </a:r>
-            <a:endParaRPr lang="en-US" altLang="zh-CN" dirty="0" smtClean="0">
-              <a:solidFill>
-                <a:schemeClr val="tx1"/>
-              </a:solidFill>
-            </a:endParaRPr>
-          </a:p>
-          <a:p>
-            <a:r>
-              <a:rPr lang="zh-CN" altLang="en-US" dirty="0" smtClean="0">
-                <a:solidFill>
-                  <a:schemeClr val="tx1"/>
-                </a:solidFill>
-              </a:rPr>
-              <a:t>即每个节点的左儿子代表的是父亲的左一半区间，右儿子是父亲的右一半区间。</a:t>
-            </a:r>
-            <a:endParaRPr lang="en-US" altLang="zh-CN" dirty="0" smtClean="0">
-              <a:solidFill>
-                <a:schemeClr val="tx1"/>
-              </a:solidFill>
-            </a:endParaRPr>
-          </a:p>
-          <a:p>
-            <a:endParaRPr lang="zh-CN" altLang="en-US" dirty="0"/>
+            <a:endParaRPr lang="en-US" dirty="0"/>
           </a:p>
         </p:txBody>
       </p:sp>
     </p:spTree>
     <p:extLst>
       <p:ext uri="{BB962C8B-B14F-4D97-AF65-F5344CB8AC3E}">
-        <p14:creationId xmlns:p14="http://schemas.microsoft.com/office/powerpoint/2010/main" val="2634458080"/>
+        <p14:creationId xmlns:p14="http://schemas.microsoft.com/office/powerpoint/2010/main" val="280411417"/>
       </p:ext>
     </p:extLst>
   </p:cSld>
@@ -7938,7 +8620,13 @@
       </p:grpSpPr>
       <p:sp>
         <p:nvSpPr>
-          <p:cNvPr id="2" name="标题 1"/>
+          <p:cNvPr id="2" name="Title 1">
+            <a:extLst>
+              <a:ext uri="{FF2B5EF4-FFF2-40B4-BE49-F238E27FC236}">
+                <a16:creationId xmlns:a16="http://schemas.microsoft.com/office/drawing/2014/main" id="{CCC60863-1987-4111-911C-9C09743D52DC}"/>
+              </a:ext>
+            </a:extLst>
+          </p:cNvPr>
           <p:cNvSpPr>
             <a:spLocks noGrp="1"/>
           </p:cNvSpPr>
@@ -7952,15 +8640,22 @@
           <a:lstStyle/>
           <a:p>
             <a:r>
-              <a:rPr lang="zh-CN" altLang="en-US" dirty="0"/>
-              <a:t>性质</a:t>
-            </a:r>
-          </a:p>
-        </p:txBody>
-      </p:sp>
-      <p:sp>
-        <p:nvSpPr>
-          <p:cNvPr id="3" name="内容占位符 2"/>
+              <a:rPr lang="en-US" altLang="zh-CN" dirty="0"/>
+              <a:t>C. replace</a:t>
+            </a:r>
+            <a:endParaRPr lang="en-US" dirty="0"/>
+          </a:p>
+        </p:txBody>
+      </p:sp>
+      <p:sp>
+        <p:nvSpPr>
+          <p:cNvPr id="3" name="Content Placeholder 2">
+            <a:extLst>
+              <a:ext uri="{FF2B5EF4-FFF2-40B4-BE49-F238E27FC236}">
+                <a16:creationId xmlns:a16="http://schemas.microsoft.com/office/drawing/2014/main" id="{3557D690-A747-4FBB-A770-EF8E507C97FC}"/>
+              </a:ext>
+            </a:extLst>
+          </p:cNvPr>
           <p:cNvSpPr>
             <a:spLocks noGrp="1"/>
           </p:cNvSpPr>
@@ -7968,201 +8663,108 @@
             <p:ph idx="1"/>
           </p:nvPr>
         </p:nvSpPr>
-        <p:spPr/>
-        <p:txBody>
-          <a:bodyPr/>
+        <p:spPr>
+          <a:xfrm>
+            <a:off x="677334" y="1731146"/>
+            <a:ext cx="8596668" cy="4376691"/>
+          </a:xfrm>
+        </p:spPr>
+        <p:txBody>
+          <a:bodyPr>
+            <a:normAutofit fontScale="92500" lnSpcReduction="20000"/>
+          </a:bodyPr>
           <a:lstStyle/>
           <a:p>
             <a:r>
-              <a:rPr lang="zh-CN" altLang="en-US" dirty="0" smtClean="0"/>
-              <a:t>性质</a:t>
-            </a:r>
-            <a:r>
-              <a:rPr lang="en-US" altLang="zh-CN" dirty="0" smtClean="0"/>
-              <a:t>1</a:t>
-            </a:r>
-            <a:r>
-              <a:rPr lang="zh-CN" altLang="en-US" dirty="0" smtClean="0"/>
-              <a:t>：线段树的树高为</a:t>
-            </a:r>
-            <a:r>
-              <a:rPr lang="en-US" altLang="zh-CN" dirty="0" smtClean="0"/>
-              <a:t>O(</a:t>
-            </a:r>
-            <a:r>
-              <a:rPr lang="en-US" altLang="zh-CN" dirty="0" err="1" smtClean="0"/>
-              <a:t>logn</a:t>
-            </a:r>
-            <a:r>
-              <a:rPr lang="en-US" altLang="zh-CN" dirty="0" smtClean="0"/>
-              <a:t>)</a:t>
-            </a:r>
-            <a:r>
-              <a:rPr lang="zh-CN" altLang="en-US" dirty="0" smtClean="0"/>
-              <a:t>：因为深度</a:t>
-            </a:r>
-            <a:r>
-              <a:rPr lang="en-US" altLang="zh-CN" dirty="0" smtClean="0"/>
-              <a:t>+1</a:t>
-            </a:r>
-            <a:r>
-              <a:rPr lang="zh-CN" altLang="en-US" dirty="0" smtClean="0"/>
-              <a:t>，区间长度减半。</a:t>
-            </a:r>
-            <a:endParaRPr lang="en-US" altLang="zh-CN" dirty="0" smtClean="0"/>
-          </a:p>
-          <a:p>
+              <a:rPr lang="zh-CN" altLang="en-US" dirty="0"/>
+              <a:t>思考：如何判断两个节点带颜色树是否同构。</a:t>
+            </a:r>
             <a:endParaRPr lang="en-US" altLang="zh-CN" dirty="0"/>
           </a:p>
           <a:p>
-            <a:r>
-              <a:rPr lang="zh-CN" altLang="en-US" dirty="0" smtClean="0"/>
-              <a:t>性质</a:t>
-            </a:r>
-            <a:r>
-              <a:rPr lang="en-US" altLang="zh-CN" dirty="0" smtClean="0"/>
-              <a:t>2</a:t>
-            </a:r>
-            <a:r>
-              <a:rPr lang="zh-CN" altLang="en-US" dirty="0" smtClean="0"/>
-              <a:t>：对于任意一个位置</a:t>
-            </a:r>
-            <a:r>
-              <a:rPr lang="en-US" altLang="zh-CN" dirty="0" err="1" smtClean="0"/>
-              <a:t>i</a:t>
-            </a:r>
-            <a:r>
-              <a:rPr lang="zh-CN" altLang="en-US" dirty="0" smtClean="0"/>
-              <a:t>，包含</a:t>
-            </a:r>
-            <a:r>
-              <a:rPr lang="en-US" altLang="zh-CN" dirty="0" err="1" smtClean="0"/>
-              <a:t>i</a:t>
-            </a:r>
-            <a:r>
-              <a:rPr lang="zh-CN" altLang="en-US" dirty="0" smtClean="0"/>
-              <a:t>的线段树节点只有</a:t>
-            </a:r>
-            <a:r>
-              <a:rPr lang="en-US" altLang="zh-CN" dirty="0" smtClean="0"/>
-              <a:t>O(</a:t>
-            </a:r>
-            <a:r>
-              <a:rPr lang="en-US" altLang="zh-CN" dirty="0" err="1" smtClean="0"/>
-              <a:t>logn</a:t>
-            </a:r>
-            <a:r>
-              <a:rPr lang="en-US" altLang="zh-CN" dirty="0" smtClean="0"/>
-              <a:t>)</a:t>
-            </a:r>
-            <a:r>
-              <a:rPr lang="zh-CN" altLang="en-US" dirty="0" smtClean="0"/>
-              <a:t>个，即从</a:t>
-            </a:r>
-            <a:r>
-              <a:rPr lang="en-US" altLang="zh-CN" dirty="0" smtClean="0"/>
-              <a:t>(</a:t>
-            </a:r>
-            <a:r>
-              <a:rPr lang="en-US" altLang="zh-CN" dirty="0" err="1" smtClean="0"/>
-              <a:t>x,i,i</a:t>
-            </a:r>
-            <a:r>
-              <a:rPr lang="en-US" altLang="zh-CN" dirty="0" smtClean="0"/>
-              <a:t>)</a:t>
-            </a:r>
-            <a:r>
-              <a:rPr lang="zh-CN" altLang="en-US" dirty="0" smtClean="0"/>
-              <a:t>节点到根节点的链。</a:t>
-            </a:r>
-            <a:endParaRPr lang="en-US" altLang="zh-CN" dirty="0" smtClean="0"/>
-          </a:p>
-          <a:p>
+            <a:endParaRPr lang="en-US" dirty="0"/>
+          </a:p>
+          <a:p>
+            <a:r>
+              <a:rPr lang="zh-CN" altLang="en-US" dirty="0"/>
+              <a:t>思路：使用</a:t>
+            </a:r>
+            <a:r>
+              <a:rPr lang="en-US" altLang="zh-CN" dirty="0"/>
+              <a:t>hash</a:t>
+            </a:r>
+            <a:r>
+              <a:rPr lang="zh-CN" altLang="en-US" dirty="0"/>
+              <a:t>，将两棵树分别求</a:t>
+            </a:r>
+            <a:r>
+              <a:rPr lang="en-US" altLang="zh-CN" dirty="0"/>
+              <a:t>hash</a:t>
+            </a:r>
+            <a:r>
+              <a:rPr lang="zh-CN" altLang="en-US" dirty="0"/>
+              <a:t>来判断同构。</a:t>
+            </a:r>
             <a:endParaRPr lang="en-US" altLang="zh-CN" dirty="0"/>
           </a:p>
           <a:p>
-            <a:r>
-              <a:rPr lang="zh-CN" altLang="en-US" dirty="0" smtClean="0"/>
-              <a:t>性质</a:t>
-            </a:r>
-            <a:r>
-              <a:rPr lang="en-US" altLang="zh-CN" dirty="0" smtClean="0"/>
-              <a:t>3</a:t>
-            </a:r>
-            <a:r>
-              <a:rPr lang="zh-CN" altLang="en-US" dirty="0" smtClean="0"/>
-              <a:t>：任意一个区间</a:t>
-            </a:r>
-            <a:r>
-              <a:rPr lang="en-US" altLang="zh-CN" dirty="0" smtClean="0"/>
-              <a:t>[</a:t>
-            </a:r>
-            <a:r>
-              <a:rPr lang="en-US" altLang="zh-CN" dirty="0" err="1" smtClean="0"/>
-              <a:t>l,r</a:t>
-            </a:r>
-            <a:r>
-              <a:rPr lang="en-US" altLang="zh-CN" dirty="0" smtClean="0"/>
-              <a:t>]</a:t>
-            </a:r>
-            <a:r>
-              <a:rPr lang="zh-CN" altLang="en-US" dirty="0" smtClean="0"/>
-              <a:t>都可以用线段树上</a:t>
-            </a:r>
-            <a:r>
-              <a:rPr lang="en-US" altLang="zh-CN" dirty="0" smtClean="0"/>
-              <a:t>O(</a:t>
-            </a:r>
-            <a:r>
-              <a:rPr lang="en-US" altLang="zh-CN" dirty="0" err="1" smtClean="0"/>
-              <a:t>logn</a:t>
-            </a:r>
-            <a:r>
-              <a:rPr lang="en-US" altLang="zh-CN" dirty="0" smtClean="0"/>
-              <a:t>)</a:t>
-            </a:r>
-            <a:r>
-              <a:rPr lang="zh-CN" altLang="en-US" dirty="0" smtClean="0"/>
-              <a:t>个节点表示。</a:t>
-            </a:r>
-            <a:endParaRPr lang="en-US" altLang="zh-CN" dirty="0" smtClean="0"/>
-          </a:p>
-          <a:p>
+            <a:endParaRPr lang="en-US" dirty="0"/>
+          </a:p>
+          <a:p>
+            <a:r>
+              <a:rPr lang="en-US" altLang="zh-CN" dirty="0"/>
+              <a:t>Hash</a:t>
+            </a:r>
+            <a:r>
+              <a:rPr lang="zh-CN" altLang="en-US" dirty="0"/>
+              <a:t>方法需要满足 旋转不变性，则需要找到一个“不动点”，这个点就是重心。</a:t>
+            </a:r>
             <a:endParaRPr lang="en-US" altLang="zh-CN" dirty="0"/>
           </a:p>
           <a:p>
-            <a:r>
-              <a:rPr lang="zh-CN" altLang="en-US" dirty="0" smtClean="0"/>
-              <a:t>性质</a:t>
-            </a:r>
-            <a:r>
-              <a:rPr lang="en-US" altLang="zh-CN" dirty="0" smtClean="0"/>
-              <a:t>4</a:t>
-            </a:r>
-            <a:r>
-              <a:rPr lang="zh-CN" altLang="en-US" dirty="0" smtClean="0"/>
-              <a:t>：线段树节点个数为</a:t>
-            </a:r>
-            <a:r>
-              <a:rPr lang="en-US" altLang="zh-CN" dirty="0" smtClean="0"/>
-              <a:t>O(n)</a:t>
-            </a:r>
-            <a:r>
-              <a:rPr lang="zh-CN" altLang="en-US" dirty="0" smtClean="0"/>
-              <a:t>：</a:t>
-            </a:r>
-            <a:r>
-              <a:rPr lang="en-US" altLang="zh-CN" dirty="0" smtClean="0"/>
-              <a:t>1 + 2 + 4 + 8 + … + n = 2n-1</a:t>
-            </a:r>
-            <a:endParaRPr lang="zh-CN" altLang="en-US" dirty="0"/>
+            <a:endParaRPr lang="en-US" dirty="0"/>
+          </a:p>
+          <a:p>
+            <a:r>
+              <a:rPr lang="zh-CN" altLang="en-US" dirty="0"/>
+              <a:t>重心：作为树根，满足最大儿子的</a:t>
+            </a:r>
+            <a:r>
+              <a:rPr lang="en-US" altLang="zh-CN" dirty="0"/>
+              <a:t>size</a:t>
+            </a:r>
+            <a:r>
+              <a:rPr lang="zh-CN" altLang="en-US" dirty="0"/>
+              <a:t>最小的点。</a:t>
+            </a:r>
+            <a:endParaRPr lang="en-US" dirty="0"/>
+          </a:p>
+          <a:p>
+            <a:endParaRPr lang="en-US" dirty="0"/>
+          </a:p>
+          <a:p>
+            <a:r>
+              <a:rPr lang="zh-CN" altLang="en-US" dirty="0"/>
+              <a:t>对于任意一棵树，可能会有一个或者两个重心，如果有两个重心，则他们一定有一条边相连。</a:t>
+            </a:r>
+            <a:endParaRPr lang="en-US" altLang="zh-CN" dirty="0"/>
+          </a:p>
+          <a:p>
+            <a:endParaRPr lang="en-US" dirty="0"/>
+          </a:p>
+          <a:p>
+            <a:r>
+              <a:rPr lang="zh-CN" altLang="en-US" dirty="0"/>
+              <a:t>在处理时，当遇到有两个重心的情况，可以在边的中间再新建一个点，则新的点则作为新的唯一重心。</a:t>
+            </a:r>
+            <a:endParaRPr lang="en-US" dirty="0"/>
           </a:p>
         </p:txBody>
       </p:sp>
     </p:spTree>
     <p:extLst>
       <p:ext uri="{BB962C8B-B14F-4D97-AF65-F5344CB8AC3E}">
-        <p14:creationId xmlns:p14="http://schemas.microsoft.com/office/powerpoint/2010/main" val="900492541"/>
+        <p14:creationId xmlns:p14="http://schemas.microsoft.com/office/powerpoint/2010/main" val="757695602"/>
       </p:ext>
     </p:extLst>
   </p:cSld>
@@ -8191,7 +8793,13 @@
       </p:grpSpPr>
       <p:sp>
         <p:nvSpPr>
-          <p:cNvPr id="2" name="标题 1"/>
+          <p:cNvPr id="2" name="Title 1">
+            <a:extLst>
+              <a:ext uri="{FF2B5EF4-FFF2-40B4-BE49-F238E27FC236}">
+                <a16:creationId xmlns:a16="http://schemas.microsoft.com/office/drawing/2014/main" id="{37C7C7EC-B2A9-4744-8461-5FE6D9397DAD}"/>
+              </a:ext>
+            </a:extLst>
+          </p:cNvPr>
           <p:cNvSpPr>
             <a:spLocks noGrp="1"/>
           </p:cNvSpPr>
@@ -8205,16 +8813,30 @@
           <a:lstStyle/>
           <a:p>
             <a:r>
-              <a:rPr lang="zh-CN" altLang="en-US" dirty="0" smtClean="0"/>
-              <a:t>单点修改</a:t>
-            </a:r>
-            <a:endParaRPr lang="zh-CN" altLang="en-US" dirty="0"/>
-          </a:p>
-        </p:txBody>
-      </p:sp>
-      <p:sp>
-        <p:nvSpPr>
-          <p:cNvPr id="3" name="内容占位符 2"/>
+              <a:rPr lang="en-US" altLang="zh-CN" dirty="0"/>
+              <a:t>C.</a:t>
+            </a:r>
+            <a:r>
+              <a:rPr lang="zh-CN" altLang="en-US" dirty="0"/>
+              <a:t> </a:t>
+            </a:r>
+            <a:r>
+              <a:rPr lang="en-US" altLang="zh-CN" dirty="0"/>
+              <a:t>link</a:t>
+            </a:r>
+            <a:endParaRPr lang="en-US" dirty="0"/>
+          </a:p>
+        </p:txBody>
+      </p:sp>
+      <p:sp>
+        <p:nvSpPr>
+          <p:cNvPr id="3" name="Content Placeholder 2">
+            <a:extLst>
+              <a:ext uri="{FF2B5EF4-FFF2-40B4-BE49-F238E27FC236}">
+                <a16:creationId xmlns:a16="http://schemas.microsoft.com/office/drawing/2014/main" id="{E30BD562-15FB-436D-A2EB-9782373E630B}"/>
+              </a:ext>
+            </a:extLst>
+          </p:cNvPr>
           <p:cNvSpPr>
             <a:spLocks noGrp="1"/>
           </p:cNvSpPr>
@@ -8224,125 +8846,97 @@
         </p:nvSpPr>
         <p:spPr/>
         <p:txBody>
-          <a:bodyPr>
-            <a:normAutofit lnSpcReduction="10000"/>
-          </a:bodyPr>
+          <a:bodyPr/>
           <a:lstStyle/>
           <a:p>
             <a:r>
-              <a:rPr lang="en-US" altLang="zh-CN" dirty="0" err="1" smtClean="0"/>
-              <a:t>Int</a:t>
-            </a:r>
-            <a:r>
-              <a:rPr lang="en-US" altLang="zh-CN" dirty="0" smtClean="0"/>
-              <a:t> sum[</a:t>
-            </a:r>
-            <a:r>
-              <a:rPr lang="en-US" altLang="zh-CN" dirty="0" err="1" smtClean="0"/>
-              <a:t>maxn</a:t>
-            </a:r>
-            <a:r>
-              <a:rPr lang="en-US" altLang="zh-CN" dirty="0" smtClean="0"/>
-              <a:t>];</a:t>
-            </a:r>
-          </a:p>
-          <a:p>
-            <a:r>
-              <a:rPr lang="en-US" altLang="zh-CN" dirty="0" smtClean="0"/>
-              <a:t>Void Update(x,  l,  r,  </a:t>
-            </a:r>
-            <a:r>
-              <a:rPr lang="en-US" altLang="zh-CN" dirty="0" err="1" smtClean="0"/>
-              <a:t>pos</a:t>
-            </a:r>
-            <a:r>
-              <a:rPr lang="en-US" altLang="zh-CN" dirty="0" smtClean="0"/>
-              <a:t>,  x){</a:t>
-            </a:r>
-          </a:p>
-          <a:p>
-            <a:pPr lvl="1"/>
-            <a:r>
-              <a:rPr lang="en-US" altLang="zh-CN" dirty="0" smtClean="0"/>
-              <a:t>If (l == r){</a:t>
-            </a:r>
-          </a:p>
-          <a:p>
-            <a:pPr lvl="2"/>
-            <a:r>
-              <a:rPr lang="en-US" altLang="zh-CN" dirty="0" smtClean="0"/>
-              <a:t>Sum[x] += x;</a:t>
-            </a:r>
-          </a:p>
-          <a:p>
-            <a:pPr lvl="2"/>
-            <a:r>
-              <a:rPr lang="en-US" altLang="zh-CN" dirty="0" smtClean="0"/>
-              <a:t>Return;</a:t>
+              <a:rPr lang="zh-CN" altLang="en-US" dirty="0"/>
+              <a:t>在找到“不动点”重心之后，需要设计子树的</a:t>
+            </a:r>
+            <a:r>
+              <a:rPr lang="en-US" altLang="zh-CN" dirty="0"/>
+              <a:t>hash</a:t>
+            </a:r>
+            <a:r>
+              <a:rPr lang="zh-CN" altLang="en-US" dirty="0"/>
+              <a:t>算法，这是一个经典的“可重集”的</a:t>
+            </a:r>
+            <a:r>
+              <a:rPr lang="en-US" altLang="zh-CN" dirty="0"/>
+              <a:t>hash</a:t>
+            </a:r>
+            <a:r>
+              <a:rPr lang="zh-CN" altLang="en-US" dirty="0"/>
+              <a:t>问题。</a:t>
             </a:r>
             <a:endParaRPr lang="en-US" altLang="zh-CN" dirty="0"/>
           </a:p>
           <a:p>
-            <a:pPr lvl="1"/>
-            <a:r>
-              <a:rPr lang="en-US" altLang="zh-CN" dirty="0" smtClean="0"/>
-              <a:t>}</a:t>
-            </a:r>
-          </a:p>
-          <a:p>
-            <a:pPr lvl="1"/>
-            <a:r>
-              <a:rPr lang="en-US" altLang="zh-CN" dirty="0" err="1" smtClean="0"/>
-              <a:t>Int</a:t>
-            </a:r>
-            <a:r>
-              <a:rPr lang="en-US" altLang="zh-CN" dirty="0" smtClean="0"/>
-              <a:t> mid = (l + r)/2;</a:t>
-            </a:r>
-          </a:p>
-          <a:p>
-            <a:pPr lvl="1"/>
-            <a:r>
-              <a:rPr lang="en-US" altLang="zh-CN" dirty="0" smtClean="0"/>
-              <a:t>If (</a:t>
-            </a:r>
-            <a:r>
-              <a:rPr lang="en-US" altLang="zh-CN" dirty="0" err="1" smtClean="0"/>
-              <a:t>pos</a:t>
-            </a:r>
-            <a:r>
-              <a:rPr lang="en-US" altLang="zh-CN" dirty="0" smtClean="0"/>
-              <a:t> &lt;= mid)update(x*2,l,mid,pos,x);</a:t>
-            </a:r>
-          </a:p>
-          <a:p>
-            <a:pPr lvl="1"/>
-            <a:r>
-              <a:rPr lang="en-US" altLang="zh-CN" dirty="0" smtClean="0"/>
-              <a:t>Else update(x*2+1,mid+1,r,pos,x);</a:t>
-            </a:r>
-          </a:p>
-          <a:p>
-            <a:pPr lvl="1"/>
-            <a:r>
-              <a:rPr lang="en-US" altLang="zh-CN" dirty="0" smtClean="0"/>
-              <a:t>Sum[x] = (sum[x*2] + sum[x*2+1]);</a:t>
+            <a:endParaRPr lang="en-US" dirty="0"/>
+          </a:p>
+          <a:p>
+            <a:r>
+              <a:rPr lang="zh-CN" altLang="en-US" dirty="0"/>
+              <a:t>只需要在</a:t>
+            </a:r>
+            <a:r>
+              <a:rPr lang="en-US" altLang="zh-CN" dirty="0"/>
+              <a:t>hash</a:t>
+            </a:r>
+            <a:r>
+              <a:rPr lang="zh-CN" altLang="en-US" dirty="0"/>
+              <a:t>的时候，让各个子树</a:t>
+            </a:r>
+            <a:r>
+              <a:rPr lang="en-US" altLang="zh-CN" dirty="0"/>
+              <a:t>hash</a:t>
+            </a:r>
+            <a:r>
+              <a:rPr lang="zh-CN" altLang="en-US" dirty="0"/>
+              <a:t>的合并运算满足交换律即可，即旋转不变性。</a:t>
             </a:r>
             <a:endParaRPr lang="en-US" altLang="zh-CN" dirty="0"/>
           </a:p>
           <a:p>
-            <a:r>
-              <a:rPr lang="en-US" altLang="zh-CN" dirty="0" smtClean="0"/>
-              <a:t>}</a:t>
-            </a:r>
-            <a:endParaRPr lang="zh-CN" altLang="en-US" dirty="0"/>
+            <a:endParaRPr lang="en-US" dirty="0"/>
+          </a:p>
+          <a:p>
+            <a:r>
+              <a:rPr lang="zh-CN" altLang="en-US" dirty="0"/>
+              <a:t>常见的方法有：排序法，先计算所有子树的</a:t>
+            </a:r>
+            <a:r>
+              <a:rPr lang="en-US" altLang="zh-CN" dirty="0"/>
+              <a:t>hash</a:t>
+            </a:r>
+            <a:r>
+              <a:rPr lang="zh-CN" altLang="en-US" dirty="0"/>
+              <a:t>值，然后将</a:t>
+            </a:r>
+            <a:r>
+              <a:rPr lang="en-US" altLang="zh-CN" dirty="0"/>
+              <a:t>hash</a:t>
+            </a:r>
+            <a:r>
+              <a:rPr lang="zh-CN" altLang="en-US" dirty="0"/>
+              <a:t>值排序，然后再对排序之后的序列计算</a:t>
+            </a:r>
+            <a:r>
+              <a:rPr lang="en-US" altLang="zh-CN" dirty="0"/>
+              <a:t>hash</a:t>
+            </a:r>
+            <a:r>
+              <a:rPr lang="zh-CN" altLang="en-US" dirty="0"/>
+              <a:t>。</a:t>
+            </a:r>
+            <a:endParaRPr lang="en-US" dirty="0"/>
           </a:p>
         </p:txBody>
       </p:sp>
     </p:spTree>
     <p:extLst>
       <p:ext uri="{BB962C8B-B14F-4D97-AF65-F5344CB8AC3E}">
-        <p14:creationId xmlns:p14="http://schemas.microsoft.com/office/powerpoint/2010/main" val="4068193430"/>
+        <p14:creationId xmlns:p14="http://schemas.microsoft.com/office/powerpoint/2010/main" val="3774429437"/>
       </p:ext>
     </p:extLst>
   </p:cSld>
@@ -8371,7 +8965,13 @@
       </p:grpSpPr>
       <p:sp>
         <p:nvSpPr>
-          <p:cNvPr id="2" name="标题 1"/>
+          <p:cNvPr id="2" name="Title 1">
+            <a:extLst>
+              <a:ext uri="{FF2B5EF4-FFF2-40B4-BE49-F238E27FC236}">
+                <a16:creationId xmlns:a16="http://schemas.microsoft.com/office/drawing/2014/main" id="{9614FE1A-835D-43AA-8F8C-C9D48F0AA96D}"/>
+              </a:ext>
+            </a:extLst>
+          </p:cNvPr>
           <p:cNvSpPr>
             <a:spLocks noGrp="1"/>
           </p:cNvSpPr>
@@ -8385,16 +8985,22 @@
           <a:lstStyle/>
           <a:p>
             <a:r>
-              <a:rPr lang="zh-CN" altLang="en-US" dirty="0" smtClean="0"/>
-              <a:t>区间查询</a:t>
-            </a:r>
-            <a:endParaRPr lang="zh-CN" altLang="en-US" dirty="0"/>
-          </a:p>
-        </p:txBody>
-      </p:sp>
-      <p:sp>
-        <p:nvSpPr>
-          <p:cNvPr id="3" name="内容占位符 2"/>
+              <a:rPr lang="en-US" altLang="zh-CN" dirty="0"/>
+              <a:t>C. link</a:t>
+            </a:r>
+            <a:endParaRPr lang="en-US" dirty="0"/>
+          </a:p>
+        </p:txBody>
+      </p:sp>
+      <p:sp>
+        <p:nvSpPr>
+          <p:cNvPr id="3" name="Content Placeholder 2">
+            <a:extLst>
+              <a:ext uri="{FF2B5EF4-FFF2-40B4-BE49-F238E27FC236}">
+                <a16:creationId xmlns:a16="http://schemas.microsoft.com/office/drawing/2014/main" id="{2AAE4080-D947-4FCB-90DB-3098570FAF6D}"/>
+              </a:ext>
+            </a:extLst>
+          </p:cNvPr>
           <p:cNvSpPr>
             <a:spLocks noGrp="1"/>
           </p:cNvSpPr>
@@ -8408,129 +9014,163 @@
           <a:lstStyle/>
           <a:p>
             <a:r>
-              <a:rPr lang="en-US" altLang="zh-CN" dirty="0" err="1" smtClean="0"/>
-              <a:t>Int</a:t>
-            </a:r>
-            <a:r>
-              <a:rPr lang="en-US" altLang="zh-CN" dirty="0" smtClean="0"/>
-              <a:t> sum[</a:t>
-            </a:r>
-            <a:r>
-              <a:rPr lang="en-US" altLang="zh-CN" dirty="0" err="1" smtClean="0"/>
-              <a:t>maxn</a:t>
-            </a:r>
-            <a:r>
-              <a:rPr lang="en-US" altLang="zh-CN" dirty="0" smtClean="0"/>
-              <a:t>];</a:t>
-            </a:r>
-          </a:p>
-          <a:p>
-            <a:r>
-              <a:rPr lang="en-US" altLang="zh-CN" dirty="0" smtClean="0"/>
-              <a:t>//[L,R]</a:t>
-            </a:r>
-            <a:r>
-              <a:rPr lang="zh-CN" altLang="en-US" dirty="0" smtClean="0"/>
-              <a:t>是需要查询的区间。</a:t>
-            </a:r>
-            <a:r>
-              <a:rPr lang="en-US" altLang="zh-CN" dirty="0" smtClean="0"/>
-              <a:t>(</a:t>
-            </a:r>
-            <a:r>
-              <a:rPr lang="en-US" altLang="zh-CN" dirty="0" err="1" smtClean="0"/>
-              <a:t>x,l,r</a:t>
-            </a:r>
-            <a:r>
-              <a:rPr lang="en-US" altLang="zh-CN" dirty="0" smtClean="0"/>
+              <a:rPr lang="zh-CN" altLang="en-US" dirty="0"/>
+              <a:t>烃的同构只需要判断碳骨架。</a:t>
+            </a:r>
+            <a:endParaRPr lang="en-US" dirty="0"/>
+          </a:p>
+          <a:p>
+            <a:r>
+              <a:rPr lang="en-US" dirty="0"/>
+              <a:t>70</a:t>
+            </a:r>
+            <a:r>
+              <a:rPr lang="zh-CN" altLang="en-US" dirty="0"/>
+              <a:t>分做法：先求出重心，枚举改变的点，然后计算树</a:t>
+            </a:r>
+            <a:r>
+              <a:rPr lang="en-US" altLang="zh-CN" dirty="0"/>
+              <a:t>hash</a:t>
+            </a:r>
+            <a:r>
+              <a:rPr lang="zh-CN" altLang="en-US" dirty="0"/>
+              <a:t>值，将</a:t>
+            </a:r>
+            <a:r>
+              <a:rPr lang="en-US" altLang="zh-CN" dirty="0"/>
+              <a:t>n</a:t>
+            </a:r>
+            <a:r>
+              <a:rPr lang="zh-CN" altLang="en-US" dirty="0"/>
+              <a:t>个</a:t>
+            </a:r>
+            <a:r>
+              <a:rPr lang="en-US" altLang="zh-CN" dirty="0"/>
+              <a:t>hash</a:t>
+            </a:r>
+            <a:r>
+              <a:rPr lang="zh-CN" altLang="en-US" dirty="0"/>
+              <a:t>值去重计算个数即可。</a:t>
+            </a:r>
+            <a:endParaRPr lang="en-US" altLang="zh-CN" dirty="0"/>
+          </a:p>
+          <a:p>
+            <a:r>
+              <a:rPr lang="zh-CN" altLang="en-US" dirty="0"/>
+              <a:t>复杂度</a:t>
+            </a:r>
+            <a:r>
+              <a:rPr lang="en-US" altLang="zh-CN" dirty="0"/>
+              <a:t>O(n^2logn)</a:t>
+            </a:r>
+          </a:p>
+          <a:p>
+            <a:endParaRPr lang="en-US" dirty="0"/>
+          </a:p>
+          <a:p>
+            <a:r>
+              <a:rPr lang="en-US" dirty="0"/>
+              <a:t>100</a:t>
+            </a:r>
+            <a:r>
+              <a:rPr lang="zh-CN" altLang="en-US" dirty="0"/>
+              <a:t>分做法：先求出重心，然后</a:t>
+            </a:r>
+            <a:r>
+              <a:rPr lang="en-US" altLang="zh-CN" dirty="0" err="1"/>
+              <a:t>dfs</a:t>
+            </a:r>
+            <a:r>
+              <a:rPr lang="zh-CN" altLang="en-US" dirty="0"/>
+              <a:t>，</a:t>
+            </a:r>
+            <a:r>
+              <a:rPr lang="en-US" altLang="zh-CN" dirty="0" err="1"/>
+              <a:t>dfs</a:t>
+            </a:r>
+            <a:r>
+              <a:rPr lang="zh-CN" altLang="en-US" dirty="0"/>
+              <a:t>要计算如果修改</a:t>
+            </a:r>
+            <a:r>
+              <a:rPr lang="en-US" altLang="zh-CN" dirty="0"/>
+              <a:t>u</a:t>
+            </a:r>
+            <a:r>
+              <a:rPr lang="zh-CN" altLang="en-US" dirty="0"/>
+              <a:t>子树里面的一个点，能够得到的所有</a:t>
+            </a:r>
+            <a:r>
+              <a:rPr lang="en-US" altLang="zh-CN" dirty="0"/>
+              <a:t>hash</a:t>
+            </a:r>
+            <a:r>
+              <a:rPr lang="zh-CN" altLang="en-US" dirty="0"/>
+              <a:t>值，在子树合并的时候，先假设所有子树都不修改，则将他们原始的</a:t>
+            </a:r>
+            <a:r>
+              <a:rPr lang="en-US" altLang="zh-CN" dirty="0"/>
+              <a:t>hash</a:t>
+            </a:r>
+            <a:r>
+              <a:rPr lang="zh-CN" altLang="en-US" dirty="0"/>
+              <a:t>值排序，然后进行</a:t>
+            </a:r>
+            <a:r>
+              <a:rPr lang="en-US" altLang="zh-CN" dirty="0"/>
+              <a:t>hash</a:t>
+            </a:r>
+            <a:r>
+              <a:rPr lang="zh-CN" altLang="en-US" dirty="0"/>
+              <a:t>。</a:t>
+            </a:r>
+            <a:endParaRPr lang="en-US" altLang="zh-CN" dirty="0"/>
+          </a:p>
+          <a:p>
+            <a:r>
+              <a:rPr lang="zh-CN" altLang="en-US" dirty="0"/>
+              <a:t>现在需要选择一个子树内的点进行修改，对排序之后序列的修改是 将某一位置的值取出插入到其他位置，可以使用前缀和 配合 </a:t>
+            </a:r>
+            <a:r>
+              <a:rPr lang="en-US" altLang="zh-CN" dirty="0" err="1"/>
+              <a:t>lower_bound</a:t>
+            </a:r>
+            <a:r>
+              <a:rPr lang="zh-CN" altLang="en-US" dirty="0"/>
+              <a:t>来实现快速计算</a:t>
+            </a:r>
+            <a:r>
+              <a:rPr lang="en-US" altLang="zh-CN" dirty="0"/>
+              <a:t>hash</a:t>
+            </a:r>
+            <a:r>
+              <a:rPr lang="zh-CN" altLang="en-US" dirty="0"/>
+              <a:t>值。复杂度</a:t>
+            </a:r>
+            <a:r>
+              <a:rPr lang="en-US" altLang="zh-CN" dirty="0"/>
+              <a:t>O(</a:t>
+            </a:r>
+            <a:r>
+              <a:rPr lang="en-US" altLang="zh-CN" dirty="0" err="1"/>
+              <a:t>nlogn</a:t>
+            </a:r>
+            <a:r>
+              <a:rPr lang="en-US" altLang="zh-CN" dirty="0"/>
               <a:t>)</a:t>
             </a:r>
             <a:r>
-              <a:rPr lang="zh-CN" altLang="en-US" dirty="0" smtClean="0"/>
-              <a:t>是线段树节点</a:t>
-            </a:r>
-            <a:endParaRPr lang="en-US" altLang="zh-CN" dirty="0" smtClean="0"/>
-          </a:p>
-          <a:p>
-            <a:r>
-              <a:rPr lang="en-US" altLang="zh-CN" dirty="0" err="1" smtClean="0"/>
-              <a:t>Int</a:t>
-            </a:r>
-            <a:r>
-              <a:rPr lang="en-US" altLang="zh-CN" dirty="0" smtClean="0"/>
-              <a:t> </a:t>
-            </a:r>
-            <a:r>
-              <a:rPr lang="en-US" altLang="zh-CN" dirty="0" err="1" smtClean="0"/>
-              <a:t>get_sum</a:t>
-            </a:r>
-            <a:r>
-              <a:rPr lang="en-US" altLang="zh-CN" dirty="0" smtClean="0"/>
-              <a:t>(x,  l,  r,  L,  R){</a:t>
-            </a:r>
-          </a:p>
-          <a:p>
-            <a:pPr lvl="1"/>
-            <a:r>
-              <a:rPr lang="en-US" altLang="zh-CN" dirty="0" smtClean="0"/>
-              <a:t>If (L &gt; r  or  l &gt; R)return 0;</a:t>
-            </a:r>
-          </a:p>
-          <a:p>
-            <a:pPr lvl="1"/>
-            <a:r>
-              <a:rPr lang="en-US" altLang="zh-CN" dirty="0" smtClean="0"/>
-              <a:t>If (L &lt;= l  and   r &lt;= R)return sum[x];</a:t>
-            </a:r>
-          </a:p>
-          <a:p>
-            <a:pPr lvl="1"/>
-            <a:r>
-              <a:rPr lang="en-US" altLang="zh-CN" dirty="0" err="1" smtClean="0"/>
-              <a:t>Int</a:t>
-            </a:r>
-            <a:r>
-              <a:rPr lang="en-US" altLang="zh-CN" dirty="0" smtClean="0"/>
-              <a:t> mid = (l + r)/2;</a:t>
-            </a:r>
-          </a:p>
-          <a:p>
-            <a:pPr lvl="1"/>
-            <a:r>
-              <a:rPr lang="en-US" altLang="zh-CN" dirty="0" smtClean="0"/>
-              <a:t>Return </a:t>
-            </a:r>
-            <a:r>
-              <a:rPr lang="en-US" altLang="zh-CN" dirty="0" err="1" smtClean="0"/>
-              <a:t>get_sum</a:t>
-            </a:r>
-            <a:r>
-              <a:rPr lang="en-US" altLang="zh-CN" dirty="0" smtClean="0"/>
-              <a:t>(x*2,l,mid,L,R)  +  </a:t>
-            </a:r>
-            <a:r>
-              <a:rPr lang="en-US" altLang="zh-CN" dirty="0" err="1" smtClean="0"/>
-              <a:t>get_sum</a:t>
-            </a:r>
-            <a:r>
-              <a:rPr lang="en-US" altLang="zh-CN" dirty="0" smtClean="0"/>
-              <a:t>(x*2+1,mid+1,r,L,R);</a:t>
+              <a:rPr lang="zh-CN" altLang="en-US" dirty="0"/>
+              <a:t>。</a:t>
             </a:r>
             <a:endParaRPr lang="en-US" altLang="zh-CN" dirty="0"/>
-          </a:p>
-          <a:p>
-            <a:r>
-              <a:rPr lang="en-US" altLang="zh-CN" dirty="0" smtClean="0"/>
-              <a:t>}</a:t>
-            </a:r>
-            <a:endParaRPr lang="zh-CN" altLang="en-US" dirty="0"/>
           </a:p>
         </p:txBody>
       </p:sp>
     </p:spTree>
     <p:extLst>
       <p:ext uri="{BB962C8B-B14F-4D97-AF65-F5344CB8AC3E}">
-        <p14:creationId xmlns:p14="http://schemas.microsoft.com/office/powerpoint/2010/main" val="392030877"/>
+        <p14:creationId xmlns:p14="http://schemas.microsoft.com/office/powerpoint/2010/main" val="1469814322"/>
       </p:ext>
     </p:extLst>
   </p:cSld>
@@ -8573,22 +9213,9 @@
           <a:lstStyle/>
           <a:p>
             <a:r>
-              <a:rPr lang="zh-CN" altLang="en-US" dirty="0" smtClean="0"/>
-              <a:t>初始化</a:t>
-            </a:r>
-            <a:r>
-              <a:rPr lang="en-US" altLang="zh-CN" dirty="0" smtClean="0"/>
-              <a:t>(</a:t>
-            </a:r>
-            <a:r>
-              <a:rPr lang="zh-CN" altLang="en-US" dirty="0" smtClean="0"/>
-              <a:t>清空</a:t>
-            </a:r>
-            <a:r>
-              <a:rPr lang="en-US" altLang="zh-CN" dirty="0" smtClean="0"/>
-              <a:t>)</a:t>
-            </a:r>
-            <a:endParaRPr lang="zh-CN" altLang="en-US" dirty="0"/>
+              <a:rPr lang="zh-CN" altLang="en-US" dirty="0"/>
+              <a:t>问题背景</a:t>
+            </a:r>
           </a:p>
         </p:txBody>
       </p:sp>
@@ -8608,121 +9235,63 @@
           <a:lstStyle/>
           <a:p>
             <a:r>
-              <a:rPr lang="en-US" altLang="zh-CN" dirty="0" err="1" smtClean="0"/>
-              <a:t>Int</a:t>
-            </a:r>
-            <a:r>
-              <a:rPr lang="en-US" altLang="zh-CN" dirty="0" smtClean="0"/>
-              <a:t> sum[</a:t>
-            </a:r>
-            <a:r>
-              <a:rPr lang="en-US" altLang="zh-CN" dirty="0" err="1" smtClean="0"/>
-              <a:t>maxn</a:t>
-            </a:r>
-            <a:r>
-              <a:rPr lang="en-US" altLang="zh-CN" dirty="0" smtClean="0"/>
-              <a:t>];</a:t>
-            </a:r>
-          </a:p>
-          <a:p>
-            <a:r>
-              <a:rPr lang="en-US" altLang="zh-CN" dirty="0" smtClean="0"/>
-              <a:t>Void </a:t>
-            </a:r>
-            <a:r>
-              <a:rPr lang="en-US" altLang="zh-CN" dirty="0" err="1" smtClean="0"/>
-              <a:t>init</a:t>
-            </a:r>
-            <a:r>
-              <a:rPr lang="en-US" altLang="zh-CN" dirty="0" smtClean="0"/>
-              <a:t>(</a:t>
-            </a:r>
-            <a:r>
-              <a:rPr lang="en-US" altLang="zh-CN" dirty="0" err="1" smtClean="0"/>
-              <a:t>int</a:t>
-            </a:r>
-            <a:r>
-              <a:rPr lang="en-US" altLang="zh-CN" dirty="0" smtClean="0"/>
-              <a:t> </a:t>
-            </a:r>
-            <a:r>
-              <a:rPr lang="en-US" altLang="zh-CN" dirty="0" err="1" smtClean="0"/>
-              <a:t>x,int</a:t>
-            </a:r>
-            <a:r>
-              <a:rPr lang="en-US" altLang="zh-CN" dirty="0" smtClean="0"/>
-              <a:t> </a:t>
-            </a:r>
-            <a:r>
-              <a:rPr lang="en-US" altLang="zh-CN" dirty="0" err="1" smtClean="0"/>
-              <a:t>l,int</a:t>
-            </a:r>
-            <a:r>
-              <a:rPr lang="en-US" altLang="zh-CN" dirty="0" smtClean="0"/>
-              <a:t> r){</a:t>
-            </a:r>
-          </a:p>
-          <a:p>
-            <a:pPr lvl="1"/>
-            <a:r>
-              <a:rPr lang="en-US" altLang="zh-CN" dirty="0" smtClean="0"/>
-              <a:t>Sum[x] = 0;</a:t>
-            </a:r>
-          </a:p>
-          <a:p>
-            <a:pPr lvl="1"/>
-            <a:r>
-              <a:rPr lang="en-US" altLang="zh-CN" dirty="0" smtClean="0"/>
-              <a:t>If (l == r)return;</a:t>
-            </a:r>
-          </a:p>
-          <a:p>
-            <a:pPr lvl="1"/>
-            <a:r>
-              <a:rPr lang="en-US" altLang="zh-CN" dirty="0" err="1" smtClean="0"/>
-              <a:t>Int</a:t>
-            </a:r>
-            <a:r>
-              <a:rPr lang="en-US" altLang="zh-CN" dirty="0" smtClean="0"/>
-              <a:t> mid = (l + r)/2;</a:t>
-            </a:r>
-          </a:p>
-          <a:p>
-            <a:pPr lvl="1"/>
-            <a:r>
-              <a:rPr lang="en-US" altLang="zh-CN" dirty="0" err="1" smtClean="0"/>
-              <a:t>init</a:t>
-            </a:r>
-            <a:r>
-              <a:rPr lang="en-US" altLang="zh-CN" dirty="0" smtClean="0"/>
-              <a:t>(x*2,l,mid);</a:t>
-            </a:r>
-          </a:p>
-          <a:p>
-            <a:pPr lvl="1"/>
-            <a:r>
-              <a:rPr lang="en-US" altLang="zh-CN" dirty="0" err="1" smtClean="0"/>
-              <a:t>Init</a:t>
-            </a:r>
-            <a:r>
-              <a:rPr lang="en-US" altLang="zh-CN" dirty="0" smtClean="0"/>
-              <a:t>(x*2+1,mid+1,r);</a:t>
+              <a:rPr lang="zh-CN" altLang="en-US" dirty="0"/>
+              <a:t>需要设计一种数据结构，支持 </a:t>
+            </a:r>
+            <a:r>
+              <a:rPr lang="zh-CN" altLang="en-US" b="1" dirty="0"/>
+              <a:t>单点</a:t>
+            </a:r>
+            <a:r>
+              <a:rPr lang="zh-CN" altLang="en-US" dirty="0"/>
+              <a:t>修改， 区间查询。</a:t>
             </a:r>
             <a:endParaRPr lang="en-US" altLang="zh-CN" dirty="0"/>
           </a:p>
           <a:p>
-            <a:r>
-              <a:rPr lang="en-US" altLang="zh-CN" dirty="0" smtClean="0"/>
-              <a:t>}</a:t>
-            </a:r>
-            <a:endParaRPr lang="zh-CN" altLang="en-US" dirty="0"/>
+            <a:endParaRPr lang="en-US" altLang="zh-CN" dirty="0"/>
+          </a:p>
+          <a:p>
+            <a:r>
+              <a:rPr lang="zh-CN" altLang="en-US" dirty="0"/>
+              <a:t>比如：单点</a:t>
+            </a:r>
+            <a:r>
+              <a:rPr lang="en-US" altLang="zh-CN" dirty="0"/>
+              <a:t>+x</a:t>
+            </a:r>
+            <a:r>
+              <a:rPr lang="zh-CN" altLang="en-US" dirty="0"/>
+              <a:t>，区间求和。 单点赋值为</a:t>
+            </a:r>
+            <a:r>
+              <a:rPr lang="en-US" altLang="zh-CN" dirty="0"/>
+              <a:t>x</a:t>
+            </a:r>
+            <a:r>
+              <a:rPr lang="zh-CN" altLang="en-US" dirty="0"/>
+              <a:t>，区间查询最大值</a:t>
+            </a:r>
+            <a:r>
+              <a:rPr lang="en-US" altLang="zh-CN" dirty="0"/>
+              <a:t>……</a:t>
+            </a:r>
+          </a:p>
+          <a:p>
+            <a:endParaRPr lang="en-US" altLang="zh-CN" dirty="0"/>
+          </a:p>
+          <a:p>
+            <a:r>
+              <a:rPr lang="zh-CN" altLang="en-US" dirty="0"/>
+              <a:t>“老师，我会分块”雾（</a:t>
+            </a:r>
           </a:p>
         </p:txBody>
       </p:sp>
     </p:spTree>
     <p:extLst>
       <p:ext uri="{BB962C8B-B14F-4D97-AF65-F5344CB8AC3E}">
-        <p14:creationId xmlns:p14="http://schemas.microsoft.com/office/powerpoint/2010/main" val="3733170948"/>
+        <p14:creationId xmlns:p14="http://schemas.microsoft.com/office/powerpoint/2010/main" val="3651866774"/>
       </p:ext>
     </p:extLst>
   </p:cSld>
@@ -8765,18 +9334,9 @@
           <a:lstStyle/>
           <a:p>
             <a:r>
-              <a:rPr lang="zh-CN" altLang="en-US" dirty="0" smtClean="0"/>
-              <a:t>例题：维护区间</a:t>
-            </a:r>
-            <a:r>
-              <a:rPr lang="en-US" altLang="zh-CN" dirty="0" smtClean="0"/>
-              <a:t>hash</a:t>
-            </a:r>
-            <a:r>
-              <a:rPr lang="zh-CN" altLang="en-US" dirty="0" smtClean="0"/>
-              <a:t>值。</a:t>
-            </a:r>
-            <a:endParaRPr lang="zh-CN" altLang="en-US" dirty="0"/>
+              <a:rPr lang="zh-CN" altLang="en-US" dirty="0"/>
+              <a:t>线段树</a:t>
+            </a:r>
           </a:p>
         </p:txBody>
       </p:sp>
@@ -8796,107 +9356,366 @@
           <a:lstStyle/>
           <a:p>
             <a:r>
-              <a:rPr lang="zh-CN" altLang="en-US" dirty="0" smtClean="0"/>
-              <a:t>题目：给出一个字符串</a:t>
-            </a:r>
-            <a:r>
-              <a:rPr lang="en-US" altLang="zh-CN" dirty="0" smtClean="0"/>
-              <a:t>S</a:t>
-            </a:r>
-            <a:r>
-              <a:rPr lang="zh-CN" altLang="en-US" dirty="0" smtClean="0"/>
-              <a:t>，支持两种操作：</a:t>
-            </a:r>
-            <a:endParaRPr lang="en-US" altLang="zh-CN" dirty="0" smtClean="0"/>
-          </a:p>
-          <a:p>
-            <a:r>
-              <a:rPr lang="en-US" altLang="zh-CN" dirty="0" smtClean="0"/>
-              <a:t>1</a:t>
-            </a:r>
-            <a:r>
-              <a:rPr lang="zh-CN" altLang="en-US" dirty="0" smtClean="0"/>
-              <a:t>、将</a:t>
-            </a:r>
-            <a:r>
-              <a:rPr lang="en-US" altLang="zh-CN" dirty="0" smtClean="0"/>
+              <a:rPr lang="zh-CN" altLang="en-US" dirty="0"/>
+              <a:t>线段树是一棵二叉树，同时二叉树有一种很方便的存储结构（堆）：</a:t>
+            </a:r>
+            <a:endParaRPr lang="en-US" altLang="zh-CN" dirty="0"/>
+          </a:p>
+          <a:p>
+            <a:r>
+              <a:rPr lang="en-US" altLang="zh-CN" dirty="0">
+                <a:solidFill>
+                  <a:schemeClr val="tx1"/>
+                </a:solidFill>
+              </a:rPr>
+              <a:t>X</a:t>
+            </a:r>
+            <a:r>
+              <a:rPr lang="zh-CN" altLang="en-US" dirty="0">
+                <a:solidFill>
+                  <a:schemeClr val="tx1"/>
+                </a:solidFill>
+              </a:rPr>
+              <a:t>号节点的两个儿子分别是</a:t>
+            </a:r>
+            <a:r>
+              <a:rPr lang="en-US" altLang="zh-CN" dirty="0">
+                <a:solidFill>
+                  <a:schemeClr val="tx1"/>
+                </a:solidFill>
+              </a:rPr>
+              <a:t>2</a:t>
+            </a:r>
+            <a:r>
+              <a:rPr lang="zh-CN" altLang="en-US" dirty="0">
+                <a:solidFill>
+                  <a:schemeClr val="tx1"/>
+                </a:solidFill>
+              </a:rPr>
+              <a:t>*</a:t>
+            </a:r>
+            <a:r>
+              <a:rPr lang="en-US" altLang="zh-CN" dirty="0">
+                <a:solidFill>
+                  <a:schemeClr val="tx1"/>
+                </a:solidFill>
+              </a:rPr>
               <a:t>x</a:t>
             </a:r>
             <a:r>
-              <a:rPr lang="zh-CN" altLang="en-US" dirty="0" smtClean="0"/>
-              <a:t>位置的字符变成</a:t>
-            </a:r>
-            <a:r>
-              <a:rPr lang="en-US" altLang="zh-CN" dirty="0" err="1" smtClean="0"/>
-              <a:t>ch</a:t>
-            </a:r>
-            <a:r>
-              <a:rPr lang="zh-CN" altLang="en-US" dirty="0" smtClean="0"/>
+              <a:rPr lang="zh-CN" altLang="en-US" dirty="0">
+                <a:solidFill>
+                  <a:schemeClr val="tx1"/>
+                </a:solidFill>
+              </a:rPr>
+              <a:t>和</a:t>
+            </a:r>
+            <a:r>
+              <a:rPr lang="en-US" altLang="zh-CN" dirty="0">
+                <a:solidFill>
+                  <a:schemeClr val="tx1"/>
+                </a:solidFill>
+              </a:rPr>
+              <a:t>2</a:t>
+            </a:r>
+            <a:r>
+              <a:rPr lang="zh-CN" altLang="en-US" dirty="0">
+                <a:solidFill>
+                  <a:schemeClr val="tx1"/>
+                </a:solidFill>
+              </a:rPr>
+              <a:t>*</a:t>
+            </a:r>
+            <a:r>
+              <a:rPr lang="en-US" altLang="zh-CN" dirty="0">
+                <a:solidFill>
+                  <a:schemeClr val="tx1"/>
+                </a:solidFill>
+              </a:rPr>
+              <a:t>x+1</a:t>
+            </a:r>
+            <a:r>
+              <a:rPr lang="zh-CN" altLang="en-US" dirty="0">
+                <a:solidFill>
+                  <a:schemeClr val="tx1"/>
+                </a:solidFill>
+              </a:rPr>
               <a:t>。</a:t>
             </a:r>
-            <a:endParaRPr lang="en-US" altLang="zh-CN" dirty="0" smtClean="0"/>
-          </a:p>
-          <a:p>
-            <a:r>
-              <a:rPr lang="en-US" altLang="zh-CN" dirty="0" smtClean="0"/>
-              <a:t>2</a:t>
-            </a:r>
-            <a:r>
-              <a:rPr lang="zh-CN" altLang="en-US" dirty="0" smtClean="0"/>
-              <a:t>、询问子串</a:t>
-            </a:r>
-            <a:r>
-              <a:rPr lang="en-US" altLang="zh-CN" dirty="0" smtClean="0"/>
-              <a:t>S[l1,r1]</a:t>
-            </a:r>
-            <a:r>
-              <a:rPr lang="zh-CN" altLang="en-US" dirty="0" smtClean="0"/>
-              <a:t>和子串</a:t>
-            </a:r>
-            <a:r>
-              <a:rPr lang="en-US" altLang="zh-CN" dirty="0" smtClean="0"/>
-              <a:t>S[l2,r2]</a:t>
-            </a:r>
-            <a:r>
-              <a:rPr lang="zh-CN" altLang="en-US" dirty="0" smtClean="0"/>
-              <a:t>谁的字典序大。</a:t>
-            </a:r>
-            <a:r>
-              <a:rPr lang="en-US" altLang="zh-CN" dirty="0" smtClean="0"/>
-              <a:t>S[l1,r1]</a:t>
-            </a:r>
-            <a:r>
-              <a:rPr lang="zh-CN" altLang="en-US" dirty="0" smtClean="0"/>
-              <a:t>大输出</a:t>
-            </a:r>
-            <a:r>
-              <a:rPr lang="en-US" altLang="zh-CN" dirty="0" smtClean="0"/>
-              <a:t>1</a:t>
-            </a:r>
-            <a:r>
-              <a:rPr lang="zh-CN" altLang="en-US" dirty="0" smtClean="0"/>
-              <a:t>，</a:t>
-            </a:r>
-            <a:r>
-              <a:rPr lang="en-US" altLang="zh-CN" dirty="0" smtClean="0"/>
-              <a:t>S[l1,r1]</a:t>
-            </a:r>
-            <a:r>
-              <a:rPr lang="zh-CN" altLang="en-US" dirty="0" smtClean="0"/>
-              <a:t>小输出</a:t>
-            </a:r>
-            <a:r>
-              <a:rPr lang="en-US" altLang="zh-CN" dirty="0" smtClean="0"/>
-              <a:t>-1</a:t>
-            </a:r>
-            <a:r>
-              <a:rPr lang="zh-CN" altLang="en-US" dirty="0" smtClean="0"/>
-              <a:t>，相等输出</a:t>
-            </a:r>
-            <a:r>
-              <a:rPr lang="en-US" altLang="zh-CN" dirty="0" smtClean="0"/>
-              <a:t>0.</a:t>
-            </a:r>
+            <a:r>
+              <a:rPr lang="en-US" altLang="zh-CN" dirty="0">
+                <a:solidFill>
+                  <a:schemeClr val="tx1"/>
+                </a:solidFill>
+              </a:rPr>
+              <a:t>X</a:t>
+            </a:r>
+            <a:r>
+              <a:rPr lang="zh-CN" altLang="en-US" dirty="0">
+                <a:solidFill>
+                  <a:schemeClr val="tx1"/>
+                </a:solidFill>
+              </a:rPr>
+              <a:t>号节点的父亲为</a:t>
+            </a:r>
+            <a:r>
+              <a:rPr lang="en-US" altLang="zh-CN" dirty="0">
+                <a:solidFill>
+                  <a:schemeClr val="tx1"/>
+                </a:solidFill>
+              </a:rPr>
+              <a:t>x/2</a:t>
+            </a:r>
+            <a:r>
+              <a:rPr lang="zh-CN" altLang="en-US" dirty="0">
+                <a:solidFill>
+                  <a:schemeClr val="tx1"/>
+                </a:solidFill>
+              </a:rPr>
+              <a:t>。</a:t>
+            </a:r>
+            <a:endParaRPr lang="en-US" altLang="zh-CN" dirty="0">
+              <a:solidFill>
+                <a:schemeClr val="tx1"/>
+              </a:solidFill>
+            </a:endParaRPr>
+          </a:p>
+          <a:p>
+            <a:endParaRPr lang="en-US" altLang="zh-CN" dirty="0">
+              <a:solidFill>
+                <a:schemeClr val="tx1"/>
+              </a:solidFill>
+            </a:endParaRPr>
+          </a:p>
+          <a:p>
+            <a:r>
+              <a:rPr lang="zh-CN" altLang="en-US" dirty="0">
+                <a:solidFill>
+                  <a:schemeClr val="tx1"/>
+                </a:solidFill>
+              </a:rPr>
+              <a:t>线段树的每个节点代表了原数组的一段区间。因此可以用三元组</a:t>
+            </a:r>
+            <a:r>
+              <a:rPr lang="en-US" altLang="zh-CN" dirty="0">
+                <a:solidFill>
+                  <a:schemeClr val="tx1"/>
+                </a:solidFill>
+              </a:rPr>
+              <a:t>(</a:t>
+            </a:r>
+            <a:r>
+              <a:rPr lang="en-US" altLang="zh-CN" dirty="0" err="1">
+                <a:solidFill>
+                  <a:schemeClr val="tx1"/>
+                </a:solidFill>
+              </a:rPr>
+              <a:t>x,l,r</a:t>
+            </a:r>
+            <a:r>
+              <a:rPr lang="en-US" altLang="zh-CN" dirty="0">
+                <a:solidFill>
+                  <a:schemeClr val="tx1"/>
+                </a:solidFill>
+              </a:rPr>
+              <a:t>)</a:t>
+            </a:r>
+            <a:r>
+              <a:rPr lang="zh-CN" altLang="en-US" dirty="0">
+                <a:solidFill>
+                  <a:schemeClr val="tx1"/>
+                </a:solidFill>
+              </a:rPr>
+              <a:t>表示</a:t>
+            </a:r>
+            <a:r>
+              <a:rPr lang="en-US" altLang="zh-CN" dirty="0">
+                <a:solidFill>
+                  <a:schemeClr val="tx1"/>
+                </a:solidFill>
+              </a:rPr>
+              <a:t>x</a:t>
+            </a:r>
+            <a:r>
+              <a:rPr lang="zh-CN" altLang="en-US" dirty="0">
+                <a:solidFill>
+                  <a:schemeClr val="tx1"/>
+                </a:solidFill>
+              </a:rPr>
+              <a:t>号节点代表了原数组的</a:t>
+            </a:r>
+            <a:r>
+              <a:rPr lang="en-US" altLang="zh-CN" dirty="0">
+                <a:solidFill>
+                  <a:schemeClr val="tx1"/>
+                </a:solidFill>
+              </a:rPr>
+              <a:t>[</a:t>
+            </a:r>
+            <a:r>
+              <a:rPr lang="en-US" altLang="zh-CN" dirty="0" err="1">
+                <a:solidFill>
+                  <a:schemeClr val="tx1"/>
+                </a:solidFill>
+              </a:rPr>
+              <a:t>l,r</a:t>
+            </a:r>
+            <a:r>
+              <a:rPr lang="en-US" altLang="zh-CN" dirty="0">
+                <a:solidFill>
+                  <a:schemeClr val="tx1"/>
+                </a:solidFill>
+              </a:rPr>
+              <a:t>]</a:t>
+            </a:r>
+            <a:r>
+              <a:rPr lang="zh-CN" altLang="en-US" dirty="0">
+                <a:solidFill>
+                  <a:schemeClr val="tx1"/>
+                </a:solidFill>
+              </a:rPr>
+              <a:t>区间。</a:t>
+            </a:r>
+            <a:endParaRPr lang="en-US" altLang="zh-CN" dirty="0">
+              <a:solidFill>
+                <a:schemeClr val="tx1"/>
+              </a:solidFill>
+            </a:endParaRPr>
+          </a:p>
+          <a:p>
+            <a:endParaRPr lang="en-US" altLang="zh-CN" dirty="0">
+              <a:solidFill>
+                <a:schemeClr val="tx1"/>
+              </a:solidFill>
+            </a:endParaRPr>
+          </a:p>
+          <a:p>
+            <a:r>
+              <a:rPr lang="zh-CN" altLang="en-US" dirty="0">
+                <a:solidFill>
+                  <a:schemeClr val="tx1"/>
+                </a:solidFill>
+              </a:rPr>
+              <a:t>线段树的结构特点是：若有</a:t>
+            </a:r>
+            <a:r>
+              <a:rPr lang="en-US" altLang="zh-CN" dirty="0">
+                <a:solidFill>
+                  <a:schemeClr val="tx1"/>
+                </a:solidFill>
+              </a:rPr>
+              <a:t>(</a:t>
+            </a:r>
+            <a:r>
+              <a:rPr lang="en-US" altLang="zh-CN" dirty="0" err="1">
+                <a:solidFill>
+                  <a:schemeClr val="tx1"/>
+                </a:solidFill>
+              </a:rPr>
+              <a:t>x,l,r</a:t>
+            </a:r>
+            <a:r>
+              <a:rPr lang="en-US" altLang="zh-CN" dirty="0">
+                <a:solidFill>
+                  <a:schemeClr val="tx1"/>
+                </a:solidFill>
+              </a:rPr>
+              <a:t>)</a:t>
+            </a:r>
+            <a:r>
+              <a:rPr lang="zh-CN" altLang="en-US" dirty="0">
+                <a:solidFill>
+                  <a:schemeClr val="tx1"/>
+                </a:solidFill>
+              </a:rPr>
+              <a:t>，则取区间中点</a:t>
+            </a:r>
+            <a:r>
+              <a:rPr lang="en-US" altLang="zh-CN" dirty="0">
+                <a:solidFill>
+                  <a:schemeClr val="tx1"/>
+                </a:solidFill>
+              </a:rPr>
+              <a:t>mid = (l + r )/2</a:t>
+            </a:r>
+            <a:r>
+              <a:rPr lang="zh-CN" altLang="en-US" dirty="0">
+                <a:solidFill>
+                  <a:schemeClr val="tx1"/>
+                </a:solidFill>
+              </a:rPr>
+              <a:t>，则</a:t>
+            </a:r>
+            <a:r>
+              <a:rPr lang="en-US" altLang="zh-CN" dirty="0">
+                <a:solidFill>
+                  <a:schemeClr val="tx1"/>
+                </a:solidFill>
+              </a:rPr>
+              <a:t>(2*</a:t>
+            </a:r>
+            <a:r>
+              <a:rPr lang="en-US" altLang="zh-CN" dirty="0" err="1">
+                <a:solidFill>
+                  <a:schemeClr val="tx1"/>
+                </a:solidFill>
+              </a:rPr>
+              <a:t>x,l,mid</a:t>
+            </a:r>
+            <a:r>
+              <a:rPr lang="en-US" altLang="zh-CN" dirty="0">
+                <a:solidFill>
+                  <a:schemeClr val="tx1"/>
+                </a:solidFill>
+              </a:rPr>
+              <a:t>)</a:t>
+            </a:r>
+            <a:r>
+              <a:rPr lang="zh-CN" altLang="en-US" dirty="0">
+                <a:solidFill>
+                  <a:schemeClr val="tx1"/>
+                </a:solidFill>
+              </a:rPr>
+              <a:t>以及</a:t>
+            </a:r>
+            <a:r>
+              <a:rPr lang="en-US" altLang="zh-CN" dirty="0">
+                <a:solidFill>
+                  <a:schemeClr val="tx1"/>
+                </a:solidFill>
+              </a:rPr>
+              <a:t>(2*x+1,mid+1,r)</a:t>
+            </a:r>
+            <a:r>
+              <a:rPr lang="zh-CN" altLang="en-US" dirty="0">
+                <a:solidFill>
+                  <a:schemeClr val="tx1"/>
+                </a:solidFill>
+              </a:rPr>
+              <a:t>。</a:t>
+            </a:r>
+            <a:endParaRPr lang="en-US" altLang="zh-CN" dirty="0">
+              <a:solidFill>
+                <a:schemeClr val="tx1"/>
+              </a:solidFill>
+            </a:endParaRPr>
+          </a:p>
+          <a:p>
+            <a:r>
+              <a:rPr lang="zh-CN" altLang="en-US" dirty="0">
+                <a:solidFill>
+                  <a:schemeClr val="tx1"/>
+                </a:solidFill>
+              </a:rPr>
+              <a:t>即每个节点的左儿子代表的是父亲的左一半区间，右儿子是父亲的右一半区间。</a:t>
+            </a:r>
+            <a:endParaRPr lang="en-US" altLang="zh-CN" dirty="0">
+              <a:solidFill>
+                <a:schemeClr val="tx1"/>
+              </a:solidFill>
+            </a:endParaRPr>
+          </a:p>
+          <a:p>
             <a:endParaRPr lang="zh-CN" altLang="en-US" dirty="0"/>
           </a:p>
         </p:txBody>
@@ -8904,7 +9723,7 @@
     </p:spTree>
     <p:extLst>
       <p:ext uri="{BB962C8B-B14F-4D97-AF65-F5344CB8AC3E}">
-        <p14:creationId xmlns:p14="http://schemas.microsoft.com/office/powerpoint/2010/main" val="1438015822"/>
+        <p14:creationId xmlns:p14="http://schemas.microsoft.com/office/powerpoint/2010/main" val="2634458080"/>
       </p:ext>
     </p:extLst>
   </p:cSld>
@@ -8948,7 +9767,7 @@
           <a:p>
             <a:r>
               <a:rPr lang="zh-CN" altLang="en-US" dirty="0"/>
-              <a:t>题解</a:t>
+              <a:t>性质</a:t>
             </a:r>
           </a:p>
         </p:txBody>
@@ -8969,110 +9788,186 @@
           <a:lstStyle/>
           <a:p>
             <a:r>
-              <a:rPr lang="zh-CN" altLang="en-US" dirty="0" smtClean="0"/>
-              <a:t>比较字典序实际上就是求</a:t>
-            </a:r>
-            <a:r>
-              <a:rPr lang="en-US" altLang="zh-CN" dirty="0" smtClean="0"/>
-              <a:t>LCP</a:t>
-            </a:r>
-            <a:r>
-              <a:rPr lang="zh-CN" altLang="en-US" dirty="0" smtClean="0"/>
-              <a:t>，然后</a:t>
-            </a:r>
-            <a:r>
-              <a:rPr lang="en-US" altLang="zh-CN" dirty="0" smtClean="0"/>
-              <a:t>LCP</a:t>
-            </a:r>
-            <a:r>
-              <a:rPr lang="zh-CN" altLang="en-US" dirty="0" smtClean="0"/>
-              <a:t>后边的一个字符就是决定字典序的字符。</a:t>
-            </a:r>
-            <a:endParaRPr lang="en-US" altLang="zh-CN" dirty="0" smtClean="0"/>
-          </a:p>
-          <a:p>
-            <a:endParaRPr lang="en-US" altLang="zh-CN" dirty="0" smtClean="0"/>
-          </a:p>
-          <a:p>
-            <a:r>
-              <a:rPr lang="zh-CN" altLang="en-US" dirty="0" smtClean="0"/>
-              <a:t>求</a:t>
-            </a:r>
-            <a:r>
-              <a:rPr lang="en-US" altLang="zh-CN" dirty="0" smtClean="0"/>
-              <a:t>LCP</a:t>
-            </a:r>
-            <a:r>
-              <a:rPr lang="zh-CN" altLang="en-US" dirty="0" smtClean="0"/>
-              <a:t>可以使用之前讲过的 二分 </a:t>
-            </a:r>
-            <a:r>
-              <a:rPr lang="en-US" altLang="zh-CN" dirty="0" smtClean="0"/>
-              <a:t>+ Hash</a:t>
-            </a:r>
-            <a:r>
-              <a:rPr lang="zh-CN" altLang="en-US" dirty="0" smtClean="0"/>
-              <a:t>。</a:t>
-            </a:r>
-            <a:endParaRPr lang="en-US" altLang="zh-CN" dirty="0" smtClean="0"/>
-          </a:p>
-          <a:p>
-            <a:endParaRPr lang="en-US" altLang="zh-CN" dirty="0" smtClean="0"/>
-          </a:p>
-          <a:p>
-            <a:r>
-              <a:rPr lang="zh-CN" altLang="en-US" dirty="0" smtClean="0"/>
-              <a:t>本题有单点修改操作，因此使用线段树维护</a:t>
-            </a:r>
-            <a:r>
-              <a:rPr lang="en-US" altLang="zh-CN" dirty="0" smtClean="0"/>
-              <a:t>Hash</a:t>
-            </a:r>
-            <a:r>
-              <a:rPr lang="zh-CN" altLang="en-US" dirty="0" smtClean="0"/>
-              <a:t>值。</a:t>
-            </a:r>
-            <a:endParaRPr lang="en-US" altLang="zh-CN" dirty="0" smtClean="0"/>
-          </a:p>
-          <a:p>
+              <a:rPr lang="zh-CN" altLang="en-US" dirty="0"/>
+              <a:t>性质</a:t>
+            </a:r>
+            <a:r>
+              <a:rPr lang="en-US" altLang="zh-CN" dirty="0"/>
+              <a:t>1</a:t>
+            </a:r>
+            <a:r>
+              <a:rPr lang="zh-CN" altLang="en-US" dirty="0"/>
+              <a:t>：线段树的树高为</a:t>
+            </a:r>
+            <a:r>
+              <a:rPr lang="en-US" altLang="zh-CN" dirty="0"/>
+              <a:t>O(</a:t>
+            </a:r>
+            <a:r>
+              <a:rPr lang="en-US" altLang="zh-CN" dirty="0" err="1"/>
+              <a:t>logn</a:t>
+            </a:r>
+            <a:r>
+              <a:rPr lang="en-US" altLang="zh-CN" dirty="0"/>
+              <a:t>)</a:t>
+            </a:r>
+            <a:r>
+              <a:rPr lang="zh-CN" altLang="en-US" dirty="0"/>
+              <a:t>：因为深度</a:t>
+            </a:r>
+            <a:r>
+              <a:rPr lang="en-US" altLang="zh-CN" dirty="0"/>
+              <a:t>+1</a:t>
+            </a:r>
+            <a:r>
+              <a:rPr lang="zh-CN" altLang="en-US" dirty="0"/>
+              <a:t>，区间长度减半。</a:t>
+            </a:r>
             <a:endParaRPr lang="en-US" altLang="zh-CN" dirty="0"/>
           </a:p>
           <a:p>
-            <a:r>
-              <a:rPr lang="zh-CN" altLang="en-US" dirty="0" smtClean="0"/>
-              <a:t>定义</a:t>
-            </a:r>
-            <a:r>
-              <a:rPr lang="en-US" altLang="zh-CN" dirty="0" smtClean="0"/>
-              <a:t>hash[x] </a:t>
-            </a:r>
-            <a:r>
-              <a:rPr lang="zh-CN" altLang="en-US" dirty="0" smtClean="0"/>
-              <a:t>表示节点</a:t>
-            </a:r>
-            <a:r>
-              <a:rPr lang="en-US" altLang="zh-CN" dirty="0" smtClean="0"/>
+            <a:endParaRPr lang="en-US" altLang="zh-CN" dirty="0"/>
+          </a:p>
+          <a:p>
+            <a:r>
+              <a:rPr lang="zh-CN" altLang="en-US" dirty="0"/>
+              <a:t>性质</a:t>
+            </a:r>
+            <a:r>
+              <a:rPr lang="en-US" altLang="zh-CN" dirty="0"/>
+              <a:t>2</a:t>
+            </a:r>
+            <a:r>
+              <a:rPr lang="zh-CN" altLang="en-US" dirty="0"/>
+              <a:t>：对于任意一个位置</a:t>
+            </a:r>
+            <a:r>
+              <a:rPr lang="en-US" altLang="zh-CN" dirty="0" err="1"/>
+              <a:t>i</a:t>
+            </a:r>
+            <a:r>
+              <a:rPr lang="zh-CN" altLang="en-US" dirty="0"/>
+              <a:t>，包含</a:t>
+            </a:r>
+            <a:r>
+              <a:rPr lang="en-US" altLang="zh-CN" dirty="0" err="1"/>
+              <a:t>i</a:t>
+            </a:r>
+            <a:r>
+              <a:rPr lang="zh-CN" altLang="en-US" dirty="0"/>
+              <a:t>的线段树节点只有</a:t>
+            </a:r>
+            <a:r>
+              <a:rPr lang="en-US" altLang="zh-CN" dirty="0"/>
+              <a:t>O(</a:t>
+            </a:r>
+            <a:r>
+              <a:rPr lang="en-US" altLang="zh-CN" dirty="0" err="1"/>
+              <a:t>logn</a:t>
+            </a:r>
+            <a:r>
+              <a:rPr lang="en-US" altLang="zh-CN" dirty="0"/>
+              <a:t>)</a:t>
+            </a:r>
+            <a:r>
+              <a:rPr lang="zh-CN" altLang="en-US" dirty="0"/>
+              <a:t>个，即从</a:t>
+            </a:r>
+            <a:r>
+              <a:rPr lang="en-US" altLang="zh-CN" dirty="0"/>
               <a:t>(</a:t>
             </a:r>
             <a:r>
-              <a:rPr lang="en-US" altLang="zh-CN" dirty="0" err="1" smtClean="0"/>
-              <a:t>x,l,r</a:t>
-            </a:r>
-            <a:r>
-              <a:rPr lang="en-US" altLang="zh-CN" dirty="0" smtClean="0"/>
+              <a:rPr lang="en-US" altLang="zh-CN" dirty="0" err="1"/>
+              <a:t>x,i,i</a:t>
+            </a:r>
+            <a:r>
+              <a:rPr lang="en-US" altLang="zh-CN" dirty="0"/>
               <a:t>)</a:t>
             </a:r>
             <a:r>
-              <a:rPr lang="zh-CN" altLang="en-US" dirty="0" smtClean="0"/>
-              <a:t>的</a:t>
-            </a:r>
-            <a:r>
-              <a:rPr lang="en-US" altLang="zh-CN" dirty="0" smtClean="0"/>
-              <a:t>hash</a:t>
-            </a:r>
-            <a:r>
-              <a:rPr lang="zh-CN" altLang="en-US" dirty="0" smtClean="0"/>
-              <a:t>值。</a:t>
+              <a:rPr lang="zh-CN" altLang="en-US" dirty="0"/>
+              <a:t>节点到根节点的链。</a:t>
+            </a:r>
+            <a:endParaRPr lang="en-US" altLang="zh-CN" dirty="0"/>
+          </a:p>
+          <a:p>
+            <a:endParaRPr lang="en-US" altLang="zh-CN" dirty="0"/>
+          </a:p>
+          <a:p>
+            <a:r>
+              <a:rPr lang="zh-CN" altLang="en-US" dirty="0"/>
+              <a:t>性质</a:t>
+            </a:r>
+            <a:r>
+              <a:rPr lang="en-US" altLang="zh-CN" dirty="0"/>
+              <a:t>3</a:t>
+            </a:r>
+            <a:r>
+              <a:rPr lang="zh-CN" altLang="en-US" dirty="0"/>
+              <a:t>：任意一个区间</a:t>
+            </a:r>
+            <a:r>
+              <a:rPr lang="en-US" altLang="zh-CN" dirty="0"/>
+              <a:t>[</a:t>
+            </a:r>
+            <a:r>
+              <a:rPr lang="en-US" altLang="zh-CN" dirty="0" err="1"/>
+              <a:t>l,r</a:t>
+            </a:r>
+            <a:r>
+              <a:rPr lang="en-US" altLang="zh-CN" dirty="0"/>
+              <a:t>]</a:t>
+            </a:r>
+            <a:r>
+              <a:rPr lang="zh-CN" altLang="en-US" dirty="0"/>
+              <a:t>都可以用线段树上</a:t>
+            </a:r>
+            <a:r>
+              <a:rPr lang="en-US" altLang="zh-CN" dirty="0"/>
+              <a:t>O(</a:t>
+            </a:r>
+            <a:r>
+              <a:rPr lang="en-US" altLang="zh-CN" dirty="0" err="1"/>
+              <a:t>logn</a:t>
+            </a:r>
+            <a:r>
+              <a:rPr lang="en-US" altLang="zh-CN" dirty="0"/>
+              <a:t>)</a:t>
+            </a:r>
+            <a:r>
+              <a:rPr lang="zh-CN" altLang="en-US" dirty="0"/>
+              <a:t>个节点表示。</a:t>
+            </a:r>
+            <a:endParaRPr lang="en-US" altLang="zh-CN" dirty="0"/>
+          </a:p>
+          <a:p>
+            <a:endParaRPr lang="en-US" altLang="zh-CN" dirty="0"/>
+          </a:p>
+          <a:p>
+            <a:r>
+              <a:rPr lang="zh-CN" altLang="en-US" dirty="0"/>
+              <a:t>性质</a:t>
+            </a:r>
+            <a:r>
+              <a:rPr lang="en-US" altLang="zh-CN" dirty="0"/>
+              <a:t>4</a:t>
+            </a:r>
+            <a:r>
+              <a:rPr lang="zh-CN" altLang="en-US" dirty="0"/>
+              <a:t>：线段树节点个数为</a:t>
+            </a:r>
+            <a:r>
+              <a:rPr lang="en-US" altLang="zh-CN" dirty="0"/>
+              <a:t>O(n)</a:t>
+            </a:r>
+            <a:r>
+              <a:rPr lang="zh-CN" altLang="en-US" dirty="0"/>
+              <a:t>：</a:t>
+            </a:r>
+            <a:r>
+              <a:rPr lang="en-US" altLang="zh-CN" dirty="0"/>
+              <a:t>1 + 2 + 4 + 8 + … + n = 2n-1</a:t>
             </a:r>
             <a:endParaRPr lang="zh-CN" altLang="en-US" dirty="0"/>
           </a:p>
@@ -9081,7 +9976,7 @@
     </p:spTree>
     <p:extLst>
       <p:ext uri="{BB962C8B-B14F-4D97-AF65-F5344CB8AC3E}">
-        <p14:creationId xmlns:p14="http://schemas.microsoft.com/office/powerpoint/2010/main" val="1586366444"/>
+        <p14:creationId xmlns:p14="http://schemas.microsoft.com/office/powerpoint/2010/main" val="900492541"/>
       </p:ext>
     </p:extLst>
   </p:cSld>
